--- a/slides/python_biopython_Multiple_alignment.pptx
+++ b/slides/python_biopython_Multiple_alignment.pptx
@@ -326,7 +326,7 @@
           <a:p>
             <a:fld id="{5EB47243-285B-2741-8C7D-C88258D9CCFA}" type="datetimeFigureOut">
               <a:rPr lang="fr-FR" smtClean="0"/>
-              <a:t>06/11/16</a:t>
+              <a:t>08/11/16</a:t>
             </a:fld>
             <a:endParaRPr lang="fr-FR"/>
           </a:p>
@@ -492,7 +492,7 @@
           <a:p>
             <a:fld id="{7D088D39-B4EA-D24B-B9C3-6A64886EABE2}" type="datetimeFigureOut">
               <a:rPr lang="fr-FR" smtClean="0"/>
-              <a:t>06/11/16</a:t>
+              <a:t>08/11/16</a:t>
             </a:fld>
             <a:endParaRPr lang="fr-FR"/>
           </a:p>
@@ -1886,7 +1886,7 @@
           <a:p>
             <a:fld id="{751463B9-2A29-154C-A5AC-383AEA094CA9}" type="datetime1">
               <a:rPr lang="fr-FR" smtClean="0"/>
-              <a:t>06/11/16</a:t>
+              <a:t>08/11/16</a:t>
             </a:fld>
             <a:endParaRPr lang="fr-FR" dirty="0"/>
           </a:p>
@@ -2387,7 +2387,7 @@
           <a:p>
             <a:fld id="{093F68C3-195D-9E4F-A0F2-F73993E4FFAC}" type="datetime1">
               <a:rPr lang="fr-FR" smtClean="0"/>
-              <a:t>06/11/16</a:t>
+              <a:t>08/11/16</a:t>
             </a:fld>
             <a:endParaRPr lang="fr-FR" dirty="0"/>
           </a:p>
@@ -3810,7 +3810,7 @@
           <a:p>
             <a:fld id="{797E56E4-32A0-A24B-AE7B-5E5E4DFEC148}" type="datetime1">
               <a:rPr lang="fr-FR" smtClean="0"/>
-              <a:t>06/11/16</a:t>
+              <a:t>08/11/16</a:t>
             </a:fld>
             <a:endParaRPr lang="fr-FR" dirty="0"/>
           </a:p>
@@ -4721,7 +4721,7 @@
           <a:p>
             <a:fld id="{DE9A3856-CABC-754C-812C-14B8D30E1B18}" type="datetime1">
               <a:rPr lang="fr-FR" smtClean="0"/>
-              <a:t>06/11/16</a:t>
+              <a:t>08/11/16</a:t>
             </a:fld>
             <a:endParaRPr lang="fr-FR" dirty="0"/>
           </a:p>
@@ -5334,12 +5334,24 @@
             <p:ph idx="1"/>
           </p:nvPr>
         </p:nvSpPr>
-        <p:spPr/>
+        <p:spPr>
+          <a:xfrm>
+            <a:off x="279400" y="1236134"/>
+            <a:ext cx="8644466" cy="498920"/>
+          </a:xfrm>
+        </p:spPr>
         <p:txBody>
           <a:bodyPr/>
           <a:lstStyle/>
           <a:p>
-            <a:endParaRPr lang="fr-FR"/>
+            <a:r>
+              <a:rPr lang="en-US" dirty="0"/>
+              <a:t>Suppose you have a small alignment in PHYLIP format</a:t>
+            </a:r>
+            <a:endParaRPr lang="fr-FR" dirty="0"/>
+          </a:p>
+          <a:p>
+            <a:endParaRPr lang="fr-FR" dirty="0"/>
           </a:p>
         </p:txBody>
       </p:sp>
@@ -5360,7 +5372,7 @@
           <a:p>
             <a:fld id="{751463B9-2A29-154C-A5AC-383AEA094CA9}" type="datetime1">
               <a:rPr lang="fr-FR" smtClean="0"/>
-              <a:t>06/11/16</a:t>
+              <a:t>08/11/16</a:t>
             </a:fld>
             <a:endParaRPr lang="fr-FR" dirty="0"/>
           </a:p>
@@ -5409,6 +5421,386 @@
               <a:pPr/>
               <a:t>10</a:t>
             </a:fld>
+            <a:endParaRPr lang="fr-FR" dirty="0"/>
+          </a:p>
+        </p:txBody>
+      </p:sp>
+      <p:sp>
+        <p:nvSpPr>
+          <p:cNvPr id="7" name="ZoneTexte 6"/>
+          <p:cNvSpPr txBox="1"/>
+          <p:nvPr/>
+        </p:nvSpPr>
+        <p:spPr>
+          <a:xfrm>
+            <a:off x="279400" y="1961866"/>
+            <a:ext cx="8644466" cy="1107996"/>
+          </a:xfrm>
+          <a:prstGeom prst="rect">
+            <a:avLst/>
+          </a:prstGeom>
+          <a:solidFill>
+            <a:schemeClr val="accent2">
+              <a:lumMod val="60000"/>
+              <a:lumOff val="40000"/>
+            </a:schemeClr>
+          </a:solidFill>
+          <a:ln>
+            <a:noFill/>
+          </a:ln>
+        </p:spPr>
+        <p:txBody>
+          <a:bodyPr wrap="square" rtlCol="0">
+            <a:spAutoFit/>
+          </a:bodyPr>
+          <a:lstStyle>
+            <a:defPPr>
+              <a:defRPr lang="fr-FR"/>
+            </a:defPPr>
+            <a:lvl1pPr>
+              <a:defRPr sz="1400"/>
+            </a:lvl1pPr>
+          </a:lstStyle>
+          <a:p>
+            <a:r>
+              <a:rPr lang="nl-NL" sz="1100" dirty="0"/>
+              <a:t>5 6</a:t>
+            </a:r>
+          </a:p>
+          <a:p>
+            <a:r>
+              <a:rPr lang="nl-NL" sz="1100" dirty="0" err="1"/>
+              <a:t>Alpha</a:t>
+            </a:r>
+            <a:r>
+              <a:rPr lang="nl-NL" sz="1100" dirty="0"/>
+              <a:t> AACAAC</a:t>
+            </a:r>
+          </a:p>
+          <a:p>
+            <a:r>
+              <a:rPr lang="nl-NL" sz="1100" dirty="0" err="1"/>
+              <a:t>Beta</a:t>
+            </a:r>
+            <a:r>
+              <a:rPr lang="nl-NL" sz="1100" dirty="0"/>
+              <a:t> AACCCC</a:t>
+            </a:r>
+          </a:p>
+          <a:p>
+            <a:r>
+              <a:rPr lang="nl-NL" sz="1100" dirty="0"/>
+              <a:t>Gamma ACCAAC</a:t>
+            </a:r>
+          </a:p>
+          <a:p>
+            <a:r>
+              <a:rPr lang="nl-NL" sz="1100" dirty="0"/>
+              <a:t>Delta CCACCA</a:t>
+            </a:r>
+          </a:p>
+          <a:p>
+            <a:r>
+              <a:rPr lang="nl-NL" sz="1100" dirty="0"/>
+              <a:t>Epsilon CCAAAC</a:t>
+            </a:r>
+          </a:p>
+        </p:txBody>
+      </p:sp>
+      <p:sp>
+        <p:nvSpPr>
+          <p:cNvPr id="8" name="ZoneTexte 7"/>
+          <p:cNvSpPr txBox="1"/>
+          <p:nvPr/>
+        </p:nvSpPr>
+        <p:spPr>
+          <a:xfrm>
+            <a:off x="279400" y="3799000"/>
+            <a:ext cx="8644466" cy="1107996"/>
+          </a:xfrm>
+          <a:prstGeom prst="rect">
+            <a:avLst/>
+          </a:prstGeom>
+          <a:solidFill>
+            <a:schemeClr val="accent2">
+              <a:lumMod val="60000"/>
+              <a:lumOff val="40000"/>
+            </a:schemeClr>
+          </a:solidFill>
+          <a:ln>
+            <a:noFill/>
+          </a:ln>
+        </p:spPr>
+        <p:txBody>
+          <a:bodyPr wrap="square" rtlCol="0">
+            <a:spAutoFit/>
+          </a:bodyPr>
+          <a:lstStyle>
+            <a:defPPr>
+              <a:defRPr lang="fr-FR"/>
+            </a:defPPr>
+            <a:lvl1pPr>
+              <a:defRPr sz="1400"/>
+            </a:lvl1pPr>
+          </a:lstStyle>
+          <a:p>
+            <a:r>
+              <a:rPr lang="nl-NL" sz="1100" dirty="0"/>
+              <a:t>5 6</a:t>
+            </a:r>
+          </a:p>
+          <a:p>
+            <a:r>
+              <a:rPr lang="nl-NL" sz="1100" dirty="0" err="1"/>
+              <a:t>Alpha</a:t>
+            </a:r>
+            <a:r>
+              <a:rPr lang="nl-NL" sz="1100" dirty="0"/>
+              <a:t> AACAAC</a:t>
+            </a:r>
+          </a:p>
+          <a:p>
+            <a:r>
+              <a:rPr lang="nl-NL" sz="1100" dirty="0" err="1"/>
+              <a:t>Beta</a:t>
+            </a:r>
+            <a:r>
+              <a:rPr lang="nl-NL" sz="1100" dirty="0"/>
+              <a:t> AACCCC</a:t>
+            </a:r>
+          </a:p>
+          <a:p>
+            <a:r>
+              <a:rPr lang="nl-NL" sz="1100" dirty="0"/>
+              <a:t>Gamma ACCAAC</a:t>
+            </a:r>
+          </a:p>
+          <a:p>
+            <a:r>
+              <a:rPr lang="nl-NL" sz="1100" dirty="0"/>
+              <a:t>Delta CCACCA</a:t>
+            </a:r>
+          </a:p>
+          <a:p>
+            <a:r>
+              <a:rPr lang="nl-NL" sz="1100" dirty="0"/>
+              <a:t>Epsilon CCAAAC</a:t>
+            </a:r>
+          </a:p>
+        </p:txBody>
+      </p:sp>
+      <p:sp>
+        <p:nvSpPr>
+          <p:cNvPr id="9" name="Espace réservé du contenu 2"/>
+          <p:cNvSpPr txBox="1">
+            <a:spLocks/>
+          </p:cNvSpPr>
+          <p:nvPr/>
+        </p:nvSpPr>
+        <p:spPr>
+          <a:xfrm>
+            <a:off x="279400" y="3300080"/>
+            <a:ext cx="8644466" cy="498920"/>
+          </a:xfrm>
+          <a:prstGeom prst="rect">
+            <a:avLst/>
+          </a:prstGeom>
+        </p:spPr>
+        <p:txBody>
+          <a:bodyPr vert="horz" lIns="91440" tIns="45720" rIns="91440" bIns="45720" rtlCol="0">
+            <a:noAutofit/>
+          </a:bodyPr>
+          <a:lstStyle>
+            <a:lvl1pPr marL="342900" marR="0" indent="-342900" algn="l" defTabSz="457200" rtl="0" eaLnBrk="1" fontAlgn="auto" latinLnBrk="0" hangingPunct="1">
+              <a:lnSpc>
+                <a:spcPct val="100000"/>
+              </a:lnSpc>
+              <a:spcBef>
+                <a:spcPct val="20000"/>
+              </a:spcBef>
+              <a:spcAft>
+                <a:spcPts val="0"/>
+              </a:spcAft>
+              <a:buClr>
+                <a:schemeClr val="accent6"/>
+              </a:buClr>
+              <a:buSzTx/>
+              <a:buFont typeface="Lucida Grande"/>
+              <a:buChar char="➔"/>
+              <a:tabLst/>
+              <a:defRPr sz="2000" kern="1200">
+                <a:solidFill>
+                  <a:schemeClr val="tx1"/>
+                </a:solidFill>
+                <a:latin typeface="+mn-lt"/>
+                <a:ea typeface="+mn-ea"/>
+                <a:cs typeface="+mn-cs"/>
+              </a:defRPr>
+            </a:lvl1pPr>
+            <a:lvl2pPr marL="742950" marR="0" indent="-285750" algn="l" defTabSz="457200" rtl="0" eaLnBrk="1" fontAlgn="auto" latinLnBrk="0" hangingPunct="1">
+              <a:lnSpc>
+                <a:spcPct val="100000"/>
+              </a:lnSpc>
+              <a:spcBef>
+                <a:spcPct val="20000"/>
+              </a:spcBef>
+              <a:spcAft>
+                <a:spcPts val="0"/>
+              </a:spcAft>
+              <a:buClr>
+                <a:srgbClr val="009DE0"/>
+              </a:buClr>
+              <a:buSzTx/>
+              <a:buFont typeface="Arial"/>
+              <a:buChar char="›"/>
+              <a:tabLst/>
+              <a:defRPr sz="2800" kern="1200">
+                <a:solidFill>
+                  <a:schemeClr val="tx1"/>
+                </a:solidFill>
+                <a:latin typeface="+mn-lt"/>
+                <a:ea typeface="+mn-ea"/>
+                <a:cs typeface="+mn-cs"/>
+              </a:defRPr>
+            </a:lvl2pPr>
+            <a:lvl3pPr marL="1143000" marR="0" indent="-228600" algn="l" defTabSz="457200" rtl="0" eaLnBrk="1" fontAlgn="auto" latinLnBrk="0" hangingPunct="1">
+              <a:lnSpc>
+                <a:spcPct val="100000"/>
+              </a:lnSpc>
+              <a:spcBef>
+                <a:spcPct val="20000"/>
+              </a:spcBef>
+              <a:spcAft>
+                <a:spcPts val="0"/>
+              </a:spcAft>
+              <a:buClrTx/>
+              <a:buSzTx/>
+              <a:buFont typeface="Arial"/>
+              <a:buChar char="•"/>
+              <a:tabLst/>
+              <a:defRPr sz="2400" kern="1200">
+                <a:solidFill>
+                  <a:schemeClr val="tx1"/>
+                </a:solidFill>
+                <a:latin typeface="+mn-lt"/>
+                <a:ea typeface="+mn-ea"/>
+                <a:cs typeface="+mn-cs"/>
+              </a:defRPr>
+            </a:lvl3pPr>
+            <a:lvl4pPr marL="1600200" marR="0" indent="-228600" algn="l" defTabSz="457200" rtl="0" eaLnBrk="1" fontAlgn="auto" latinLnBrk="0" hangingPunct="1">
+              <a:lnSpc>
+                <a:spcPct val="100000"/>
+              </a:lnSpc>
+              <a:spcBef>
+                <a:spcPct val="20000"/>
+              </a:spcBef>
+              <a:spcAft>
+                <a:spcPts val="0"/>
+              </a:spcAft>
+              <a:buClrTx/>
+              <a:buSzTx/>
+              <a:buFont typeface="Arial"/>
+              <a:buChar char="–"/>
+              <a:tabLst/>
+              <a:defRPr sz="2000" kern="1200">
+                <a:solidFill>
+                  <a:schemeClr val="tx1"/>
+                </a:solidFill>
+                <a:latin typeface="+mn-lt"/>
+                <a:ea typeface="+mn-ea"/>
+                <a:cs typeface="+mn-cs"/>
+              </a:defRPr>
+            </a:lvl4pPr>
+            <a:lvl5pPr marL="2057400" marR="0" indent="-228600" algn="l" defTabSz="457200" rtl="0" eaLnBrk="1" fontAlgn="auto" latinLnBrk="0" hangingPunct="1">
+              <a:lnSpc>
+                <a:spcPct val="100000"/>
+              </a:lnSpc>
+              <a:spcBef>
+                <a:spcPct val="20000"/>
+              </a:spcBef>
+              <a:spcAft>
+                <a:spcPts val="0"/>
+              </a:spcAft>
+              <a:buClrTx/>
+              <a:buSzTx/>
+              <a:buFont typeface="Arial"/>
+              <a:buChar char="»"/>
+              <a:tabLst/>
+              <a:defRPr sz="2000" kern="1200">
+                <a:solidFill>
+                  <a:schemeClr val="tx1"/>
+                </a:solidFill>
+                <a:latin typeface="+mn-lt"/>
+                <a:ea typeface="+mn-ea"/>
+                <a:cs typeface="+mn-cs"/>
+              </a:defRPr>
+            </a:lvl5pPr>
+            <a:lvl6pPr marL="2514600" indent="-228600" algn="l" defTabSz="457200" rtl="0" eaLnBrk="1" latinLnBrk="0" hangingPunct="1">
+              <a:spcBef>
+                <a:spcPct val="20000"/>
+              </a:spcBef>
+              <a:buFont typeface="Arial"/>
+              <a:buChar char="•"/>
+              <a:defRPr sz="2000" kern="1200">
+                <a:solidFill>
+                  <a:schemeClr val="tx1"/>
+                </a:solidFill>
+                <a:latin typeface="+mn-lt"/>
+                <a:ea typeface="+mn-ea"/>
+                <a:cs typeface="+mn-cs"/>
+              </a:defRPr>
+            </a:lvl6pPr>
+            <a:lvl7pPr marL="2971800" indent="-228600" algn="l" defTabSz="457200" rtl="0" eaLnBrk="1" latinLnBrk="0" hangingPunct="1">
+              <a:spcBef>
+                <a:spcPct val="20000"/>
+              </a:spcBef>
+              <a:buFont typeface="Arial"/>
+              <a:buChar char="•"/>
+              <a:defRPr sz="2000" kern="1200">
+                <a:solidFill>
+                  <a:schemeClr val="tx1"/>
+                </a:solidFill>
+                <a:latin typeface="+mn-lt"/>
+                <a:ea typeface="+mn-ea"/>
+                <a:cs typeface="+mn-cs"/>
+              </a:defRPr>
+            </a:lvl7pPr>
+            <a:lvl8pPr marL="3429000" indent="-228600" algn="l" defTabSz="457200" rtl="0" eaLnBrk="1" latinLnBrk="0" hangingPunct="1">
+              <a:spcBef>
+                <a:spcPct val="20000"/>
+              </a:spcBef>
+              <a:buFont typeface="Arial"/>
+              <a:buChar char="•"/>
+              <a:defRPr sz="2000" kern="1200">
+                <a:solidFill>
+                  <a:schemeClr val="tx1"/>
+                </a:solidFill>
+                <a:latin typeface="+mn-lt"/>
+                <a:ea typeface="+mn-ea"/>
+                <a:cs typeface="+mn-cs"/>
+              </a:defRPr>
+            </a:lvl8pPr>
+            <a:lvl9pPr marL="3886200" indent="-228600" algn="l" defTabSz="457200" rtl="0" eaLnBrk="1" latinLnBrk="0" hangingPunct="1">
+              <a:spcBef>
+                <a:spcPct val="20000"/>
+              </a:spcBef>
+              <a:buFont typeface="Arial"/>
+              <a:buChar char="•"/>
+              <a:defRPr sz="2000" kern="1200">
+                <a:solidFill>
+                  <a:schemeClr val="tx1"/>
+                </a:solidFill>
+                <a:latin typeface="+mn-lt"/>
+                <a:ea typeface="+mn-ea"/>
+                <a:cs typeface="+mn-cs"/>
+              </a:defRPr>
+            </a:lvl9pPr>
+          </a:lstStyle>
+          <a:p>
+            <a:r>
+              <a:rPr lang="en-US" dirty="0" smtClean="0"/>
+              <a:t>Suppose you have a small alignment in PHYLIP format</a:t>
+            </a:r>
             <a:endParaRPr lang="fr-FR" dirty="0"/>
           </a:p>
         </p:txBody>
@@ -5484,10 +5876,22 @@
             <p:ph idx="1"/>
           </p:nvPr>
         </p:nvSpPr>
-        <p:spPr/>
+        <p:spPr>
+          <a:xfrm>
+            <a:off x="279400" y="1236134"/>
+            <a:ext cx="8644466" cy="487580"/>
+          </a:xfrm>
+        </p:spPr>
         <p:txBody>
           <a:bodyPr/>
           <a:lstStyle/>
+          <a:p>
+            <a:r>
+              <a:rPr lang="en-US" dirty="0"/>
+              <a:t>Suppose you have a small alignment in PHYLIP format</a:t>
+            </a:r>
+            <a:endParaRPr lang="fr-FR" dirty="0"/>
+          </a:p>
           <a:p>
             <a:endParaRPr lang="fr-FR" dirty="0"/>
           </a:p>
@@ -5510,7 +5914,7 @@
           <a:p>
             <a:fld id="{751463B9-2A29-154C-A5AC-383AEA094CA9}" type="datetime1">
               <a:rPr lang="fr-FR" smtClean="0"/>
-              <a:t>06/11/16</a:t>
+              <a:t>08/11/16</a:t>
             </a:fld>
             <a:endParaRPr lang="fr-FR" dirty="0"/>
           </a:p>
@@ -5559,6 +5963,389 @@
               <a:pPr/>
               <a:t>11</a:t>
             </a:fld>
+            <a:endParaRPr lang="fr-FR" dirty="0"/>
+          </a:p>
+        </p:txBody>
+      </p:sp>
+      <p:sp>
+        <p:nvSpPr>
+          <p:cNvPr id="7" name="ZoneTexte 6"/>
+          <p:cNvSpPr txBox="1"/>
+          <p:nvPr/>
+        </p:nvSpPr>
+        <p:spPr>
+          <a:xfrm>
+            <a:off x="279400" y="1927845"/>
+            <a:ext cx="8644466" cy="1107996"/>
+          </a:xfrm>
+          <a:prstGeom prst="rect">
+            <a:avLst/>
+          </a:prstGeom>
+          <a:solidFill>
+            <a:schemeClr val="accent2">
+              <a:lumMod val="60000"/>
+              <a:lumOff val="40000"/>
+            </a:schemeClr>
+          </a:solidFill>
+          <a:ln>
+            <a:noFill/>
+          </a:ln>
+        </p:spPr>
+        <p:txBody>
+          <a:bodyPr wrap="square" rtlCol="0">
+            <a:spAutoFit/>
+          </a:bodyPr>
+          <a:lstStyle>
+            <a:defPPr>
+              <a:defRPr lang="fr-FR"/>
+            </a:defPPr>
+            <a:lvl1pPr>
+              <a:defRPr sz="1400"/>
+            </a:lvl1pPr>
+          </a:lstStyle>
+          <a:p>
+            <a:r>
+              <a:rPr lang="nl-NL" sz="1100" dirty="0"/>
+              <a:t>5 6</a:t>
+            </a:r>
+          </a:p>
+          <a:p>
+            <a:r>
+              <a:rPr lang="nl-NL" sz="1100" dirty="0" err="1"/>
+              <a:t>Alpha</a:t>
+            </a:r>
+            <a:r>
+              <a:rPr lang="nl-NL" sz="1100" dirty="0"/>
+              <a:t> AACAAC</a:t>
+            </a:r>
+          </a:p>
+          <a:p>
+            <a:r>
+              <a:rPr lang="nl-NL" sz="1100" dirty="0" err="1"/>
+              <a:t>Beta</a:t>
+            </a:r>
+            <a:r>
+              <a:rPr lang="nl-NL" sz="1100" dirty="0"/>
+              <a:t> AACCCC</a:t>
+            </a:r>
+          </a:p>
+          <a:p>
+            <a:r>
+              <a:rPr lang="nl-NL" sz="1100" dirty="0"/>
+              <a:t>Gamma ACCAAC</a:t>
+            </a:r>
+          </a:p>
+          <a:p>
+            <a:r>
+              <a:rPr lang="nl-NL" sz="1100" dirty="0"/>
+              <a:t>Delta CCACCA</a:t>
+            </a:r>
+          </a:p>
+          <a:p>
+            <a:r>
+              <a:rPr lang="nl-NL" sz="1100" dirty="0"/>
+              <a:t>Epsilon CCAAAC</a:t>
+            </a:r>
+          </a:p>
+        </p:txBody>
+      </p:sp>
+      <p:sp>
+        <p:nvSpPr>
+          <p:cNvPr id="8" name="ZoneTexte 7"/>
+          <p:cNvSpPr txBox="1"/>
+          <p:nvPr/>
+        </p:nvSpPr>
+        <p:spPr>
+          <a:xfrm>
+            <a:off x="279400" y="4354653"/>
+            <a:ext cx="8644466" cy="1107996"/>
+          </a:xfrm>
+          <a:prstGeom prst="rect">
+            <a:avLst/>
+          </a:prstGeom>
+          <a:solidFill>
+            <a:schemeClr val="accent2">
+              <a:lumMod val="60000"/>
+              <a:lumOff val="40000"/>
+            </a:schemeClr>
+          </a:solidFill>
+          <a:ln>
+            <a:noFill/>
+          </a:ln>
+        </p:spPr>
+        <p:txBody>
+          <a:bodyPr wrap="square" rtlCol="0">
+            <a:spAutoFit/>
+          </a:bodyPr>
+          <a:lstStyle>
+            <a:defPPr>
+              <a:defRPr lang="fr-FR"/>
+            </a:defPPr>
+            <a:lvl1pPr>
+              <a:defRPr sz="1400"/>
+            </a:lvl1pPr>
+          </a:lstStyle>
+          <a:p>
+            <a:r>
+              <a:rPr lang="nl-NL" sz="1100" dirty="0"/>
+              <a:t>5 6</a:t>
+            </a:r>
+          </a:p>
+          <a:p>
+            <a:r>
+              <a:rPr lang="nl-NL" sz="1100" dirty="0" err="1"/>
+              <a:t>Alpha</a:t>
+            </a:r>
+            <a:r>
+              <a:rPr lang="nl-NL" sz="1100" dirty="0"/>
+              <a:t> AACAAC</a:t>
+            </a:r>
+          </a:p>
+          <a:p>
+            <a:r>
+              <a:rPr lang="nl-NL" sz="1100" dirty="0" err="1"/>
+              <a:t>Beta</a:t>
+            </a:r>
+            <a:r>
+              <a:rPr lang="nl-NL" sz="1100" dirty="0"/>
+              <a:t> AACCCC</a:t>
+            </a:r>
+          </a:p>
+          <a:p>
+            <a:r>
+              <a:rPr lang="nl-NL" sz="1100" dirty="0"/>
+              <a:t>Gamma ACCAAC</a:t>
+            </a:r>
+          </a:p>
+          <a:p>
+            <a:r>
+              <a:rPr lang="nl-NL" sz="1100" dirty="0"/>
+              <a:t>Delta CCACCA</a:t>
+            </a:r>
+          </a:p>
+          <a:p>
+            <a:r>
+              <a:rPr lang="nl-NL" sz="1100" dirty="0"/>
+              <a:t>Epsilon CCAAAC</a:t>
+            </a:r>
+          </a:p>
+        </p:txBody>
+      </p:sp>
+      <p:sp>
+        <p:nvSpPr>
+          <p:cNvPr id="10" name="Espace réservé du contenu 2"/>
+          <p:cNvSpPr txBox="1">
+            <a:spLocks/>
+          </p:cNvSpPr>
+          <p:nvPr/>
+        </p:nvSpPr>
+        <p:spPr>
+          <a:xfrm>
+            <a:off x="279400" y="3577197"/>
+            <a:ext cx="8644466" cy="487580"/>
+          </a:xfrm>
+          <a:prstGeom prst="rect">
+            <a:avLst/>
+          </a:prstGeom>
+        </p:spPr>
+        <p:txBody>
+          <a:bodyPr vert="horz" lIns="91440" tIns="45720" rIns="91440" bIns="45720" rtlCol="0">
+            <a:noAutofit/>
+          </a:bodyPr>
+          <a:lstStyle>
+            <a:lvl1pPr marL="342900" marR="0" indent="-342900" algn="l" defTabSz="457200" rtl="0" eaLnBrk="1" fontAlgn="auto" latinLnBrk="0" hangingPunct="1">
+              <a:lnSpc>
+                <a:spcPct val="100000"/>
+              </a:lnSpc>
+              <a:spcBef>
+                <a:spcPct val="20000"/>
+              </a:spcBef>
+              <a:spcAft>
+                <a:spcPts val="0"/>
+              </a:spcAft>
+              <a:buClr>
+                <a:schemeClr val="accent6"/>
+              </a:buClr>
+              <a:buSzTx/>
+              <a:buFont typeface="Lucida Grande"/>
+              <a:buChar char="➔"/>
+              <a:tabLst/>
+              <a:defRPr sz="2000" kern="1200">
+                <a:solidFill>
+                  <a:schemeClr val="tx1"/>
+                </a:solidFill>
+                <a:latin typeface="+mn-lt"/>
+                <a:ea typeface="+mn-ea"/>
+                <a:cs typeface="+mn-cs"/>
+              </a:defRPr>
+            </a:lvl1pPr>
+            <a:lvl2pPr marL="742950" marR="0" indent="-285750" algn="l" defTabSz="457200" rtl="0" eaLnBrk="1" fontAlgn="auto" latinLnBrk="0" hangingPunct="1">
+              <a:lnSpc>
+                <a:spcPct val="100000"/>
+              </a:lnSpc>
+              <a:spcBef>
+                <a:spcPct val="20000"/>
+              </a:spcBef>
+              <a:spcAft>
+                <a:spcPts val="0"/>
+              </a:spcAft>
+              <a:buClr>
+                <a:srgbClr val="009DE0"/>
+              </a:buClr>
+              <a:buSzTx/>
+              <a:buFont typeface="Arial"/>
+              <a:buChar char="›"/>
+              <a:tabLst/>
+              <a:defRPr sz="2800" kern="1200">
+                <a:solidFill>
+                  <a:schemeClr val="tx1"/>
+                </a:solidFill>
+                <a:latin typeface="+mn-lt"/>
+                <a:ea typeface="+mn-ea"/>
+                <a:cs typeface="+mn-cs"/>
+              </a:defRPr>
+            </a:lvl2pPr>
+            <a:lvl3pPr marL="1143000" marR="0" indent="-228600" algn="l" defTabSz="457200" rtl="0" eaLnBrk="1" fontAlgn="auto" latinLnBrk="0" hangingPunct="1">
+              <a:lnSpc>
+                <a:spcPct val="100000"/>
+              </a:lnSpc>
+              <a:spcBef>
+                <a:spcPct val="20000"/>
+              </a:spcBef>
+              <a:spcAft>
+                <a:spcPts val="0"/>
+              </a:spcAft>
+              <a:buClrTx/>
+              <a:buSzTx/>
+              <a:buFont typeface="Arial"/>
+              <a:buChar char="•"/>
+              <a:tabLst/>
+              <a:defRPr sz="2400" kern="1200">
+                <a:solidFill>
+                  <a:schemeClr val="tx1"/>
+                </a:solidFill>
+                <a:latin typeface="+mn-lt"/>
+                <a:ea typeface="+mn-ea"/>
+                <a:cs typeface="+mn-cs"/>
+              </a:defRPr>
+            </a:lvl3pPr>
+            <a:lvl4pPr marL="1600200" marR="0" indent="-228600" algn="l" defTabSz="457200" rtl="0" eaLnBrk="1" fontAlgn="auto" latinLnBrk="0" hangingPunct="1">
+              <a:lnSpc>
+                <a:spcPct val="100000"/>
+              </a:lnSpc>
+              <a:spcBef>
+                <a:spcPct val="20000"/>
+              </a:spcBef>
+              <a:spcAft>
+                <a:spcPts val="0"/>
+              </a:spcAft>
+              <a:buClrTx/>
+              <a:buSzTx/>
+              <a:buFont typeface="Arial"/>
+              <a:buChar char="–"/>
+              <a:tabLst/>
+              <a:defRPr sz="2000" kern="1200">
+                <a:solidFill>
+                  <a:schemeClr val="tx1"/>
+                </a:solidFill>
+                <a:latin typeface="+mn-lt"/>
+                <a:ea typeface="+mn-ea"/>
+                <a:cs typeface="+mn-cs"/>
+              </a:defRPr>
+            </a:lvl4pPr>
+            <a:lvl5pPr marL="2057400" marR="0" indent="-228600" algn="l" defTabSz="457200" rtl="0" eaLnBrk="1" fontAlgn="auto" latinLnBrk="0" hangingPunct="1">
+              <a:lnSpc>
+                <a:spcPct val="100000"/>
+              </a:lnSpc>
+              <a:spcBef>
+                <a:spcPct val="20000"/>
+              </a:spcBef>
+              <a:spcAft>
+                <a:spcPts val="0"/>
+              </a:spcAft>
+              <a:buClrTx/>
+              <a:buSzTx/>
+              <a:buFont typeface="Arial"/>
+              <a:buChar char="»"/>
+              <a:tabLst/>
+              <a:defRPr sz="2000" kern="1200">
+                <a:solidFill>
+                  <a:schemeClr val="tx1"/>
+                </a:solidFill>
+                <a:latin typeface="+mn-lt"/>
+                <a:ea typeface="+mn-ea"/>
+                <a:cs typeface="+mn-cs"/>
+              </a:defRPr>
+            </a:lvl5pPr>
+            <a:lvl6pPr marL="2514600" indent="-228600" algn="l" defTabSz="457200" rtl="0" eaLnBrk="1" latinLnBrk="0" hangingPunct="1">
+              <a:spcBef>
+                <a:spcPct val="20000"/>
+              </a:spcBef>
+              <a:buFont typeface="Arial"/>
+              <a:buChar char="•"/>
+              <a:defRPr sz="2000" kern="1200">
+                <a:solidFill>
+                  <a:schemeClr val="tx1"/>
+                </a:solidFill>
+                <a:latin typeface="+mn-lt"/>
+                <a:ea typeface="+mn-ea"/>
+                <a:cs typeface="+mn-cs"/>
+              </a:defRPr>
+            </a:lvl6pPr>
+            <a:lvl7pPr marL="2971800" indent="-228600" algn="l" defTabSz="457200" rtl="0" eaLnBrk="1" latinLnBrk="0" hangingPunct="1">
+              <a:spcBef>
+                <a:spcPct val="20000"/>
+              </a:spcBef>
+              <a:buFont typeface="Arial"/>
+              <a:buChar char="•"/>
+              <a:defRPr sz="2000" kern="1200">
+                <a:solidFill>
+                  <a:schemeClr val="tx1"/>
+                </a:solidFill>
+                <a:latin typeface="+mn-lt"/>
+                <a:ea typeface="+mn-ea"/>
+                <a:cs typeface="+mn-cs"/>
+              </a:defRPr>
+            </a:lvl7pPr>
+            <a:lvl8pPr marL="3429000" indent="-228600" algn="l" defTabSz="457200" rtl="0" eaLnBrk="1" latinLnBrk="0" hangingPunct="1">
+              <a:spcBef>
+                <a:spcPct val="20000"/>
+              </a:spcBef>
+              <a:buFont typeface="Arial"/>
+              <a:buChar char="•"/>
+              <a:defRPr sz="2000" kern="1200">
+                <a:solidFill>
+                  <a:schemeClr val="tx1"/>
+                </a:solidFill>
+                <a:latin typeface="+mn-lt"/>
+                <a:ea typeface="+mn-ea"/>
+                <a:cs typeface="+mn-cs"/>
+              </a:defRPr>
+            </a:lvl8pPr>
+            <a:lvl9pPr marL="3886200" indent="-228600" algn="l" defTabSz="457200" rtl="0" eaLnBrk="1" latinLnBrk="0" hangingPunct="1">
+              <a:spcBef>
+                <a:spcPct val="20000"/>
+              </a:spcBef>
+              <a:buFont typeface="Arial"/>
+              <a:buChar char="•"/>
+              <a:defRPr sz="2000" kern="1200">
+                <a:solidFill>
+                  <a:schemeClr val="tx1"/>
+                </a:solidFill>
+                <a:latin typeface="+mn-lt"/>
+                <a:ea typeface="+mn-ea"/>
+                <a:cs typeface="+mn-cs"/>
+              </a:defRPr>
+            </a:lvl9pPr>
+          </a:lstStyle>
+          <a:p>
+            <a:r>
+              <a:rPr lang="en-US" smtClean="0"/>
+              <a:t>Suppose you have a small alignment in PHYLIP format</a:t>
+            </a:r>
+            <a:endParaRPr lang="fr-FR" smtClean="0"/>
+          </a:p>
+          <a:p>
             <a:endParaRPr lang="fr-FR" dirty="0"/>
           </a:p>
         </p:txBody>
@@ -5622,7 +6409,12 @@
             <p:ph idx="1"/>
           </p:nvPr>
         </p:nvSpPr>
-        <p:spPr/>
+        <p:spPr>
+          <a:xfrm>
+            <a:off x="279400" y="1236134"/>
+            <a:ext cx="8644466" cy="600982"/>
+          </a:xfrm>
+        </p:spPr>
         <p:txBody>
           <a:bodyPr/>
           <a:lstStyle/>
@@ -5648,7 +6440,7 @@
           <a:p>
             <a:fld id="{751463B9-2A29-154C-A5AC-383AEA094CA9}" type="datetime1">
               <a:rPr lang="fr-FR" smtClean="0"/>
-              <a:t>06/11/16</a:t>
+              <a:t>08/11/16</a:t>
             </a:fld>
             <a:endParaRPr lang="fr-FR" dirty="0"/>
           </a:p>
@@ -5760,12 +6552,17 @@
             <p:ph idx="1"/>
           </p:nvPr>
         </p:nvSpPr>
-        <p:spPr/>
+        <p:spPr>
+          <a:xfrm>
+            <a:off x="279400" y="1236134"/>
+            <a:ext cx="8644466" cy="646343"/>
+          </a:xfrm>
+        </p:spPr>
         <p:txBody>
           <a:bodyPr/>
           <a:lstStyle/>
           <a:p>
-            <a:endParaRPr lang="fr-FR"/>
+            <a:endParaRPr lang="fr-FR" dirty="0"/>
           </a:p>
         </p:txBody>
       </p:sp>
@@ -5786,7 +6583,7 @@
           <a:p>
             <a:fld id="{751463B9-2A29-154C-A5AC-383AEA094CA9}" type="datetime1">
               <a:rPr lang="fr-FR" smtClean="0"/>
-              <a:t>06/11/16</a:t>
+              <a:t>08/11/16</a:t>
             </a:fld>
             <a:endParaRPr lang="fr-FR" dirty="0"/>
           </a:p>
@@ -5836,6 +6633,170 @@
               <a:t>13</a:t>
             </a:fld>
             <a:endParaRPr lang="fr-FR" dirty="0"/>
+          </a:p>
+        </p:txBody>
+      </p:sp>
+      <p:sp>
+        <p:nvSpPr>
+          <p:cNvPr id="7" name="ZoneTexte 6"/>
+          <p:cNvSpPr txBox="1"/>
+          <p:nvPr/>
+        </p:nvSpPr>
+        <p:spPr>
+          <a:xfrm>
+            <a:off x="279400" y="2086607"/>
+            <a:ext cx="8644466" cy="1107996"/>
+          </a:xfrm>
+          <a:prstGeom prst="rect">
+            <a:avLst/>
+          </a:prstGeom>
+          <a:solidFill>
+            <a:schemeClr val="accent2">
+              <a:lumMod val="60000"/>
+              <a:lumOff val="40000"/>
+            </a:schemeClr>
+          </a:solidFill>
+          <a:ln>
+            <a:noFill/>
+          </a:ln>
+        </p:spPr>
+        <p:txBody>
+          <a:bodyPr wrap="square" rtlCol="0">
+            <a:spAutoFit/>
+          </a:bodyPr>
+          <a:lstStyle>
+            <a:defPPr>
+              <a:defRPr lang="fr-FR"/>
+            </a:defPPr>
+            <a:lvl1pPr>
+              <a:defRPr sz="1400"/>
+            </a:lvl1pPr>
+          </a:lstStyle>
+          <a:p>
+            <a:r>
+              <a:rPr lang="nl-NL" sz="1100" dirty="0"/>
+              <a:t>5 6</a:t>
+            </a:r>
+          </a:p>
+          <a:p>
+            <a:r>
+              <a:rPr lang="nl-NL" sz="1100" dirty="0" err="1"/>
+              <a:t>Alpha</a:t>
+            </a:r>
+            <a:r>
+              <a:rPr lang="nl-NL" sz="1100" dirty="0"/>
+              <a:t> AACAAC</a:t>
+            </a:r>
+          </a:p>
+          <a:p>
+            <a:r>
+              <a:rPr lang="nl-NL" sz="1100" dirty="0" err="1"/>
+              <a:t>Beta</a:t>
+            </a:r>
+            <a:r>
+              <a:rPr lang="nl-NL" sz="1100" dirty="0"/>
+              <a:t> AACCCC</a:t>
+            </a:r>
+          </a:p>
+          <a:p>
+            <a:r>
+              <a:rPr lang="nl-NL" sz="1100" dirty="0"/>
+              <a:t>Gamma ACCAAC</a:t>
+            </a:r>
+          </a:p>
+          <a:p>
+            <a:r>
+              <a:rPr lang="nl-NL" sz="1100" dirty="0"/>
+              <a:t>Delta CCACCA</a:t>
+            </a:r>
+          </a:p>
+          <a:p>
+            <a:r>
+              <a:rPr lang="nl-NL" sz="1100" dirty="0"/>
+              <a:t>Epsilon CCAAAC</a:t>
+            </a:r>
+          </a:p>
+        </p:txBody>
+      </p:sp>
+      <p:sp>
+        <p:nvSpPr>
+          <p:cNvPr id="8" name="ZoneTexte 7"/>
+          <p:cNvSpPr txBox="1"/>
+          <p:nvPr/>
+        </p:nvSpPr>
+        <p:spPr>
+          <a:xfrm>
+            <a:off x="279400" y="4921664"/>
+            <a:ext cx="8644466" cy="1107996"/>
+          </a:xfrm>
+          <a:prstGeom prst="rect">
+            <a:avLst/>
+          </a:prstGeom>
+          <a:solidFill>
+            <a:schemeClr val="accent2">
+              <a:lumMod val="60000"/>
+              <a:lumOff val="40000"/>
+            </a:schemeClr>
+          </a:solidFill>
+          <a:ln>
+            <a:noFill/>
+          </a:ln>
+        </p:spPr>
+        <p:txBody>
+          <a:bodyPr wrap="square" rtlCol="0">
+            <a:spAutoFit/>
+          </a:bodyPr>
+          <a:lstStyle>
+            <a:defPPr>
+              <a:defRPr lang="fr-FR"/>
+            </a:defPPr>
+            <a:lvl1pPr>
+              <a:defRPr sz="1400"/>
+            </a:lvl1pPr>
+          </a:lstStyle>
+          <a:p>
+            <a:r>
+              <a:rPr lang="nl-NL" sz="1100" dirty="0"/>
+              <a:t>5 6</a:t>
+            </a:r>
+          </a:p>
+          <a:p>
+            <a:r>
+              <a:rPr lang="nl-NL" sz="1100" dirty="0" err="1"/>
+              <a:t>Alpha</a:t>
+            </a:r>
+            <a:r>
+              <a:rPr lang="nl-NL" sz="1100" dirty="0"/>
+              <a:t> AACAAC</a:t>
+            </a:r>
+          </a:p>
+          <a:p>
+            <a:r>
+              <a:rPr lang="nl-NL" sz="1100" dirty="0" err="1"/>
+              <a:t>Beta</a:t>
+            </a:r>
+            <a:r>
+              <a:rPr lang="nl-NL" sz="1100" dirty="0"/>
+              <a:t> AACCCC</a:t>
+            </a:r>
+          </a:p>
+          <a:p>
+            <a:r>
+              <a:rPr lang="nl-NL" sz="1100" dirty="0"/>
+              <a:t>Gamma ACCAAC</a:t>
+            </a:r>
+          </a:p>
+          <a:p>
+            <a:r>
+              <a:rPr lang="nl-NL" sz="1100" dirty="0"/>
+              <a:t>Delta CCACCA</a:t>
+            </a:r>
+          </a:p>
+          <a:p>
+            <a:r>
+              <a:rPr lang="nl-NL" sz="1100" dirty="0"/>
+              <a:t>Epsilon CCAAAC</a:t>
+            </a:r>
           </a:p>
         </p:txBody>
       </p:sp>
@@ -5924,7 +6885,7 @@
           <a:p>
             <a:fld id="{751463B9-2A29-154C-A5AC-383AEA094CA9}" type="datetime1">
               <a:rPr lang="fr-FR" smtClean="0"/>
-              <a:t>06/11/16</a:t>
+              <a:t>08/11/16</a:t>
             </a:fld>
             <a:endParaRPr lang="fr-FR" dirty="0"/>
           </a:p>
@@ -6062,7 +7023,7 @@
           <a:p>
             <a:fld id="{751463B9-2A29-154C-A5AC-383AEA094CA9}" type="datetime1">
               <a:rPr lang="fr-FR" smtClean="0"/>
-              <a:t>06/11/16</a:t>
+              <a:t>08/11/16</a:t>
             </a:fld>
             <a:endParaRPr lang="fr-FR" dirty="0"/>
           </a:p>
@@ -6200,7 +7161,7 @@
           <a:p>
             <a:fld id="{751463B9-2A29-154C-A5AC-383AEA094CA9}" type="datetime1">
               <a:rPr lang="fr-FR" smtClean="0"/>
-              <a:t>06/11/16</a:t>
+              <a:t>08/11/16</a:t>
             </a:fld>
             <a:endParaRPr lang="fr-FR" dirty="0"/>
           </a:p>
@@ -6338,7 +7299,7 @@
           <a:p>
             <a:fld id="{751463B9-2A29-154C-A5AC-383AEA094CA9}" type="datetime1">
               <a:rPr lang="fr-FR" smtClean="0"/>
-              <a:t>06/11/16</a:t>
+              <a:t>08/11/16</a:t>
             </a:fld>
             <a:endParaRPr lang="fr-FR" dirty="0"/>
           </a:p>
@@ -6476,7 +7437,7 @@
           <a:p>
             <a:fld id="{751463B9-2A29-154C-A5AC-383AEA094CA9}" type="datetime1">
               <a:rPr lang="fr-FR" smtClean="0"/>
-              <a:t>06/11/16</a:t>
+              <a:t>08/11/16</a:t>
             </a:fld>
             <a:endParaRPr lang="fr-FR" dirty="0"/>
           </a:p>
@@ -6614,7 +7575,7 @@
           <a:p>
             <a:fld id="{751463B9-2A29-154C-A5AC-383AEA094CA9}" type="datetime1">
               <a:rPr lang="fr-FR" smtClean="0"/>
-              <a:t>06/11/16</a:t>
+              <a:t>08/11/16</a:t>
             </a:fld>
             <a:endParaRPr lang="fr-FR" dirty="0"/>
           </a:p>
@@ -6977,7 +7938,7 @@
           <a:p>
             <a:fld id="{751463B9-2A29-154C-A5AC-383AEA094CA9}" type="datetime1">
               <a:rPr lang="fr-FR" smtClean="0"/>
-              <a:t>06/11/16</a:t>
+              <a:t>08/11/16</a:t>
             </a:fld>
             <a:endParaRPr lang="fr-FR" dirty="0"/>
           </a:p>
@@ -7115,7 +8076,7 @@
           <a:p>
             <a:fld id="{751463B9-2A29-154C-A5AC-383AEA094CA9}" type="datetime1">
               <a:rPr lang="fr-FR" smtClean="0"/>
-              <a:t>06/11/16</a:t>
+              <a:t>08/11/16</a:t>
             </a:fld>
             <a:endParaRPr lang="fr-FR" dirty="0"/>
           </a:p>
@@ -7253,7 +8214,7 @@
           <a:p>
             <a:fld id="{751463B9-2A29-154C-A5AC-383AEA094CA9}" type="datetime1">
               <a:rPr lang="fr-FR" smtClean="0"/>
-              <a:t>06/11/16</a:t>
+              <a:t>08/11/16</a:t>
             </a:fld>
             <a:endParaRPr lang="fr-FR" dirty="0"/>
           </a:p>
@@ -7391,7 +8352,7 @@
           <a:p>
             <a:fld id="{751463B9-2A29-154C-A5AC-383AEA094CA9}" type="datetime1">
               <a:rPr lang="fr-FR" smtClean="0"/>
-              <a:t>06/11/16</a:t>
+              <a:t>08/11/16</a:t>
             </a:fld>
             <a:endParaRPr lang="fr-FR" dirty="0"/>
           </a:p>
@@ -7529,7 +8490,7 @@
           <a:p>
             <a:fld id="{751463B9-2A29-154C-A5AC-383AEA094CA9}" type="datetime1">
               <a:rPr lang="fr-FR" smtClean="0"/>
-              <a:t>06/11/16</a:t>
+              <a:t>08/11/16</a:t>
             </a:fld>
             <a:endParaRPr lang="fr-FR" dirty="0"/>
           </a:p>
@@ -7667,7 +8628,7 @@
           <a:p>
             <a:fld id="{751463B9-2A29-154C-A5AC-383AEA094CA9}" type="datetime1">
               <a:rPr lang="fr-FR" smtClean="0"/>
-              <a:t>06/11/16</a:t>
+              <a:t>08/11/16</a:t>
             </a:fld>
             <a:endParaRPr lang="fr-FR" dirty="0"/>
           </a:p>
@@ -7973,7 +8934,7 @@
           <a:p>
             <a:fld id="{19B5B906-DB60-254B-B982-F62329EB7F88}" type="datetime1">
               <a:rPr lang="fr-FR" smtClean="0"/>
-              <a:t>06/11/16</a:t>
+              <a:t>08/11/16</a:t>
             </a:fld>
             <a:endParaRPr lang="fr-FR" dirty="0"/>
           </a:p>
@@ -8438,7 +9399,7 @@
           <a:p>
             <a:fld id="{751463B9-2A29-154C-A5AC-383AEA094CA9}" type="datetime1">
               <a:rPr lang="fr-FR" smtClean="0"/>
-              <a:t>06/11/16</a:t>
+              <a:t>08/11/16</a:t>
             </a:fld>
             <a:endParaRPr lang="fr-FR" dirty="0"/>
           </a:p>
@@ -8536,7 +9497,11 @@
           <a:bodyPr/>
           <a:lstStyle/>
           <a:p>
-            <a:endParaRPr lang="fr-FR"/>
+            <a:r>
+              <a:rPr lang="en-US" dirty="0"/>
+              <a:t>Single Alignments</a:t>
+            </a:r>
+            <a:endParaRPr lang="fr-FR" dirty="0"/>
           </a:p>
         </p:txBody>
       </p:sp>
@@ -8560,7 +9525,24 @@
           <a:bodyPr/>
           <a:lstStyle/>
           <a:p>
-            <a:endParaRPr lang="fr-FR"/>
+            <a:r>
+              <a:rPr lang="en-US" dirty="0"/>
+              <a:t>consider the following annotation rich protein alignment in the PFAM or Stockholm </a:t>
+            </a:r>
+            <a:r>
+              <a:rPr lang="en-US" dirty="0" smtClean="0"/>
+              <a:t>file</a:t>
+            </a:r>
+            <a:endParaRPr lang="en-US" dirty="0"/>
+          </a:p>
+          <a:p>
+            <a:r>
+              <a:rPr lang="en-US" dirty="0"/>
+              <a:t>format</a:t>
+            </a:r>
+          </a:p>
+          <a:p>
+            <a:endParaRPr lang="fr-FR" dirty="0"/>
           </a:p>
         </p:txBody>
       </p:sp>
@@ -8581,7 +9563,7 @@
           <a:p>
             <a:fld id="{751463B9-2A29-154C-A5AC-383AEA094CA9}" type="datetime1">
               <a:rPr lang="fr-FR" smtClean="0"/>
-              <a:t>06/11/16</a:t>
+              <a:t>08/11/16</a:t>
             </a:fld>
             <a:endParaRPr lang="fr-FR" dirty="0"/>
           </a:p>
@@ -8603,7 +9585,7 @@
           <a:lstStyle/>
           <a:p>
             <a:r>
-              <a:rPr lang="fr-FR" smtClean="0"/>
+              <a:rPr lang="fr-FR" dirty="0" smtClean="0"/>
               <a:t>Python pour la biologie</a:t>
             </a:r>
             <a:endParaRPr lang="fr-FR" dirty="0"/>
@@ -8642,8 +9624,8 @@
         </p:nvSpPr>
         <p:spPr>
           <a:xfrm>
-            <a:off x="279400" y="1539081"/>
-            <a:ext cx="8644466" cy="5078312"/>
+            <a:off x="279400" y="1822581"/>
+            <a:ext cx="8644466" cy="4708980"/>
           </a:xfrm>
           <a:prstGeom prst="rect">
             <a:avLst/>
@@ -8672,164 +9654,232 @@
           </a:lstStyle>
           <a:p>
             <a:r>
-              <a:rPr lang="mr-IN" sz="1200" dirty="0"/>
+              <a:rPr lang="mr-IN" sz="1200" dirty="0" smtClean="0">
+                <a:latin typeface="Arial"/>
+                <a:cs typeface="Arial"/>
+              </a:rPr>
               <a:t># STOCKHOLM 1.0</a:t>
             </a:r>
           </a:p>
           <a:p>
             <a:r>
-              <a:rPr lang="mr-IN" sz="1200" dirty="0"/>
+              <a:rPr lang="mr-IN" sz="1200" dirty="0" smtClean="0">
+                <a:latin typeface="Arial"/>
+                <a:cs typeface="Arial"/>
+              </a:rPr>
               <a:t>#=GS COATB_BPIKE/30-81 AC P03620.1</a:t>
             </a:r>
           </a:p>
           <a:p>
             <a:r>
-              <a:rPr lang="mr-IN" sz="1200" dirty="0"/>
+              <a:rPr lang="mr-IN" sz="1200" dirty="0" smtClean="0">
+                <a:latin typeface="Arial"/>
+                <a:cs typeface="Arial"/>
+              </a:rPr>
               <a:t>#=GS COATB_BPIKE/30-81 DR PDB; 1ifl ; 1-52;</a:t>
             </a:r>
           </a:p>
           <a:p>
             <a:r>
-              <a:rPr lang="mr-IN" sz="1200" dirty="0"/>
+              <a:rPr lang="mr-IN" sz="1200" dirty="0" smtClean="0">
+                <a:latin typeface="Arial"/>
+                <a:cs typeface="Arial"/>
+              </a:rPr>
               <a:t>#=GS Q9T0Q8_BPIKE/1-52 AC Q9T0Q8.1</a:t>
             </a:r>
           </a:p>
           <a:p>
             <a:r>
-              <a:rPr lang="mr-IN" sz="1200" dirty="0"/>
+              <a:rPr lang="mr-IN" sz="1200" dirty="0" smtClean="0">
+                <a:latin typeface="Arial"/>
+                <a:cs typeface="Arial"/>
+              </a:rPr>
               <a:t>#=GS COATB_BPI22/32-83 AC P15416.1</a:t>
             </a:r>
           </a:p>
           <a:p>
             <a:r>
-              <a:rPr lang="mr-IN" sz="1200" dirty="0"/>
+              <a:rPr lang="mr-IN" sz="1200" dirty="0" smtClean="0">
+                <a:latin typeface="Arial"/>
+                <a:cs typeface="Arial"/>
+              </a:rPr>
               <a:t>#=GS COATB_BPM13/24-72 AC P69541.1</a:t>
             </a:r>
           </a:p>
           <a:p>
             <a:r>
-              <a:rPr lang="mr-IN" sz="1200" dirty="0"/>
+              <a:rPr lang="mr-IN" sz="1200" dirty="0" smtClean="0">
+                <a:latin typeface="Arial"/>
+                <a:cs typeface="Arial"/>
+              </a:rPr>
               <a:t>#=GS COATB_BPM13/24-72 DR PDB; 2cpb ; 1-49;</a:t>
             </a:r>
           </a:p>
           <a:p>
             <a:r>
-              <a:rPr lang="mr-IN" sz="1200" dirty="0"/>
+              <a:rPr lang="mr-IN" sz="1200" dirty="0" smtClean="0">
+                <a:latin typeface="Arial"/>
+                <a:cs typeface="Arial"/>
+              </a:rPr>
               <a:t>#=GS COATB_BPM13/24-72 DR PDB; 2cps ; 1-49;</a:t>
             </a:r>
           </a:p>
           <a:p>
             <a:r>
-              <a:rPr lang="mr-IN" sz="1200" dirty="0"/>
+              <a:rPr lang="mr-IN" sz="1200" dirty="0" smtClean="0">
+                <a:latin typeface="Arial"/>
+                <a:cs typeface="Arial"/>
+              </a:rPr>
               <a:t>#=GS COATB_BPZJ2/1-49 AC P03618.1</a:t>
             </a:r>
           </a:p>
           <a:p>
             <a:r>
-              <a:rPr lang="mr-IN" sz="1200" dirty="0"/>
+              <a:rPr lang="mr-IN" sz="1200" dirty="0" smtClean="0">
+                <a:latin typeface="Arial"/>
+                <a:cs typeface="Arial"/>
+              </a:rPr>
               <a:t>#=GS Q9T0Q9_BPFD/1-49 AC Q9T0Q9.1</a:t>
             </a:r>
           </a:p>
           <a:p>
             <a:r>
-              <a:rPr lang="mr-IN" sz="1200" dirty="0"/>
+              <a:rPr lang="mr-IN" sz="1200" dirty="0" smtClean="0">
+                <a:latin typeface="Arial"/>
+                <a:cs typeface="Arial"/>
+              </a:rPr>
               <a:t>#=GS Q9T0Q9_BPFD/1-49 DR PDB; 1nh4 A; 1-49;</a:t>
             </a:r>
           </a:p>
           <a:p>
             <a:r>
-              <a:rPr lang="mr-IN" sz="1200" dirty="0"/>
+              <a:rPr lang="mr-IN" sz="1200" dirty="0" smtClean="0">
+                <a:latin typeface="Arial"/>
+                <a:cs typeface="Arial"/>
+              </a:rPr>
               <a:t>#=GS COATB_BPIF1/22-73 AC P03619.2</a:t>
             </a:r>
           </a:p>
           <a:p>
             <a:r>
-              <a:rPr lang="mr-IN" sz="1200" dirty="0"/>
+              <a:rPr lang="mr-IN" sz="1200" dirty="0" smtClean="0">
+                <a:latin typeface="Arial"/>
+                <a:cs typeface="Arial"/>
+              </a:rPr>
               <a:t>#=GS COATB_BPIF1/22-73 DR PDB; 1ifk ; 1-50;</a:t>
             </a:r>
           </a:p>
           <a:p>
             <a:r>
-              <a:rPr lang="mr-IN" sz="1200" dirty="0"/>
+              <a:rPr lang="mr-IN" sz="1200" dirty="0" smtClean="0">
+                <a:latin typeface="Arial"/>
+                <a:cs typeface="Arial"/>
+              </a:rPr>
               <a:t>COATB_BPIKE/30-81 AEPNAATNYATEAMDSLKTQAIDLISQTWPVVTTVVVAGLVIRLFKKFSSKA</a:t>
             </a:r>
           </a:p>
           <a:p>
             <a:r>
-              <a:rPr lang="mr-IN" sz="1200" dirty="0"/>
+              <a:rPr lang="mr-IN" sz="1200" dirty="0" smtClean="0">
+                <a:latin typeface="Arial"/>
+                <a:cs typeface="Arial"/>
+              </a:rPr>
               <a:t>#=GR COATB_BPIKE/30-81 SS -HHHHHHHHHHHHHH--HHHHHHHH--HHHHHHHHHHHHHHHHHHHHH----</a:t>
             </a:r>
           </a:p>
           <a:p>
             <a:r>
-              <a:rPr lang="mr-IN" sz="1200" dirty="0"/>
+              <a:rPr lang="mr-IN" sz="1200" dirty="0" smtClean="0">
+                <a:latin typeface="Arial"/>
+                <a:cs typeface="Arial"/>
+              </a:rPr>
               <a:t>Q9T0Q8_BPIKE/1-52 AEPNAATNYATEAMDSLKTQAIDLISQTWPVVTTVVVAGLVIKLFKKFVSRA</a:t>
             </a:r>
           </a:p>
           <a:p>
             <a:r>
-              <a:rPr lang="mr-IN" sz="1200" dirty="0"/>
+              <a:rPr lang="mr-IN" sz="1200" dirty="0" smtClean="0">
+                <a:latin typeface="Arial"/>
+                <a:cs typeface="Arial"/>
+              </a:rPr>
               <a:t>COATB_BPI22/32-83 DGTSTATSYATEAMNSLKTQATDLIDQTWPVVTSVAVAGLAIRLFKKFSSKA</a:t>
             </a:r>
           </a:p>
           <a:p>
             <a:r>
-              <a:rPr lang="mr-IN" sz="1200" dirty="0"/>
-              <a:t>COATB_BPM13/24-72 AEGDDP...AKAAFNSLQASATEYIGYAWAMVVVIVGATIGIKLFKKFTSKA</a:t>
-            </a:r>
-          </a:p>
-          <a:p>
-            <a:r>
-              <a:rPr lang="mr-IN" sz="1200" dirty="0"/>
+              <a:rPr lang="mr-IN" sz="1200" dirty="0" smtClean="0">
+                <a:latin typeface="Arial"/>
+                <a:cs typeface="Arial"/>
+              </a:rPr>
               <a:t>#=GR COATB_BPM13/24-72 SS ---S-T...CHCHHHHCCCCTCCCTTCHHHHHHHHHHHHHHHHHHHHCTT--</a:t>
             </a:r>
           </a:p>
           <a:p>
             <a:r>
-              <a:rPr lang="mr-IN" sz="1200" dirty="0"/>
+              <a:rPr lang="mr-IN" sz="1200" dirty="0" smtClean="0">
+                <a:latin typeface="Arial"/>
+                <a:cs typeface="Arial"/>
+              </a:rPr>
               <a:t>COATB_BPZJ2/1-49 AEGDDP...AKAAFDSLQASATEYIGYAWAMVVVIVGATIGIKLFKKFASKA</a:t>
             </a:r>
           </a:p>
           <a:p>
             <a:r>
-              <a:rPr lang="mr-IN" sz="1200" dirty="0"/>
+              <a:rPr lang="mr-IN" sz="1200" dirty="0" smtClean="0">
+                <a:latin typeface="Arial"/>
+                <a:cs typeface="Arial"/>
+              </a:rPr>
               <a:t>Q9T0Q9_BPFD/1-49 AEGDDP...AKAAFDSLQASATEYIGYAWAMVVVIVGATIGIKLFKKFTSKA</a:t>
             </a:r>
           </a:p>
           <a:p>
             <a:r>
-              <a:rPr lang="mr-IN" sz="1200" dirty="0"/>
+              <a:rPr lang="mr-IN" sz="1200" dirty="0" smtClean="0">
+                <a:latin typeface="Arial"/>
+                <a:cs typeface="Arial"/>
+              </a:rPr>
               <a:t>#=GR Q9T0Q9_BPFD/1-49 SS ------...-HHHHHHHHHHHHHHHHHHHHHHHHHHHHHHHHHHHHHHHH--</a:t>
             </a:r>
           </a:p>
           <a:p>
             <a:r>
-              <a:rPr lang="mr-IN" sz="1200" dirty="0"/>
+              <a:rPr lang="mr-IN" sz="1200" dirty="0" smtClean="0">
+                <a:latin typeface="Arial"/>
+                <a:cs typeface="Arial"/>
+              </a:rPr>
               <a:t>COATB_BPIF1/22-73 FAADDATSQAKAAFDSLTAQATEMSGYAWALVVLVVGATVGIKLFKKFVSRA</a:t>
             </a:r>
           </a:p>
           <a:p>
             <a:r>
-              <a:rPr lang="mr-IN" sz="1200" dirty="0"/>
+              <a:rPr lang="mr-IN" sz="1200" dirty="0" smtClean="0">
+                <a:latin typeface="Arial"/>
+                <a:cs typeface="Arial"/>
+              </a:rPr>
               <a:t>#=GR COATB_BPIF1/22-73 SS XX-HHHH--HHHHHH--HHHHHHH--HHHHHHHHHHHHHHHHHHHHHHH---</a:t>
             </a:r>
           </a:p>
           <a:p>
             <a:r>
-              <a:rPr lang="mr-IN" sz="1200" dirty="0"/>
+              <a:rPr lang="mr-IN" sz="1200" dirty="0" smtClean="0">
+                <a:latin typeface="Arial"/>
+                <a:cs typeface="Arial"/>
+              </a:rPr>
               <a:t>#=GC SS_cons XHHHHHHHHHHHHHHHCHHHHHHHHCHHHHHHHHHHHHHHHHHHHHHHHC--</a:t>
             </a:r>
           </a:p>
           <a:p>
             <a:r>
-              <a:rPr lang="mr-IN" sz="1200" dirty="0"/>
-              <a:t>#=GC seq_cons AEssss...AptAhDSLpspAT-</a:t>
-            </a:r>
-            <a:r>
-              <a:rPr lang="mr-IN" sz="1200" dirty="0" smtClean="0"/>
-              <a:t>hIu.sWshVsslVsAsluIKLFKKFsSKA</a:t>
-            </a:r>
-            <a:endParaRPr lang="mr-IN" sz="1200" dirty="0"/>
+              <a:rPr lang="mr-IN" sz="1200" dirty="0" smtClean="0">
+                <a:latin typeface="Arial"/>
+                <a:cs typeface="Arial"/>
+              </a:rPr>
+              <a:t>#=GC seq_cons AEssss...AptAhDSLpspAT-hIu.sWshVsslVsAsluIKLFKKFsSK</a:t>
+            </a:r>
+            <a:endParaRPr lang="fr-FR" sz="1200" dirty="0" smtClean="0">
+              <a:latin typeface="Arial"/>
+              <a:cs typeface="Arial"/>
+            </a:endParaRPr>
           </a:p>
         </p:txBody>
       </p:sp>
@@ -8878,30 +9928,14 @@
           <a:bodyPr/>
           <a:lstStyle/>
           <a:p>
-            <a:endParaRPr lang="fr-FR"/>
-          </a:p>
-        </p:txBody>
-      </p:sp>
-      <p:sp>
-        <p:nvSpPr>
-          <p:cNvPr id="3" name="Espace réservé du contenu 2"/>
-          <p:cNvSpPr>
-            <a:spLocks noGrp="1"/>
-          </p:cNvSpPr>
-          <p:nvPr>
-            <p:ph idx="1"/>
-          </p:nvPr>
-        </p:nvSpPr>
-        <p:spPr>
-          <a:xfrm>
-            <a:off x="279400" y="1236134"/>
-            <a:ext cx="8644466" cy="476240"/>
-          </a:xfrm>
-        </p:spPr>
-        <p:txBody>
-          <a:bodyPr/>
-          <a:lstStyle/>
-          <a:p>
+            <a:r>
+              <a:rPr lang="en-US" dirty="0"/>
+              <a:t>Single </a:t>
+            </a:r>
+            <a:r>
+              <a:rPr lang="en-US" dirty="0" smtClean="0"/>
+              <a:t>Alignments (2)</a:t>
+            </a:r>
             <a:endParaRPr lang="fr-FR" dirty="0"/>
           </a:p>
         </p:txBody>
@@ -8923,7 +9957,7 @@
           <a:p>
             <a:fld id="{751463B9-2A29-154C-A5AC-383AEA094CA9}" type="datetime1">
               <a:rPr lang="fr-FR" smtClean="0"/>
-              <a:t>06/11/16</a:t>
+              <a:t>08/11/16</a:t>
             </a:fld>
             <a:endParaRPr lang="fr-FR" dirty="0"/>
           </a:p>
@@ -8984,7 +10018,7 @@
         </p:nvSpPr>
         <p:spPr>
           <a:xfrm>
-            <a:off x="279400" y="1712374"/>
+            <a:off x="279400" y="1168043"/>
             <a:ext cx="8644466" cy="461665"/>
           </a:xfrm>
           <a:prstGeom prst="rect">
@@ -9055,7 +10089,7 @@
         </p:nvSpPr>
         <p:spPr>
           <a:xfrm>
-            <a:off x="279400" y="2189453"/>
+            <a:off x="279400" y="1826565"/>
             <a:ext cx="8644466" cy="1754327"/>
           </a:xfrm>
           <a:prstGeom prst="rect">
@@ -9091,53 +10125,89 @@
           </a:p>
           <a:p>
             <a:r>
-              <a:rPr lang="en-US" sz="1200" dirty="0" err="1"/>
+              <a:rPr lang="en-US" sz="1200" dirty="0" err="1">
+                <a:solidFill>
+                  <a:srgbClr val="FF0000"/>
+                </a:solidFill>
+              </a:rPr>
               <a:t>SingleLetterAlphabet</a:t>
             </a:r>
             <a:r>
-              <a:rPr lang="en-US" sz="1200" dirty="0"/>
+              <a:rPr lang="en-US" sz="1200" dirty="0">
+                <a:solidFill>
+                  <a:srgbClr val="FF0000"/>
+                </a:solidFill>
+              </a:rPr>
               <a:t>() alignment with 7 rows and 52 columns</a:t>
             </a:r>
           </a:p>
           <a:p>
             <a:r>
-              <a:rPr lang="en-US" sz="1200" dirty="0"/>
+              <a:rPr lang="en-US" sz="1200" dirty="0">
+                <a:solidFill>
+                  <a:srgbClr val="FF0000"/>
+                </a:solidFill>
+              </a:rPr>
               <a:t>AEPNAATNYATEAMDSLKTQAIDLISQTWPVVTTVVVAGLVIRL...SKA COATB_BPIKE/30-81</a:t>
             </a:r>
           </a:p>
           <a:p>
             <a:r>
-              <a:rPr lang="en-US" sz="1200" dirty="0"/>
+              <a:rPr lang="en-US" sz="1200" dirty="0">
+                <a:solidFill>
+                  <a:srgbClr val="FF0000"/>
+                </a:solidFill>
+              </a:rPr>
               <a:t>AEPNAATNYATEAMDSLKTQAIDLISQTWPVVTTVVVAGLVIKL...SRA Q9T0Q8_BPIKE/1-52</a:t>
             </a:r>
           </a:p>
           <a:p>
             <a:r>
-              <a:rPr lang="en-US" sz="1200" dirty="0"/>
+              <a:rPr lang="en-US" sz="1200" dirty="0">
+                <a:solidFill>
+                  <a:srgbClr val="FF0000"/>
+                </a:solidFill>
+              </a:rPr>
               <a:t>DGTSTATSYATEAMNSLKTQATDLIDQTWPVVTSVAVAGLAIRL...SKA COATB_BPI22/32-83</a:t>
             </a:r>
           </a:p>
           <a:p>
             <a:r>
-              <a:rPr lang="en-US" sz="1200" dirty="0"/>
+              <a:rPr lang="en-US" sz="1200" dirty="0">
+                <a:solidFill>
+                  <a:srgbClr val="FF0000"/>
+                </a:solidFill>
+              </a:rPr>
               <a:t>AEGDDP---AKAAFNSLQASATEYIGYAWAMVVVIVGATIGIKL...SKA COATB_BPM13/24-72</a:t>
             </a:r>
           </a:p>
           <a:p>
             <a:r>
-              <a:rPr lang="en-US" sz="1200" dirty="0"/>
+              <a:rPr lang="en-US" sz="1200" dirty="0">
+                <a:solidFill>
+                  <a:srgbClr val="FF0000"/>
+                </a:solidFill>
+              </a:rPr>
               <a:t>AEGDDP---AKAAFDSLQASATEYIGYAWAMVVVIVGATIGIKL...SKA COATB_BPZJ2/1-49</a:t>
             </a:r>
           </a:p>
           <a:p>
             <a:r>
-              <a:rPr lang="en-US" sz="1200" dirty="0"/>
+              <a:rPr lang="en-US" sz="1200" dirty="0">
+                <a:solidFill>
+                  <a:srgbClr val="FF0000"/>
+                </a:solidFill>
+              </a:rPr>
               <a:t>AEGDDP---AKAAFDSLQASATEYIGYAWAMVVVIVGATIGIKL...SKA Q9T0Q9_BPFD/1-49</a:t>
             </a:r>
           </a:p>
           <a:p>
             <a:r>
-              <a:rPr lang="en-US" sz="1200" dirty="0"/>
+              <a:rPr lang="en-US" sz="1200" dirty="0">
+                <a:solidFill>
+                  <a:srgbClr val="FF0000"/>
+                </a:solidFill>
+              </a:rPr>
               <a:t>FAADDATSQAKAAFDSLTAQATEMSGYAWALVVLVVGATVGIKL...SRA COATB_BPIF1/22-73</a:t>
             </a:r>
           </a:p>
@@ -9151,7 +10221,7 @@
         </p:nvSpPr>
         <p:spPr>
           <a:xfrm>
-            <a:off x="279400" y="4067526"/>
+            <a:off x="279400" y="3806701"/>
             <a:ext cx="8644466" cy="2523768"/>
           </a:xfrm>
           <a:prstGeom prst="rect">
@@ -9270,43 +10340,71 @@
           </a:p>
           <a:p>
             <a:r>
-              <a:rPr lang="en-US" sz="1200" dirty="0"/>
+              <a:rPr lang="en-US" sz="1200" dirty="0">
+                <a:solidFill>
+                  <a:srgbClr val="FF0000"/>
+                </a:solidFill>
+              </a:rPr>
               <a:t>AEPNAATNYATEAMDSLKTQAIDLISQTWPVVTTVVVAGLVIRLFKKFSSKA - COATB_BPIKE/30-81</a:t>
             </a:r>
           </a:p>
           <a:p>
             <a:r>
-              <a:rPr lang="en-US" sz="1200" dirty="0"/>
+              <a:rPr lang="en-US" sz="1200" dirty="0">
+                <a:solidFill>
+                  <a:srgbClr val="FF0000"/>
+                </a:solidFill>
+              </a:rPr>
               <a:t>AEPNAATNYATEAMDSLKTQAIDLISQTWPVVTTVVVAGLVIKLFKKFVSRA - Q9T0Q8_BPIKE/1-52</a:t>
             </a:r>
           </a:p>
           <a:p>
             <a:r>
-              <a:rPr lang="en-US" sz="1200" dirty="0"/>
+              <a:rPr lang="en-US" sz="1200" dirty="0">
+                <a:solidFill>
+                  <a:srgbClr val="FF0000"/>
+                </a:solidFill>
+              </a:rPr>
               <a:t>DGTSTATSYATEAMNSLKTQATDLIDQTWPVVTSVAVAGLAIRLFKKFSSKA - COATB_BPI22/32-83</a:t>
             </a:r>
           </a:p>
           <a:p>
             <a:r>
-              <a:rPr lang="en-US" sz="1200" dirty="0"/>
+              <a:rPr lang="en-US" sz="1200" dirty="0">
+                <a:solidFill>
+                  <a:srgbClr val="FF0000"/>
+                </a:solidFill>
+              </a:rPr>
               <a:t>AEGDDP---AKAAFNSLQASATEYIGYAWAMVVVIVGATIGIKLFKKFTSKA - COATB_BPM13/24-72</a:t>
             </a:r>
           </a:p>
           <a:p>
             <a:r>
-              <a:rPr lang="en-US" sz="1200" dirty="0"/>
+              <a:rPr lang="en-US" sz="1200" dirty="0">
+                <a:solidFill>
+                  <a:srgbClr val="FF0000"/>
+                </a:solidFill>
+              </a:rPr>
               <a:t>AEGDDP---AKAAFDSLQASATEYIGYAWAMVVVIVGATIGIKLFKKFASKA - COATB_BPZJ2/1-49</a:t>
             </a:r>
           </a:p>
           <a:p>
             <a:r>
-              <a:rPr lang="en-US" sz="1200" dirty="0"/>
+              <a:rPr lang="en-US" sz="1200" dirty="0">
+                <a:solidFill>
+                  <a:srgbClr val="FF0000"/>
+                </a:solidFill>
+              </a:rPr>
               <a:t>AEGDDP---AKAAFDSLQASATEYIGYAWAMVVVIVGATIGIKLFKKFTSKA - Q9T0Q9_BPFD/1-49</a:t>
             </a:r>
           </a:p>
           <a:p>
             <a:r>
-              <a:rPr lang="en-US" sz="1200" dirty="0"/>
+              <a:rPr lang="en-US" sz="1200" dirty="0">
+                <a:solidFill>
+                  <a:srgbClr val="FF0000"/>
+                </a:solidFill>
+              </a:rPr>
               <a:t>FAADDATSQAKAAFDSLTAQATEMSGYAWALVVLVVGATVGIKLFKKFVSRA - COATB_BPIF1/22-73</a:t>
             </a:r>
           </a:p>
@@ -9357,7 +10455,15 @@
           <a:bodyPr/>
           <a:lstStyle/>
           <a:p>
-            <a:endParaRPr lang="fr-FR"/>
+            <a:r>
+              <a:rPr lang="en-US" dirty="0"/>
+              <a:t>Single Alignments </a:t>
+            </a:r>
+            <a:r>
+              <a:rPr lang="en-US" dirty="0" smtClean="0"/>
+              <a:t>(3)</a:t>
+            </a:r>
+            <a:endParaRPr lang="fr-FR" dirty="0"/>
           </a:p>
         </p:txBody>
       </p:sp>
@@ -9373,7 +10479,7 @@
         </p:nvSpPr>
         <p:spPr>
           <a:xfrm>
-            <a:off x="279400" y="1236134"/>
+            <a:off x="279400" y="941294"/>
             <a:ext cx="8644466" cy="487580"/>
           </a:xfrm>
         </p:spPr>
@@ -9381,7 +10487,33 @@
           <a:bodyPr/>
           <a:lstStyle/>
           <a:p>
-            <a:endParaRPr lang="fr-FR"/>
+            <a:r>
+              <a:rPr lang="en-US" dirty="0" smtClean="0"/>
+              <a:t>Include </a:t>
+            </a:r>
+            <a:r>
+              <a:rPr lang="en-US" dirty="0"/>
+              <a:t>database cross-references to </a:t>
+            </a:r>
+            <a:r>
+              <a:rPr lang="en-US" dirty="0" smtClean="0"/>
+              <a:t>the PDB </a:t>
+            </a:r>
+            <a:r>
+              <a:rPr lang="en-US" dirty="0"/>
+              <a:t>and the </a:t>
+            </a:r>
+            <a:r>
+              <a:rPr lang="en-US" dirty="0" smtClean="0"/>
+              <a:t>associate known </a:t>
+            </a:r>
+            <a:r>
+              <a:rPr lang="en-US" dirty="0"/>
+              <a:t>secondary structure</a:t>
+            </a:r>
+          </a:p>
+          <a:p>
+            <a:endParaRPr lang="fr-FR" dirty="0"/>
           </a:p>
         </p:txBody>
       </p:sp>
@@ -9402,7 +10534,7 @@
           <a:p>
             <a:fld id="{751463B9-2A29-154C-A5AC-383AEA094CA9}" type="datetime1">
               <a:rPr lang="fr-FR" smtClean="0"/>
-              <a:t>06/11/16</a:t>
+              <a:t>08/11/16</a:t>
             </a:fld>
             <a:endParaRPr lang="fr-FR" dirty="0"/>
           </a:p>
@@ -9493,43 +10625,76 @@
           </a:lstStyle>
           <a:p>
             <a:r>
-              <a:rPr lang="mr-IN" sz="1200" dirty="0"/>
+              <a:rPr lang="mr-IN" sz="1200" dirty="0">
+                <a:latin typeface="Arial"/>
+                <a:cs typeface="Arial"/>
+              </a:rPr>
               <a:t>&gt;&gt;&gt; for record in alignment:</a:t>
             </a:r>
           </a:p>
           <a:p>
             <a:r>
-              <a:rPr lang="mr-IN" sz="1200" dirty="0"/>
+              <a:rPr lang="mr-IN" sz="1200" dirty="0">
+                <a:latin typeface="Arial"/>
+                <a:cs typeface="Arial"/>
+              </a:rPr>
               <a:t>... if record.dbxrefs:</a:t>
             </a:r>
           </a:p>
           <a:p>
             <a:r>
-              <a:rPr lang="mr-IN" sz="1200" dirty="0"/>
+              <a:rPr lang="mr-IN" sz="1200" dirty="0">
+                <a:latin typeface="Arial"/>
+                <a:cs typeface="Arial"/>
+              </a:rPr>
               <a:t>... print("%s %s" % (record.id, record.dbxrefs))</a:t>
             </a:r>
           </a:p>
           <a:p>
             <a:r>
-              <a:rPr lang="mr-IN" sz="1200" dirty="0"/>
+              <a:rPr lang="mr-IN" sz="1200" dirty="0">
+                <a:solidFill>
+                  <a:srgbClr val="FF0000"/>
+                </a:solidFill>
+                <a:latin typeface="Arial"/>
+                <a:cs typeface="Arial"/>
+              </a:rPr>
               <a:t>COATB_BPIKE/30-81 ['PDB; 1ifl ; 1-52;']</a:t>
             </a:r>
           </a:p>
           <a:p>
             <a:r>
-              <a:rPr lang="mr-IN" sz="1200" dirty="0"/>
+              <a:rPr lang="mr-IN" sz="1200" dirty="0">
+                <a:solidFill>
+                  <a:srgbClr val="FF0000"/>
+                </a:solidFill>
+                <a:latin typeface="Arial"/>
+                <a:cs typeface="Arial"/>
+              </a:rPr>
               <a:t>COATB_BPM13/24-72 ['PDB; 2cpb ; 1-49;', 'PDB; 2cps ; 1-49;']</a:t>
             </a:r>
           </a:p>
           <a:p>
             <a:r>
-              <a:rPr lang="mr-IN" sz="1200" dirty="0"/>
+              <a:rPr lang="mr-IN" sz="1200" dirty="0">
+                <a:solidFill>
+                  <a:srgbClr val="FF0000"/>
+                </a:solidFill>
+                <a:latin typeface="Arial"/>
+                <a:cs typeface="Arial"/>
+              </a:rPr>
               <a:t>Q9T0Q9_BPFD/1-49 ['PDB; 1nh4 A; 1-49;']</a:t>
             </a:r>
           </a:p>
           <a:p>
             <a:r>
-              <a:rPr lang="mr-IN" sz="1200" dirty="0"/>
+              <a:rPr lang="mr-IN" sz="1200" dirty="0">
+                <a:solidFill>
+                  <a:srgbClr val="FF0000"/>
+                </a:solidFill>
+                <a:latin typeface="Arial"/>
+                <a:cs typeface="Arial"/>
+              </a:rPr>
               <a:t>COATB_BPIF1/22-73 ['PDB; 1ifk ; 1-50;']</a:t>
             </a:r>
           </a:p>
@@ -9623,85 +10788,141 @@
           </a:lstStyle>
           <a:p>
             <a:r>
-              <a:rPr lang="tr-TR" sz="1200" dirty="0"/>
+              <a:rPr lang="tr-TR" sz="1200" dirty="0">
+                <a:solidFill>
+                  <a:srgbClr val="FF0000"/>
+                </a:solidFill>
+              </a:rPr>
               <a:t>&gt;COATB_BPIKE/30-81</a:t>
             </a:r>
           </a:p>
           <a:p>
             <a:r>
-              <a:rPr lang="tr-TR" sz="1200" dirty="0"/>
+              <a:rPr lang="tr-TR" sz="1200" dirty="0">
+                <a:solidFill>
+                  <a:srgbClr val="FF0000"/>
+                </a:solidFill>
+              </a:rPr>
               <a:t>AEPNAATNYATEAMDSLKTQAIDLISQTWPVVTTVVVAGLVIRLFKKFSSKA</a:t>
             </a:r>
           </a:p>
           <a:p>
             <a:r>
-              <a:rPr lang="tr-TR" sz="1200" dirty="0"/>
+              <a:rPr lang="tr-TR" sz="1200" dirty="0">
+                <a:solidFill>
+                  <a:srgbClr val="FF0000"/>
+                </a:solidFill>
+              </a:rPr>
               <a:t>&gt;Q9T0Q8_BPIKE/1-52</a:t>
             </a:r>
           </a:p>
           <a:p>
             <a:r>
-              <a:rPr lang="tr-TR" sz="1200" dirty="0"/>
+              <a:rPr lang="tr-TR" sz="1200" dirty="0">
+                <a:solidFill>
+                  <a:srgbClr val="FF0000"/>
+                </a:solidFill>
+              </a:rPr>
               <a:t>AEPNAATNYATEAMDSLKTQAIDLISQTWPVVTTVVVAGLVIKLFKKFVSRA</a:t>
             </a:r>
           </a:p>
           <a:p>
             <a:r>
-              <a:rPr lang="tr-TR" sz="1200" dirty="0"/>
+              <a:rPr lang="tr-TR" sz="1200" dirty="0">
+                <a:solidFill>
+                  <a:srgbClr val="FF0000"/>
+                </a:solidFill>
+              </a:rPr>
               <a:t>&gt;COATB_BPI22/32-83</a:t>
             </a:r>
           </a:p>
           <a:p>
             <a:r>
-              <a:rPr lang="tr-TR" sz="1200" dirty="0"/>
+              <a:rPr lang="tr-TR" sz="1200" dirty="0">
+                <a:solidFill>
+                  <a:srgbClr val="FF0000"/>
+                </a:solidFill>
+              </a:rPr>
               <a:t>DGTSTATSYATEAMNSLKTQATDLIDQTWPVVTSVAVAGLAIRLFKKFSSKA</a:t>
             </a:r>
           </a:p>
           <a:p>
             <a:r>
-              <a:rPr lang="tr-TR" sz="1200" dirty="0"/>
+              <a:rPr lang="tr-TR" sz="1200" dirty="0">
+                <a:solidFill>
+                  <a:srgbClr val="FF0000"/>
+                </a:solidFill>
+              </a:rPr>
               <a:t>&gt;COATB_BPM13/24-72</a:t>
             </a:r>
           </a:p>
           <a:p>
             <a:r>
-              <a:rPr lang="tr-TR" sz="1200" dirty="0"/>
+              <a:rPr lang="tr-TR" sz="1200" dirty="0">
+                <a:solidFill>
+                  <a:srgbClr val="FF0000"/>
+                </a:solidFill>
+              </a:rPr>
               <a:t>AEGDDP---AKAAFNSLQASATEYIGYAWAMVVVIVGATIGIKLFKKFTSKA</a:t>
             </a:r>
           </a:p>
           <a:p>
             <a:r>
-              <a:rPr lang="tr-TR" sz="1200" dirty="0"/>
+              <a:rPr lang="tr-TR" sz="1200" dirty="0">
+                <a:solidFill>
+                  <a:srgbClr val="FF0000"/>
+                </a:solidFill>
+              </a:rPr>
               <a:t>&gt;COATB_BPZJ2/1-49</a:t>
             </a:r>
           </a:p>
           <a:p>
             <a:r>
-              <a:rPr lang="tr-TR" sz="1200" dirty="0"/>
+              <a:rPr lang="tr-TR" sz="1200" dirty="0">
+                <a:solidFill>
+                  <a:srgbClr val="FF0000"/>
+                </a:solidFill>
+              </a:rPr>
               <a:t>AEGDDP---AKAAFDSLQASATEYIGYAWAMVVVIVGATIGIKLFKKFASKA</a:t>
             </a:r>
           </a:p>
           <a:p>
             <a:r>
-              <a:rPr lang="tr-TR" sz="1200" dirty="0"/>
+              <a:rPr lang="tr-TR" sz="1200" dirty="0">
+                <a:solidFill>
+                  <a:srgbClr val="FF0000"/>
+                </a:solidFill>
+              </a:rPr>
               <a:t>&gt;Q9T0Q9_BPFD/1-49</a:t>
             </a:r>
           </a:p>
           <a:p>
             <a:r>
-              <a:rPr lang="tr-TR" sz="1200" dirty="0"/>
+              <a:rPr lang="tr-TR" sz="1200" dirty="0">
+                <a:solidFill>
+                  <a:srgbClr val="FF0000"/>
+                </a:solidFill>
+              </a:rPr>
               <a:t>AEGDDP---AKAAFDSLQASATEYIGYAWAMVVVIVGATIGIKLFKKFTSKA</a:t>
             </a:r>
           </a:p>
           <a:p>
             <a:r>
-              <a:rPr lang="tr-TR" sz="1200" dirty="0"/>
+              <a:rPr lang="tr-TR" sz="1200" dirty="0">
+                <a:solidFill>
+                  <a:srgbClr val="FF0000"/>
+                </a:solidFill>
+              </a:rPr>
               <a:t>&gt;COATB_BPIF1/22-73</a:t>
             </a:r>
           </a:p>
           <a:p>
             <a:r>
-              <a:rPr lang="tr-TR" sz="1200" dirty="0"/>
+              <a:rPr lang="tr-TR" sz="1200" dirty="0">
+                <a:solidFill>
+                  <a:srgbClr val="FF0000"/>
+                </a:solidFill>
+              </a:rPr>
               <a:t>FAADDATSQAKAAFDSLTAQATEMSGYAWALVVLVVGATVGIKLFKKFVSRA</a:t>
             </a:r>
           </a:p>
@@ -9752,7 +10973,15 @@
           <a:bodyPr/>
           <a:lstStyle/>
           <a:p>
-            <a:endParaRPr lang="fr-FR"/>
+            <a:r>
+              <a:rPr lang="en-US" dirty="0"/>
+              <a:t>Single Alignments </a:t>
+            </a:r>
+            <a:r>
+              <a:rPr lang="en-US" dirty="0" smtClean="0"/>
+              <a:t>(4)</a:t>
+            </a:r>
+            <a:endParaRPr lang="fr-FR" dirty="0"/>
           </a:p>
         </p:txBody>
       </p:sp>
@@ -9769,7 +10998,7 @@
         <p:spPr>
           <a:xfrm>
             <a:off x="279400" y="1236134"/>
-            <a:ext cx="8644466" cy="986550"/>
+            <a:ext cx="8644466" cy="555621"/>
           </a:xfrm>
         </p:spPr>
         <p:txBody>
@@ -9778,13 +11007,21 @@
           <a:p>
             <a:r>
               <a:rPr lang="en-US" dirty="0"/>
-              <a:t>Note the website should have an option about showing gaps as periods (dots) or dashes, we've shown </a:t>
+              <a:t>download and save this as </a:t>
             </a:r>
             <a:r>
               <a:rPr lang="en-US" dirty="0" smtClean="0"/>
-              <a:t>dashes above</a:t>
-            </a:r>
-            <a:endParaRPr lang="en-US" dirty="0"/>
+              <a:t>file “PF05371 </a:t>
+            </a:r>
+            <a:r>
+              <a:rPr lang="en-US" dirty="0" err="1" smtClean="0"/>
+              <a:t>seed.fa</a:t>
+            </a:r>
+            <a:r>
+              <a:rPr lang="en-US" dirty="0" smtClean="0"/>
+              <a:t>”</a:t>
+            </a:r>
+            <a:endParaRPr lang="en-US" dirty="0" smtClean="0"/>
           </a:p>
           <a:p>
             <a:endParaRPr lang="fr-FR" dirty="0"/>
@@ -9808,7 +11045,7 @@
           <a:p>
             <a:fld id="{751463B9-2A29-154C-A5AC-383AEA094CA9}" type="datetime1">
               <a:rPr lang="fr-FR" smtClean="0"/>
-              <a:t>06/11/16</a:t>
+              <a:t>08/11/16</a:t>
             </a:fld>
             <a:endParaRPr lang="fr-FR" dirty="0"/>
           </a:p>
@@ -9869,7 +11106,7 @@
         </p:nvSpPr>
         <p:spPr>
           <a:xfrm>
-            <a:off x="279400" y="2256705"/>
+            <a:off x="279400" y="1791755"/>
             <a:ext cx="8644466" cy="646331"/>
           </a:xfrm>
           <a:prstGeom prst="rect">
@@ -9940,498 +11177,14 @@
       </p:sp>
       <p:sp>
         <p:nvSpPr>
-          <p:cNvPr id="8" name="ZoneTexte 7"/>
-          <p:cNvSpPr txBox="1"/>
-          <p:nvPr/>
-        </p:nvSpPr>
-        <p:spPr>
-          <a:xfrm>
-            <a:off x="279400" y="4166840"/>
-            <a:ext cx="8644466" cy="646331"/>
-          </a:xfrm>
-          <a:prstGeom prst="rect">
-            <a:avLst/>
-          </a:prstGeom>
-          <a:solidFill>
-            <a:schemeClr val="accent2">
-              <a:lumMod val="60000"/>
-              <a:lumOff val="40000"/>
-            </a:schemeClr>
-          </a:solidFill>
-          <a:ln>
-            <a:noFill/>
-          </a:ln>
-        </p:spPr>
-        <p:txBody>
-          <a:bodyPr wrap="square" rtlCol="0">
-            <a:spAutoFit/>
-          </a:bodyPr>
-          <a:lstStyle>
-            <a:defPPr>
-              <a:defRPr lang="fr-FR"/>
-            </a:defPPr>
-            <a:lvl1pPr>
-              <a:defRPr sz="1400"/>
-            </a:lvl1pPr>
-          </a:lstStyle>
-          <a:p>
-            <a:r>
-              <a:rPr lang="en-US" sz="1200" dirty="0"/>
-              <a:t>&gt;&gt;&gt; from Bio import </a:t>
-            </a:r>
-            <a:r>
-              <a:rPr lang="en-US" sz="1200" dirty="0" err="1"/>
-              <a:t>AlignIO</a:t>
-            </a:r>
-            <a:endParaRPr lang="en-US" sz="1200" dirty="0"/>
-          </a:p>
-          <a:p>
-            <a:r>
-              <a:rPr lang="en-US" sz="1200" dirty="0"/>
-              <a:t>&gt;&gt;&gt; help(</a:t>
-            </a:r>
-            <a:r>
-              <a:rPr lang="en-US" sz="1200" dirty="0" err="1"/>
-              <a:t>AlignIO</a:t>
-            </a:r>
-            <a:r>
-              <a:rPr lang="en-US" sz="1200" dirty="0"/>
-              <a:t>)</a:t>
-            </a:r>
-          </a:p>
-          <a:p>
-            <a:r>
-              <a:rPr lang="en-US" sz="1200" dirty="0"/>
-              <a:t>...</a:t>
-            </a:r>
-          </a:p>
-        </p:txBody>
-      </p:sp>
-      <p:sp>
-        <p:nvSpPr>
           <p:cNvPr id="9" name="ZoneTexte 8"/>
           <p:cNvSpPr txBox="1"/>
           <p:nvPr/>
         </p:nvSpPr>
         <p:spPr>
           <a:xfrm>
-            <a:off x="279400" y="3186603"/>
-            <a:ext cx="7318918" cy="369332"/>
-          </a:xfrm>
-          <a:prstGeom prst="rect">
-            <a:avLst/>
-          </a:prstGeom>
-          <a:noFill/>
-        </p:spPr>
-        <p:txBody>
-          <a:bodyPr wrap="none" rtlCol="0">
-            <a:spAutoFit/>
-          </a:bodyPr>
-          <a:lstStyle/>
-          <a:p>
-            <a:r>
-              <a:rPr lang="en-US" dirty="0"/>
-              <a:t>All that has changed in this code is the </a:t>
-            </a:r>
-            <a:r>
-              <a:rPr lang="en-US" dirty="0" smtClean="0"/>
-              <a:t>filename </a:t>
-            </a:r>
-            <a:r>
-              <a:rPr lang="en-US" dirty="0"/>
-              <a:t>and the format string.</a:t>
-            </a:r>
-            <a:endParaRPr lang="fr-FR" dirty="0"/>
-          </a:p>
-        </p:txBody>
-      </p:sp>
-    </p:spTree>
-    <p:extLst>
-      <p:ext uri="{BB962C8B-B14F-4D97-AF65-F5344CB8AC3E}">
-        <p14:creationId xmlns:p14="http://schemas.microsoft.com/office/powerpoint/2010/main" val="843041792"/>
-      </p:ext>
-    </p:extLst>
-  </p:cSld>
-  <p:clrMapOvr>
-    <a:masterClrMapping/>
-  </p:clrMapOvr>
-</p:sld>
-</file>
-
-<file path=ppt/slides/slide9.xml><?xml version="1.0" encoding="utf-8"?>
-<p:sld xmlns:a="http://schemas.openxmlformats.org/drawingml/2006/main" xmlns:r="http://schemas.openxmlformats.org/officeDocument/2006/relationships" xmlns:p="http://schemas.openxmlformats.org/presentationml/2006/main">
-  <p:cSld>
-    <p:spTree>
-      <p:nvGrpSpPr>
-        <p:cNvPr id="1" name=""/>
-        <p:cNvGrpSpPr/>
-        <p:nvPr/>
-      </p:nvGrpSpPr>
-      <p:grpSpPr>
-        <a:xfrm>
-          <a:off x="0" y="0"/>
-          <a:ext cx="0" cy="0"/>
-          <a:chOff x="0" y="0"/>
-          <a:chExt cx="0" cy="0"/>
-        </a:xfrm>
-      </p:grpSpPr>
-      <p:sp>
-        <p:nvSpPr>
-          <p:cNvPr id="2" name="Titre 1"/>
-          <p:cNvSpPr>
-            <a:spLocks noGrp="1"/>
-          </p:cNvSpPr>
-          <p:nvPr>
-            <p:ph type="title"/>
-          </p:nvPr>
-        </p:nvSpPr>
-        <p:spPr/>
-        <p:txBody>
-          <a:bodyPr/>
-          <a:lstStyle/>
-          <a:p>
-            <a:r>
-              <a:rPr lang="fr-FR" dirty="0" smtClean="0"/>
-              <a:t>Multiple </a:t>
-            </a:r>
-            <a:r>
-              <a:rPr lang="fr-FR" dirty="0" err="1" smtClean="0"/>
-              <a:t>alignments</a:t>
-            </a:r>
-            <a:endParaRPr lang="fr-FR" dirty="0"/>
-          </a:p>
-        </p:txBody>
-      </p:sp>
-      <p:sp>
-        <p:nvSpPr>
-          <p:cNvPr id="3" name="Espace réservé du contenu 2"/>
-          <p:cNvSpPr>
-            <a:spLocks noGrp="1"/>
-          </p:cNvSpPr>
-          <p:nvPr>
-            <p:ph idx="1"/>
-          </p:nvPr>
-        </p:nvSpPr>
-        <p:spPr>
-          <a:xfrm>
-            <a:off x="279400" y="907274"/>
-            <a:ext cx="8644466" cy="498920"/>
-          </a:xfrm>
-        </p:spPr>
-        <p:txBody>
-          <a:bodyPr/>
-          <a:lstStyle/>
-          <a:p>
-            <a:r>
-              <a:rPr lang="en-US" dirty="0"/>
-              <a:t>Suppose you have a small alignment in PHYLIP format</a:t>
-            </a:r>
-            <a:endParaRPr lang="fr-FR" dirty="0"/>
-          </a:p>
-        </p:txBody>
-      </p:sp>
-      <p:sp>
-        <p:nvSpPr>
-          <p:cNvPr id="4" name="Espace réservé de la date 3"/>
-          <p:cNvSpPr>
-            <a:spLocks noGrp="1"/>
-          </p:cNvSpPr>
-          <p:nvPr>
-            <p:ph type="dt" sz="half" idx="10"/>
-          </p:nvPr>
-        </p:nvSpPr>
-        <p:spPr/>
-        <p:txBody>
-          <a:bodyPr/>
-          <a:lstStyle/>
-          <a:p>
-            <a:fld id="{751463B9-2A29-154C-A5AC-383AEA094CA9}" type="datetime1">
-              <a:rPr lang="fr-FR" smtClean="0"/>
-              <a:t>06/11/16</a:t>
-            </a:fld>
-            <a:endParaRPr lang="fr-FR" dirty="0"/>
-          </a:p>
-        </p:txBody>
-      </p:sp>
-      <p:sp>
-        <p:nvSpPr>
-          <p:cNvPr id="5" name="Espace réservé du pied de page 4"/>
-          <p:cNvSpPr>
-            <a:spLocks noGrp="1"/>
-          </p:cNvSpPr>
-          <p:nvPr>
-            <p:ph type="ftr" sz="quarter" idx="11"/>
-          </p:nvPr>
-        </p:nvSpPr>
-        <p:spPr/>
-        <p:txBody>
-          <a:bodyPr/>
-          <a:lstStyle/>
-          <a:p>
-            <a:r>
-              <a:rPr lang="fr-FR" smtClean="0"/>
-              <a:t>Python pour la biologie</a:t>
-            </a:r>
-            <a:endParaRPr lang="fr-FR" dirty="0"/>
-          </a:p>
-        </p:txBody>
-      </p:sp>
-      <p:sp>
-        <p:nvSpPr>
-          <p:cNvPr id="6" name="Espace réservé du numéro de diapositive 5"/>
-          <p:cNvSpPr>
-            <a:spLocks noGrp="1"/>
-          </p:cNvSpPr>
-          <p:nvPr>
-            <p:ph type="sldNum" sz="quarter" idx="12"/>
-          </p:nvPr>
-        </p:nvSpPr>
-        <p:spPr/>
-        <p:txBody>
-          <a:bodyPr/>
-          <a:lstStyle/>
-          <a:p>
-            <a:fld id="{DCE37727-CC04-7A46-938D-2CCFF056F773}" type="slidenum">
-              <a:rPr lang="fr-FR" smtClean="0"/>
-              <a:pPr/>
-              <a:t>9</a:t>
-            </a:fld>
-            <a:endParaRPr lang="fr-FR" dirty="0"/>
-          </a:p>
-        </p:txBody>
-      </p:sp>
-      <p:sp>
-        <p:nvSpPr>
-          <p:cNvPr id="7" name="ZoneTexte 6"/>
-          <p:cNvSpPr txBox="1"/>
-          <p:nvPr/>
-        </p:nvSpPr>
-        <p:spPr>
-          <a:xfrm>
-            <a:off x="279400" y="1383514"/>
-            <a:ext cx="8644466" cy="1107996"/>
-          </a:xfrm>
-          <a:prstGeom prst="rect">
-            <a:avLst/>
-          </a:prstGeom>
-          <a:solidFill>
-            <a:schemeClr val="accent2">
-              <a:lumMod val="60000"/>
-              <a:lumOff val="40000"/>
-            </a:schemeClr>
-          </a:solidFill>
-          <a:ln>
-            <a:noFill/>
-          </a:ln>
-        </p:spPr>
-        <p:txBody>
-          <a:bodyPr wrap="square" rtlCol="0">
-            <a:spAutoFit/>
-          </a:bodyPr>
-          <a:lstStyle>
-            <a:defPPr>
-              <a:defRPr lang="fr-FR"/>
-            </a:defPPr>
-            <a:lvl1pPr>
-              <a:defRPr sz="1400"/>
-            </a:lvl1pPr>
-          </a:lstStyle>
-          <a:p>
-            <a:r>
-              <a:rPr lang="nl-NL" sz="1100" dirty="0"/>
-              <a:t>5 6</a:t>
-            </a:r>
-          </a:p>
-          <a:p>
-            <a:r>
-              <a:rPr lang="nl-NL" sz="1100" dirty="0" err="1"/>
-              <a:t>Alpha</a:t>
-            </a:r>
-            <a:r>
-              <a:rPr lang="nl-NL" sz="1100" dirty="0"/>
-              <a:t> AACAAC</a:t>
-            </a:r>
-          </a:p>
-          <a:p>
-            <a:r>
-              <a:rPr lang="nl-NL" sz="1100" dirty="0" err="1"/>
-              <a:t>Beta</a:t>
-            </a:r>
-            <a:r>
-              <a:rPr lang="nl-NL" sz="1100" dirty="0"/>
-              <a:t> AACCCC</a:t>
-            </a:r>
-          </a:p>
-          <a:p>
-            <a:r>
-              <a:rPr lang="nl-NL" sz="1100" dirty="0"/>
-              <a:t>Gamma ACCAAC</a:t>
-            </a:r>
-          </a:p>
-          <a:p>
-            <a:r>
-              <a:rPr lang="nl-NL" sz="1100" dirty="0"/>
-              <a:t>Delta CCACCA</a:t>
-            </a:r>
-          </a:p>
-          <a:p>
-            <a:r>
-              <a:rPr lang="nl-NL" sz="1100" dirty="0"/>
-              <a:t>Epsilon CCAAAC</a:t>
-            </a:r>
-          </a:p>
-        </p:txBody>
-      </p:sp>
-      <p:sp>
-        <p:nvSpPr>
-          <p:cNvPr id="9" name="ZoneTexte 8"/>
-          <p:cNvSpPr txBox="1"/>
-          <p:nvPr/>
-        </p:nvSpPr>
-        <p:spPr>
-          <a:xfrm>
-            <a:off x="279400" y="3668634"/>
-            <a:ext cx="8644466" cy="2970043"/>
-          </a:xfrm>
-          <a:prstGeom prst="rect">
-            <a:avLst/>
-          </a:prstGeom>
-          <a:solidFill>
-            <a:schemeClr val="accent2">
-              <a:lumMod val="60000"/>
-              <a:lumOff val="40000"/>
-            </a:schemeClr>
-          </a:solidFill>
-          <a:ln>
-            <a:noFill/>
-          </a:ln>
-        </p:spPr>
-        <p:txBody>
-          <a:bodyPr wrap="square" rtlCol="0">
-            <a:spAutoFit/>
-          </a:bodyPr>
-          <a:lstStyle>
-            <a:defPPr>
-              <a:defRPr lang="fr-FR"/>
-            </a:defPPr>
-            <a:lvl1pPr>
-              <a:defRPr sz="1400"/>
-            </a:lvl1pPr>
-          </a:lstStyle>
-          <a:p>
-            <a:r>
-              <a:rPr lang="en-US" sz="1100" dirty="0"/>
-              <a:t>5 6</a:t>
-            </a:r>
-          </a:p>
-          <a:p>
-            <a:r>
-              <a:rPr lang="en-US" sz="1100" dirty="0"/>
-              <a:t>Alpha AAACCA</a:t>
-            </a:r>
-          </a:p>
-          <a:p>
-            <a:r>
-              <a:rPr lang="en-US" sz="1100" dirty="0"/>
-              <a:t>Beta AAACCC</a:t>
-            </a:r>
-          </a:p>
-          <a:p>
-            <a:r>
-              <a:rPr lang="en-US" sz="1100" dirty="0"/>
-              <a:t>Gamma ACCCCA</a:t>
-            </a:r>
-          </a:p>
-          <a:p>
-            <a:r>
-              <a:rPr lang="en-US" sz="1100" dirty="0"/>
-              <a:t>Delta CCCAAC</a:t>
-            </a:r>
-          </a:p>
-          <a:p>
-            <a:r>
-              <a:rPr lang="en-US" sz="1100" dirty="0"/>
-              <a:t>Epsilon CCCAAA</a:t>
-            </a:r>
-          </a:p>
-          <a:p>
-            <a:r>
-              <a:rPr lang="en-US" sz="1100" dirty="0"/>
-              <a:t>5 6</a:t>
-            </a:r>
-          </a:p>
-          <a:p>
-            <a:r>
-              <a:rPr lang="en-US" sz="1100" dirty="0"/>
-              <a:t>Alpha AAACAA</a:t>
-            </a:r>
-          </a:p>
-          <a:p>
-            <a:r>
-              <a:rPr lang="en-US" sz="1100" dirty="0"/>
-              <a:t>Beta AAACCC</a:t>
-            </a:r>
-          </a:p>
-          <a:p>
-            <a:r>
-              <a:rPr lang="en-US" sz="1100" dirty="0"/>
-              <a:t>Gamma ACCCAA</a:t>
-            </a:r>
-          </a:p>
-          <a:p>
-            <a:r>
-              <a:rPr lang="en-US" sz="1100" dirty="0"/>
-              <a:t>Delta CCCACC</a:t>
-            </a:r>
-          </a:p>
-          <a:p>
-            <a:r>
-              <a:rPr lang="en-US" sz="1100" dirty="0"/>
-              <a:t>Epsilon CCCAAA</a:t>
-            </a:r>
-          </a:p>
-          <a:p>
-            <a:r>
-              <a:rPr lang="en-US" sz="1100" dirty="0"/>
-              <a:t>5 6</a:t>
-            </a:r>
-          </a:p>
-          <a:p>
-            <a:r>
-              <a:rPr lang="en-US" sz="1100" dirty="0"/>
-              <a:t>Alpha AAAAAC</a:t>
-            </a:r>
-          </a:p>
-          <a:p>
-            <a:r>
-              <a:rPr lang="en-US" sz="1100" dirty="0"/>
-              <a:t>Beta AAACCC</a:t>
-            </a:r>
-          </a:p>
-          <a:p>
-            <a:r>
-              <a:rPr lang="en-US" sz="1100" dirty="0"/>
-              <a:t>Gamma AACAAC</a:t>
-            </a:r>
-          </a:p>
-          <a:p>
-            <a:r>
-              <a:rPr lang="en-US" sz="1100" dirty="0"/>
-              <a:t>Delta CCCCCA</a:t>
-            </a:r>
-          </a:p>
-        </p:txBody>
-      </p:sp>
-      <p:sp>
-        <p:nvSpPr>
-          <p:cNvPr id="10" name="ZoneTexte 9"/>
-          <p:cNvSpPr txBox="1"/>
-          <p:nvPr/>
-        </p:nvSpPr>
-        <p:spPr>
-          <a:xfrm>
-            <a:off x="279401" y="2548606"/>
-            <a:ext cx="8644466" cy="1080266"/>
+            <a:off x="279401" y="2574293"/>
+            <a:ext cx="8644466" cy="769441"/>
           </a:xfrm>
           <a:prstGeom prst="rect">
             <a:avLst/>
@@ -10567,6 +11320,541 @@
           <a:p>
             <a:r>
               <a:rPr lang="en-US" dirty="0"/>
+              <a:t>no annotation nor database cross-references because these are not included in the </a:t>
+            </a:r>
+            <a:r>
+              <a:rPr lang="en-US" dirty="0" smtClean="0"/>
+              <a:t>FASTA file </a:t>
+            </a:r>
+            <a:r>
+              <a:rPr lang="en-US" dirty="0"/>
+              <a:t>format</a:t>
+            </a:r>
+          </a:p>
+        </p:txBody>
+      </p:sp>
+    </p:spTree>
+    <p:extLst>
+      <p:ext uri="{BB962C8B-B14F-4D97-AF65-F5344CB8AC3E}">
+        <p14:creationId xmlns:p14="http://schemas.microsoft.com/office/powerpoint/2010/main" val="843041792"/>
+      </p:ext>
+    </p:extLst>
+  </p:cSld>
+  <p:clrMapOvr>
+    <a:masterClrMapping/>
+  </p:clrMapOvr>
+</p:sld>
+</file>
+
+<file path=ppt/slides/slide9.xml><?xml version="1.0" encoding="utf-8"?>
+<p:sld xmlns:a="http://schemas.openxmlformats.org/drawingml/2006/main" xmlns:r="http://schemas.openxmlformats.org/officeDocument/2006/relationships" xmlns:p="http://schemas.openxmlformats.org/presentationml/2006/main">
+  <p:cSld>
+    <p:spTree>
+      <p:nvGrpSpPr>
+        <p:cNvPr id="1" name=""/>
+        <p:cNvGrpSpPr/>
+        <p:nvPr/>
+      </p:nvGrpSpPr>
+      <p:grpSpPr>
+        <a:xfrm>
+          <a:off x="0" y="0"/>
+          <a:ext cx="0" cy="0"/>
+          <a:chOff x="0" y="0"/>
+          <a:chExt cx="0" cy="0"/>
+        </a:xfrm>
+      </p:grpSpPr>
+      <p:sp>
+        <p:nvSpPr>
+          <p:cNvPr id="2" name="Titre 1"/>
+          <p:cNvSpPr>
+            <a:spLocks noGrp="1"/>
+          </p:cNvSpPr>
+          <p:nvPr>
+            <p:ph type="title"/>
+          </p:nvPr>
+        </p:nvSpPr>
+        <p:spPr/>
+        <p:txBody>
+          <a:bodyPr/>
+          <a:lstStyle/>
+          <a:p>
+            <a:r>
+              <a:rPr lang="fr-FR" dirty="0" smtClean="0"/>
+              <a:t>Multiple </a:t>
+            </a:r>
+            <a:r>
+              <a:rPr lang="fr-FR" dirty="0" err="1" smtClean="0"/>
+              <a:t>alignments</a:t>
+            </a:r>
+            <a:endParaRPr lang="fr-FR" dirty="0"/>
+          </a:p>
+        </p:txBody>
+      </p:sp>
+      <p:sp>
+        <p:nvSpPr>
+          <p:cNvPr id="3" name="Espace réservé du contenu 2"/>
+          <p:cNvSpPr>
+            <a:spLocks noGrp="1"/>
+          </p:cNvSpPr>
+          <p:nvPr>
+            <p:ph idx="1"/>
+          </p:nvPr>
+        </p:nvSpPr>
+        <p:spPr>
+          <a:xfrm>
+            <a:off x="279400" y="907274"/>
+            <a:ext cx="8644466" cy="498920"/>
+          </a:xfrm>
+        </p:spPr>
+        <p:txBody>
+          <a:bodyPr/>
+          <a:lstStyle/>
+          <a:p>
+            <a:r>
+              <a:rPr lang="en-US" dirty="0"/>
+              <a:t>Suppose you have a small alignment in PHYLIP format</a:t>
+            </a:r>
+            <a:endParaRPr lang="fr-FR" dirty="0"/>
+          </a:p>
+        </p:txBody>
+      </p:sp>
+      <p:sp>
+        <p:nvSpPr>
+          <p:cNvPr id="4" name="Espace réservé de la date 3"/>
+          <p:cNvSpPr>
+            <a:spLocks noGrp="1"/>
+          </p:cNvSpPr>
+          <p:nvPr>
+            <p:ph type="dt" sz="half" idx="10"/>
+          </p:nvPr>
+        </p:nvSpPr>
+        <p:spPr/>
+        <p:txBody>
+          <a:bodyPr/>
+          <a:lstStyle/>
+          <a:p>
+            <a:fld id="{751463B9-2A29-154C-A5AC-383AEA094CA9}" type="datetime1">
+              <a:rPr lang="fr-FR" smtClean="0"/>
+              <a:t>08/11/16</a:t>
+            </a:fld>
+            <a:endParaRPr lang="fr-FR" dirty="0"/>
+          </a:p>
+        </p:txBody>
+      </p:sp>
+      <p:sp>
+        <p:nvSpPr>
+          <p:cNvPr id="5" name="Espace réservé du pied de page 4"/>
+          <p:cNvSpPr>
+            <a:spLocks noGrp="1"/>
+          </p:cNvSpPr>
+          <p:nvPr>
+            <p:ph type="ftr" sz="quarter" idx="11"/>
+          </p:nvPr>
+        </p:nvSpPr>
+        <p:spPr/>
+        <p:txBody>
+          <a:bodyPr/>
+          <a:lstStyle/>
+          <a:p>
+            <a:r>
+              <a:rPr lang="fr-FR" smtClean="0"/>
+              <a:t>Python pour la biologie</a:t>
+            </a:r>
+            <a:endParaRPr lang="fr-FR" dirty="0"/>
+          </a:p>
+        </p:txBody>
+      </p:sp>
+      <p:sp>
+        <p:nvSpPr>
+          <p:cNvPr id="6" name="Espace réservé du numéro de diapositive 5"/>
+          <p:cNvSpPr>
+            <a:spLocks noGrp="1"/>
+          </p:cNvSpPr>
+          <p:nvPr>
+            <p:ph type="sldNum" sz="quarter" idx="12"/>
+          </p:nvPr>
+        </p:nvSpPr>
+        <p:spPr/>
+        <p:txBody>
+          <a:bodyPr/>
+          <a:lstStyle/>
+          <a:p>
+            <a:fld id="{DCE37727-CC04-7A46-938D-2CCFF056F773}" type="slidenum">
+              <a:rPr lang="fr-FR" smtClean="0"/>
+              <a:pPr/>
+              <a:t>9</a:t>
+            </a:fld>
+            <a:endParaRPr lang="fr-FR" dirty="0"/>
+          </a:p>
+        </p:txBody>
+      </p:sp>
+      <p:sp>
+        <p:nvSpPr>
+          <p:cNvPr id="7" name="ZoneTexte 6"/>
+          <p:cNvSpPr txBox="1"/>
+          <p:nvPr/>
+        </p:nvSpPr>
+        <p:spPr>
+          <a:xfrm>
+            <a:off x="279400" y="1383514"/>
+            <a:ext cx="8644466" cy="1107996"/>
+          </a:xfrm>
+          <a:prstGeom prst="rect">
+            <a:avLst/>
+          </a:prstGeom>
+          <a:solidFill>
+            <a:schemeClr val="accent2">
+              <a:lumMod val="60000"/>
+              <a:lumOff val="40000"/>
+            </a:schemeClr>
+          </a:solidFill>
+          <a:ln>
+            <a:noFill/>
+          </a:ln>
+        </p:spPr>
+        <p:txBody>
+          <a:bodyPr wrap="square" rtlCol="0">
+            <a:spAutoFit/>
+          </a:bodyPr>
+          <a:lstStyle>
+            <a:defPPr>
+              <a:defRPr lang="fr-FR"/>
+            </a:defPPr>
+            <a:lvl1pPr>
+              <a:defRPr sz="1400"/>
+            </a:lvl1pPr>
+          </a:lstStyle>
+          <a:p>
+            <a:r>
+              <a:rPr lang="nl-NL" sz="1100" dirty="0"/>
+              <a:t>5 6</a:t>
+            </a:r>
+          </a:p>
+          <a:p>
+            <a:r>
+              <a:rPr lang="nl-NL" sz="1100" dirty="0" err="1"/>
+              <a:t>Alpha</a:t>
+            </a:r>
+            <a:r>
+              <a:rPr lang="nl-NL" sz="1100" dirty="0"/>
+              <a:t> AACAAC</a:t>
+            </a:r>
+          </a:p>
+          <a:p>
+            <a:r>
+              <a:rPr lang="nl-NL" sz="1100" dirty="0" err="1"/>
+              <a:t>Beta</a:t>
+            </a:r>
+            <a:r>
+              <a:rPr lang="nl-NL" sz="1100" dirty="0"/>
+              <a:t> AACCCC</a:t>
+            </a:r>
+          </a:p>
+          <a:p>
+            <a:r>
+              <a:rPr lang="nl-NL" sz="1100" dirty="0"/>
+              <a:t>Gamma ACCAAC</a:t>
+            </a:r>
+          </a:p>
+          <a:p>
+            <a:r>
+              <a:rPr lang="nl-NL" sz="1100" dirty="0"/>
+              <a:t>Delta CCACCA</a:t>
+            </a:r>
+          </a:p>
+          <a:p>
+            <a:r>
+              <a:rPr lang="nl-NL" sz="1100" dirty="0"/>
+              <a:t>Epsilon CCAAAC</a:t>
+            </a:r>
+          </a:p>
+        </p:txBody>
+      </p:sp>
+      <p:sp>
+        <p:nvSpPr>
+          <p:cNvPr id="9" name="ZoneTexte 8"/>
+          <p:cNvSpPr txBox="1"/>
+          <p:nvPr/>
+        </p:nvSpPr>
+        <p:spPr>
+          <a:xfrm>
+            <a:off x="279400" y="3668634"/>
+            <a:ext cx="8644466" cy="2970043"/>
+          </a:xfrm>
+          <a:prstGeom prst="rect">
+            <a:avLst/>
+          </a:prstGeom>
+          <a:solidFill>
+            <a:schemeClr val="accent2">
+              <a:lumMod val="60000"/>
+              <a:lumOff val="40000"/>
+            </a:schemeClr>
+          </a:solidFill>
+          <a:ln>
+            <a:noFill/>
+          </a:ln>
+        </p:spPr>
+        <p:txBody>
+          <a:bodyPr wrap="square" rtlCol="0">
+            <a:spAutoFit/>
+          </a:bodyPr>
+          <a:lstStyle>
+            <a:defPPr>
+              <a:defRPr lang="fr-FR"/>
+            </a:defPPr>
+            <a:lvl1pPr>
+              <a:defRPr sz="1400"/>
+            </a:lvl1pPr>
+          </a:lstStyle>
+          <a:p>
+            <a:r>
+              <a:rPr lang="en-US" sz="1100" dirty="0"/>
+              <a:t>5 6</a:t>
+            </a:r>
+          </a:p>
+          <a:p>
+            <a:r>
+              <a:rPr lang="en-US" sz="1100" dirty="0"/>
+              <a:t>Alpha AAACCA</a:t>
+            </a:r>
+          </a:p>
+          <a:p>
+            <a:r>
+              <a:rPr lang="en-US" sz="1100" dirty="0"/>
+              <a:t>Beta AAACCC</a:t>
+            </a:r>
+          </a:p>
+          <a:p>
+            <a:r>
+              <a:rPr lang="en-US" sz="1100" dirty="0"/>
+              <a:t>Gamma ACCCCA</a:t>
+            </a:r>
+          </a:p>
+          <a:p>
+            <a:r>
+              <a:rPr lang="en-US" sz="1100" dirty="0"/>
+              <a:t>Delta CCCAAC</a:t>
+            </a:r>
+          </a:p>
+          <a:p>
+            <a:r>
+              <a:rPr lang="en-US" sz="1100" dirty="0"/>
+              <a:t>Epsilon CCCAAA</a:t>
+            </a:r>
+          </a:p>
+          <a:p>
+            <a:r>
+              <a:rPr lang="en-US" sz="1100" dirty="0"/>
+              <a:t>5 6</a:t>
+            </a:r>
+          </a:p>
+          <a:p>
+            <a:r>
+              <a:rPr lang="en-US" sz="1100" dirty="0"/>
+              <a:t>Alpha AAACAA</a:t>
+            </a:r>
+          </a:p>
+          <a:p>
+            <a:r>
+              <a:rPr lang="en-US" sz="1100" dirty="0"/>
+              <a:t>Beta AAACCC</a:t>
+            </a:r>
+          </a:p>
+          <a:p>
+            <a:r>
+              <a:rPr lang="en-US" sz="1100" dirty="0"/>
+              <a:t>Gamma ACCCAA</a:t>
+            </a:r>
+          </a:p>
+          <a:p>
+            <a:r>
+              <a:rPr lang="en-US" sz="1100" dirty="0"/>
+              <a:t>Delta CCCACC</a:t>
+            </a:r>
+          </a:p>
+          <a:p>
+            <a:r>
+              <a:rPr lang="en-US" sz="1100" dirty="0"/>
+              <a:t>Epsilon CCCAAA</a:t>
+            </a:r>
+          </a:p>
+          <a:p>
+            <a:r>
+              <a:rPr lang="en-US" sz="1100" dirty="0"/>
+              <a:t>5 6</a:t>
+            </a:r>
+          </a:p>
+          <a:p>
+            <a:r>
+              <a:rPr lang="en-US" sz="1100" dirty="0"/>
+              <a:t>Alpha AAAAAC</a:t>
+            </a:r>
+          </a:p>
+          <a:p>
+            <a:r>
+              <a:rPr lang="en-US" sz="1100" dirty="0"/>
+              <a:t>Beta AAACCC</a:t>
+            </a:r>
+          </a:p>
+          <a:p>
+            <a:r>
+              <a:rPr lang="en-US" sz="1100" dirty="0"/>
+              <a:t>Gamma AACAAC</a:t>
+            </a:r>
+          </a:p>
+          <a:p>
+            <a:r>
+              <a:rPr lang="en-US" sz="1100" dirty="0"/>
+              <a:t>Delta CCCCCA</a:t>
+            </a:r>
+          </a:p>
+        </p:txBody>
+      </p:sp>
+      <p:sp>
+        <p:nvSpPr>
+          <p:cNvPr id="10" name="ZoneTexte 9"/>
+          <p:cNvSpPr txBox="1"/>
+          <p:nvPr/>
+        </p:nvSpPr>
+        <p:spPr>
+          <a:xfrm>
+            <a:off x="279401" y="2548606"/>
+            <a:ext cx="8644466" cy="1080266"/>
+          </a:xfrm>
+          <a:prstGeom prst="rect">
+            <a:avLst/>
+          </a:prstGeom>
+        </p:spPr>
+        <p:txBody>
+          <a:bodyPr vert="horz" lIns="91440" tIns="45720" rIns="91440" bIns="45720" rtlCol="0">
+            <a:noAutofit/>
+          </a:bodyPr>
+          <a:lstStyle>
+            <a:lvl1pPr marL="342900" marR="0" indent="-342900" fontAlgn="auto">
+              <a:lnSpc>
+                <a:spcPct val="100000"/>
+              </a:lnSpc>
+              <a:spcBef>
+                <a:spcPct val="20000"/>
+              </a:spcBef>
+              <a:spcAft>
+                <a:spcPts val="0"/>
+              </a:spcAft>
+              <a:buClr>
+                <a:schemeClr val="accent6"/>
+              </a:buClr>
+              <a:buSzTx/>
+              <a:buFont typeface="Lucida Grande"/>
+              <a:buChar char="➔"/>
+              <a:tabLst/>
+              <a:defRPr sz="2000"/>
+            </a:lvl1pPr>
+            <a:lvl2pPr marL="742950" marR="0" indent="-285750" fontAlgn="auto">
+              <a:lnSpc>
+                <a:spcPct val="100000"/>
+              </a:lnSpc>
+              <a:spcBef>
+                <a:spcPct val="20000"/>
+              </a:spcBef>
+              <a:spcAft>
+                <a:spcPts val="0"/>
+              </a:spcAft>
+              <a:buClr>
+                <a:srgbClr val="009DE0"/>
+              </a:buClr>
+              <a:buSzTx/>
+              <a:buFont typeface="Arial"/>
+              <a:buChar char="›"/>
+              <a:tabLst/>
+              <a:defRPr sz="2800"/>
+            </a:lvl2pPr>
+            <a:lvl3pPr marL="1143000" marR="0" indent="-228600" fontAlgn="auto">
+              <a:lnSpc>
+                <a:spcPct val="100000"/>
+              </a:lnSpc>
+              <a:spcBef>
+                <a:spcPct val="20000"/>
+              </a:spcBef>
+              <a:spcAft>
+                <a:spcPts val="0"/>
+              </a:spcAft>
+              <a:buClrTx/>
+              <a:buSzTx/>
+              <a:buFont typeface="Arial"/>
+              <a:buChar char="•"/>
+              <a:tabLst/>
+              <a:defRPr sz="2400"/>
+            </a:lvl3pPr>
+            <a:lvl4pPr marL="1600200" marR="0" indent="-228600" fontAlgn="auto">
+              <a:lnSpc>
+                <a:spcPct val="100000"/>
+              </a:lnSpc>
+              <a:spcBef>
+                <a:spcPct val="20000"/>
+              </a:spcBef>
+              <a:spcAft>
+                <a:spcPts val="0"/>
+              </a:spcAft>
+              <a:buClrTx/>
+              <a:buSzTx/>
+              <a:buFont typeface="Arial"/>
+              <a:buChar char="–"/>
+              <a:tabLst/>
+              <a:defRPr sz="2000"/>
+            </a:lvl4pPr>
+            <a:lvl5pPr marL="2057400" marR="0" indent="-228600" fontAlgn="auto">
+              <a:lnSpc>
+                <a:spcPct val="100000"/>
+              </a:lnSpc>
+              <a:spcBef>
+                <a:spcPct val="20000"/>
+              </a:spcBef>
+              <a:spcAft>
+                <a:spcPts val="0"/>
+              </a:spcAft>
+              <a:buClrTx/>
+              <a:buSzTx/>
+              <a:buFont typeface="Arial"/>
+              <a:buChar char="»"/>
+              <a:tabLst/>
+              <a:defRPr sz="2000"/>
+            </a:lvl5pPr>
+            <a:lvl6pPr marL="2514600" indent="-228600">
+              <a:spcBef>
+                <a:spcPct val="20000"/>
+              </a:spcBef>
+              <a:buFont typeface="Arial"/>
+              <a:buChar char="•"/>
+              <a:defRPr sz="2000"/>
+            </a:lvl6pPr>
+            <a:lvl7pPr marL="2971800" indent="-228600">
+              <a:spcBef>
+                <a:spcPct val="20000"/>
+              </a:spcBef>
+              <a:buFont typeface="Arial"/>
+              <a:buChar char="•"/>
+              <a:defRPr sz="2000"/>
+            </a:lvl7pPr>
+            <a:lvl8pPr marL="3429000" indent="-228600">
+              <a:spcBef>
+                <a:spcPct val="20000"/>
+              </a:spcBef>
+              <a:buFont typeface="Arial"/>
+              <a:buChar char="•"/>
+              <a:defRPr sz="2000"/>
+            </a:lvl8pPr>
+            <a:lvl9pPr marL="3886200" indent="-228600">
+              <a:spcBef>
+                <a:spcPct val="20000"/>
+              </a:spcBef>
+              <a:buFont typeface="Arial"/>
+              <a:buChar char="•"/>
+              <a:defRPr sz="2000"/>
+            </a:lvl9pPr>
+          </a:lstStyle>
+          <a:p>
+            <a:r>
+              <a:rPr lang="en-US" dirty="0"/>
               <a:t>T</a:t>
             </a:r>
             <a:r>
@@ -10617,13 +11905,8 @@
             </a:r>
             <a:r>
               <a:rPr lang="en-US" dirty="0"/>
-              <a:t>for conciseness</a:t>
-            </a:r>
-            <a:r>
-              <a:rPr lang="en-US" dirty="0"/>
-              <a:t>:</a:t>
-            </a:r>
-            <a:endParaRPr lang="en-US" dirty="0"/>
+              <a:t>for conciseness:</a:t>
+            </a:r>
           </a:p>
         </p:txBody>
       </p:sp>

--- a/slides/python_biopython_Multiple_alignment.pptx
+++ b/slides/python_biopython_Multiple_alignment.pptx
@@ -241,6 +241,20 @@
         </p14:section>
       </p14:sectionLst>
     </p:ext>
+    <p:ext uri="{EFAFB233-063F-42B5-8137-9DF3F51BA10A}">
+      <p15:sldGuideLst xmlns:p15="http://schemas.microsoft.com/office/powerpoint/2012/main">
+        <p15:guide id="1" orient="horz" pos="2160">
+          <p15:clr>
+            <a:srgbClr val="A4A3A4"/>
+          </p15:clr>
+        </p15:guide>
+        <p15:guide id="2" pos="2880">
+          <p15:clr>
+            <a:srgbClr val="A4A3A4"/>
+          </p15:clr>
+        </p15:guide>
+      </p15:sldGuideLst>
+    </p:ext>
   </p:extLst>
 </p:presentation>
 </file>
@@ -327,7 +341,7 @@
           <a:p>
             <a:fld id="{5EB47243-285B-2741-8C7D-C88258D9CCFA}" type="datetimeFigureOut">
               <a:rPr lang="fr-FR" smtClean="0"/>
-              <a:t>13/11/16</a:t>
+              <a:t>08/11/2018</a:t>
             </a:fld>
             <a:endParaRPr lang="fr-FR"/>
           </a:p>
@@ -393,7 +407,7 @@
           <a:p>
             <a:fld id="{C5CA9166-BC48-2C47-B9BF-6F57720E77B8}" type="slidenum">
               <a:rPr lang="fr-FR" smtClean="0"/>
-              <a:t>‹#›</a:t>
+              <a:t>‹N°›</a:t>
             </a:fld>
             <a:endParaRPr lang="fr-FR"/>
           </a:p>
@@ -493,7 +507,7 @@
           <a:p>
             <a:fld id="{7D088D39-B4EA-D24B-B9C3-6A64886EABE2}" type="datetimeFigureOut">
               <a:rPr lang="fr-FR" smtClean="0"/>
-              <a:t>13/11/16</a:t>
+              <a:t>08/11/2018</a:t>
             </a:fld>
             <a:endParaRPr lang="fr-FR"/>
           </a:p>
@@ -557,38 +571,37 @@
           <a:p>
             <a:pPr lvl="0"/>
             <a:r>
-              <a:rPr lang="fr-FR" smtClean="0"/>
+              <a:rPr lang="fr-FR"/>
               <a:t>Cliquez pour modifier les styles du texte du masque</a:t>
             </a:r>
           </a:p>
           <a:p>
             <a:pPr lvl="1"/>
             <a:r>
-              <a:rPr lang="fr-FR" smtClean="0"/>
+              <a:rPr lang="fr-FR"/>
               <a:t>Deuxième niveau</a:t>
             </a:r>
           </a:p>
           <a:p>
             <a:pPr lvl="2"/>
             <a:r>
-              <a:rPr lang="fr-FR" smtClean="0"/>
+              <a:rPr lang="fr-FR"/>
               <a:t>Troisième niveau</a:t>
             </a:r>
           </a:p>
           <a:p>
             <a:pPr lvl="3"/>
             <a:r>
-              <a:rPr lang="fr-FR" smtClean="0"/>
+              <a:rPr lang="fr-FR"/>
               <a:t>Quatrième niveau</a:t>
             </a:r>
           </a:p>
           <a:p>
             <a:pPr lvl="4"/>
             <a:r>
-              <a:rPr lang="fr-FR" smtClean="0"/>
+              <a:rPr lang="fr-FR"/>
               <a:t>Cinquième niveau</a:t>
             </a:r>
-            <a:endParaRPr lang="fr-FR"/>
           </a:p>
         </p:txBody>
       </p:sp>
@@ -652,7 +665,7 @@
           <a:p>
             <a:fld id="{1C0E2CBA-6097-B848-A7DA-4D7BD6EB303B}" type="slidenum">
               <a:rPr lang="fr-FR" smtClean="0"/>
-              <a:t>‹#›</a:t>
+              <a:t>‹N°›</a:t>
             </a:fld>
             <a:endParaRPr lang="fr-FR"/>
           </a:p>
@@ -807,26 +820,26 @@
           <a:lstStyle/>
           <a:p>
             <a:r>
-              <a:rPr lang="fr-FR" dirty="0" smtClean="0"/>
+              <a:rPr lang="fr-FR" dirty="0"/>
               <a:t>Cpte élève:</a:t>
             </a:r>
             <a:r>
-              <a:rPr lang="fr-FR" baseline="0" dirty="0" smtClean="0"/>
+              <a:rPr lang="fr-FR" baseline="0" dirty="0"/>
               <a:t> </a:t>
             </a:r>
             <a:r>
-              <a:rPr lang="fr-FR" baseline="0" dirty="0" err="1" smtClean="0"/>
+              <a:rPr lang="fr-FR" baseline="0" dirty="0" err="1"/>
               <a:t>padawan</a:t>
             </a:r>
-            <a:endParaRPr lang="fr-FR" dirty="0" smtClean="0"/>
-          </a:p>
-          <a:p>
-            <a:r>
-              <a:rPr lang="fr-FR" dirty="0" smtClean="0"/>
+            <a:endParaRPr lang="fr-FR" dirty="0"/>
+          </a:p>
+          <a:p>
+            <a:r>
+              <a:rPr lang="fr-FR" dirty="0"/>
               <a:t>Mot de passe:</a:t>
             </a:r>
             <a:r>
-              <a:rPr lang="fr-FR" baseline="0" dirty="0" smtClean="0"/>
+              <a:rPr lang="fr-FR" baseline="0" dirty="0"/>
               <a:t> trust</a:t>
             </a:r>
             <a:endParaRPr lang="fr-FR" dirty="0"/>
@@ -914,7 +927,7 @@
           <a:lstStyle/>
           <a:p>
             <a:r>
-              <a:rPr lang="en-US" sz="1200" kern="1200" dirty="0" smtClean="0">
+              <a:rPr lang="en-US" sz="1200" kern="1200" dirty="0">
                 <a:solidFill>
                   <a:schemeClr val="tx1"/>
                 </a:solidFill>
@@ -928,7 +941,7 @@
           </a:p>
           <a:p>
             <a:r>
-              <a:rPr lang="en-US" sz="1200" kern="1200" dirty="0" smtClean="0">
+              <a:rPr lang="en-US" sz="1200" kern="1200" dirty="0">
                 <a:solidFill>
                   <a:schemeClr val="tx1"/>
                 </a:solidFill>
@@ -942,7 +955,7 @@
           </a:p>
           <a:p>
             <a:r>
-              <a:rPr lang="en-US" sz="1200" kern="1200" dirty="0" smtClean="0">
+              <a:rPr lang="en-US" sz="1200" kern="1200" dirty="0">
                 <a:solidFill>
                   <a:schemeClr val="tx1"/>
                 </a:solidFill>
@@ -956,7 +969,7 @@
           </a:p>
           <a:p>
             <a:r>
-              <a:rPr lang="en-US" sz="1200" kern="1200" dirty="0" smtClean="0">
+              <a:rPr lang="en-US" sz="1200" kern="1200" dirty="0">
                 <a:solidFill>
                   <a:schemeClr val="tx1"/>
                 </a:solidFill>
@@ -970,7 +983,7 @@
           </a:p>
           <a:p>
             <a:r>
-              <a:rPr lang="en-US" sz="1200" kern="1200" dirty="0" smtClean="0">
+              <a:rPr lang="en-US" sz="1200" kern="1200" dirty="0">
                 <a:solidFill>
                   <a:schemeClr val="tx1"/>
                 </a:solidFill>
@@ -984,7 +997,7 @@
           </a:p>
           <a:p>
             <a:r>
-              <a:rPr lang="en-US" sz="1200" kern="1200" dirty="0" smtClean="0">
+              <a:rPr lang="en-US" sz="1200" kern="1200" dirty="0">
                 <a:solidFill>
                   <a:schemeClr val="tx1"/>
                 </a:solidFill>
@@ -998,7 +1011,7 @@
           </a:p>
           <a:p>
             <a:r>
-              <a:rPr lang="en-US" sz="1200" kern="1200" dirty="0" smtClean="0">
+              <a:rPr lang="en-US" sz="1200" kern="1200" dirty="0">
                 <a:solidFill>
                   <a:schemeClr val="tx1"/>
                 </a:solidFill>
@@ -1012,7 +1025,7 @@
           </a:p>
           <a:p>
             <a:r>
-              <a:rPr lang="en-US" sz="1200" kern="1200" dirty="0" smtClean="0">
+              <a:rPr lang="en-US" sz="1200" kern="1200" dirty="0">
                 <a:solidFill>
                   <a:schemeClr val="tx1"/>
                 </a:solidFill>
@@ -1026,7 +1039,7 @@
           </a:p>
           <a:p>
             <a:r>
-              <a:rPr lang="en-US" sz="1200" kern="1200" dirty="0" smtClean="0">
+              <a:rPr lang="en-US" sz="1200" kern="1200" dirty="0">
                 <a:solidFill>
                   <a:schemeClr val="tx1"/>
                 </a:solidFill>
@@ -1141,7 +1154,7 @@
               <a:defRPr/>
             </a:pPr>
             <a:r>
-              <a:rPr kumimoji="0" lang="fr-FR" sz="1800" b="0" i="0" u="none" strike="noStrike" kern="0" cap="none" spc="0" normalizeH="0" baseline="0" noProof="0" dirty="0" smtClean="0">
+              <a:rPr kumimoji="0" lang="fr-FR" sz="1800" b="0" i="0" u="none" strike="noStrike" kern="0" cap="none" spc="0" normalizeH="0" baseline="0" noProof="0" dirty="0">
                 <a:ln>
                   <a:noFill/>
                 </a:ln>
@@ -1157,20 +1170,6 @@
               </a:rPr>
               <a:t> </a:t>
             </a:r>
-            <a:endParaRPr kumimoji="0" lang="fr-FR" sz="1800" b="0" i="0" u="none" strike="noStrike" kern="0" cap="none" spc="0" normalizeH="0" baseline="0" noProof="0" dirty="0">
-              <a:ln>
-                <a:noFill/>
-              </a:ln>
-              <a:solidFill>
-                <a:srgbClr val="000000"/>
-              </a:solidFill>
-              <a:effectLst/>
-              <a:uLnTx/>
-              <a:uFillTx/>
-              <a:latin typeface="Arial"/>
-              <a:ea typeface="+mn-ea"/>
-              <a:cs typeface="+mn-cs"/>
-            </a:endParaRPr>
           </a:p>
         </p:txBody>
       </p:sp>
@@ -1307,7 +1306,7 @@
               <a:defRPr/>
             </a:pPr>
             <a:r>
-              <a:rPr kumimoji="0" lang="fr-FR" sz="1800" b="0" i="0" u="none" strike="noStrike" kern="0" cap="none" spc="0" normalizeH="0" baseline="0" noProof="0" dirty="0" smtClean="0">
+              <a:rPr kumimoji="0" lang="fr-FR" sz="1800" b="0" i="0" u="none" strike="noStrike" kern="0" cap="none" spc="0" normalizeH="0" baseline="0" noProof="0" dirty="0">
                 <a:ln>
                   <a:noFill/>
                 </a:ln>
@@ -1320,17 +1319,6 @@
               </a:rPr>
               <a:t>Cliquez pour modifier le style des sous-titres du masque</a:t>
             </a:r>
-            <a:endParaRPr kumimoji="0" lang="fr-FR" sz="1800" b="0" i="0" u="none" strike="noStrike" kern="0" cap="none" spc="0" normalizeH="0" baseline="0" noProof="0" dirty="0">
-              <a:ln>
-                <a:noFill/>
-              </a:ln>
-              <a:solidFill>
-                <a:srgbClr val="FFFFFF"/>
-              </a:solidFill>
-              <a:effectLst/>
-              <a:uLnTx/>
-              <a:uFillTx/>
-            </a:endParaRPr>
           </a:p>
         </p:txBody>
       </p:sp>
@@ -1393,10 +1381,9 @@
           </a:lstStyle>
           <a:p>
             <a:r>
-              <a:rPr lang="fr-FR" dirty="0" smtClean="0"/>
+              <a:rPr lang="fr-FR" dirty="0"/>
               <a:t>Cliquez et modifiez le titre</a:t>
             </a:r>
-            <a:endParaRPr lang="fr-FR" dirty="0"/>
           </a:p>
         </p:txBody>
       </p:sp>
@@ -1410,13 +1397,6 @@
   <p:clrMapOvr>
     <a:masterClrMapping/>
   </p:clrMapOvr>
-  <p:timing>
-    <p:tnLst>
-      <p:par>
-        <p:cTn xmlns:p14="http://schemas.microsoft.com/office/powerpoint/2010/main" id="1" dur="indefinite" restart="never" nodeType="tmRoot"/>
-      </p:par>
-    </p:tnLst>
-  </p:timing>
 </p:sldLayout>
 </file>
 
@@ -1560,18 +1540,13 @@
           <a:p>
             <a:pPr algn="ctr"/>
             <a:r>
-              <a:rPr lang="fr-FR" dirty="0" smtClean="0">
+              <a:rPr lang="fr-FR" dirty="0">
                 <a:solidFill>
                   <a:schemeClr val="bg1"/>
                 </a:solidFill>
               </a:rPr>
               <a:t> </a:t>
             </a:r>
-            <a:endParaRPr lang="fr-FR" dirty="0">
-              <a:solidFill>
-                <a:schemeClr val="bg1"/>
-              </a:solidFill>
-            </a:endParaRPr>
           </a:p>
         </p:txBody>
       </p:sp>
@@ -1619,18 +1594,13 @@
           <a:p>
             <a:pPr algn="ctr"/>
             <a:r>
-              <a:rPr lang="fr-FR" dirty="0" smtClean="0">
+              <a:rPr lang="fr-FR" dirty="0">
                 <a:solidFill>
                   <a:schemeClr val="bg1"/>
                 </a:solidFill>
               </a:rPr>
               <a:t> </a:t>
             </a:r>
-            <a:endParaRPr lang="fr-FR" dirty="0">
-              <a:solidFill>
-                <a:schemeClr val="bg1"/>
-              </a:solidFill>
-            </a:endParaRPr>
           </a:p>
         </p:txBody>
       </p:sp>
@@ -1644,13 +1614,6 @@
   <p:clrMapOvr>
     <a:masterClrMapping/>
   </p:clrMapOvr>
-  <p:timing>
-    <p:tnLst>
-      <p:par>
-        <p:cTn xmlns:p14="http://schemas.microsoft.com/office/powerpoint/2010/main" id="1" dur="indefinite" restart="never" nodeType="tmRoot"/>
-      </p:par>
-    </p:tnLst>
-  </p:timing>
 </p:sldLayout>
 </file>
 
@@ -1750,10 +1713,9 @@
           </a:lstStyle>
           <a:p>
             <a:r>
-              <a:rPr lang="fr-FR" dirty="0" smtClean="0"/>
+              <a:rPr lang="fr-FR" dirty="0"/>
               <a:t>Cliquez et modifiez le titre</a:t>
             </a:r>
-            <a:endParaRPr lang="fr-FR" dirty="0"/>
           </a:p>
         </p:txBody>
       </p:sp>
@@ -1885,7 +1847,7 @@
               <a:defRPr/>
             </a:pPr>
             <a:r>
-              <a:rPr kumimoji="0" lang="fr-FR" sz="2000" b="0" i="0" u="none" strike="noStrike" kern="1200" cap="none" spc="0" normalizeH="0" baseline="0" noProof="0" dirty="0" smtClean="0">
+              <a:rPr kumimoji="0" lang="fr-FR" sz="2000" b="0" i="0" u="none" strike="noStrike" kern="1200" cap="none" spc="0" normalizeH="0" baseline="0" noProof="0" dirty="0">
                 <a:ln>
                   <a:noFill/>
                 </a:ln>
@@ -1923,7 +1885,7 @@
               <a:defRPr/>
             </a:pPr>
             <a:r>
-              <a:rPr kumimoji="0" lang="fr-FR" sz="1600" b="0" i="0" u="none" strike="noStrike" kern="1200" cap="none" spc="0" normalizeH="0" baseline="0" noProof="0" dirty="0" smtClean="0">
+              <a:rPr kumimoji="0" lang="fr-FR" sz="1600" b="0" i="0" u="none" strike="noStrike" kern="1200" cap="none" spc="0" normalizeH="0" baseline="0" noProof="0" dirty="0">
                 <a:ln>
                   <a:noFill/>
                 </a:ln>
@@ -1959,7 +1921,7 @@
               <a:defRPr/>
             </a:pPr>
             <a:r>
-              <a:rPr kumimoji="0" lang="fr-FR" sz="1600" b="0" i="0" u="none" strike="noStrike" kern="1200" cap="none" spc="0" normalizeH="0" baseline="0" noProof="0" dirty="0" smtClean="0">
+              <a:rPr kumimoji="0" lang="fr-FR" sz="1600" b="0" i="0" u="none" strike="noStrike" kern="1200" cap="none" spc="0" normalizeH="0" baseline="0" noProof="0" dirty="0">
                 <a:ln>
                   <a:noFill/>
                 </a:ln>
@@ -1995,7 +1957,7 @@
               <a:defRPr/>
             </a:pPr>
             <a:r>
-              <a:rPr kumimoji="0" lang="fr-FR" sz="1600" b="0" i="0" u="none" strike="noStrike" kern="1200" cap="none" spc="0" normalizeH="0" baseline="0" noProof="0" dirty="0" smtClean="0">
+              <a:rPr kumimoji="0" lang="fr-FR" sz="1600" b="0" i="0" u="none" strike="noStrike" kern="1200" cap="none" spc="0" normalizeH="0" baseline="0" noProof="0" dirty="0">
                 <a:ln>
                   <a:noFill/>
                 </a:ln>
@@ -2031,7 +1993,7 @@
               <a:defRPr/>
             </a:pPr>
             <a:r>
-              <a:rPr kumimoji="0" lang="fr-FR" sz="1600" b="0" i="0" u="none" strike="noStrike" kern="1200" cap="none" spc="0" normalizeH="0" baseline="0" noProof="0" dirty="0" smtClean="0">
+              <a:rPr kumimoji="0" lang="fr-FR" sz="1600" b="0" i="0" u="none" strike="noStrike" kern="1200" cap="none" spc="0" normalizeH="0" baseline="0" noProof="0" dirty="0">
                 <a:ln>
                   <a:noFill/>
                 </a:ln>
@@ -2047,20 +2009,6 @@
               </a:rPr>
               <a:t>Cinquième niveau</a:t>
             </a:r>
-            <a:endParaRPr kumimoji="0" lang="fr-FR" sz="1600" b="0" i="0" u="none" strike="noStrike" kern="1200" cap="none" spc="0" normalizeH="0" baseline="0" noProof="0" dirty="0">
-              <a:ln>
-                <a:noFill/>
-              </a:ln>
-              <a:solidFill>
-                <a:srgbClr val="000000"/>
-              </a:solidFill>
-              <a:effectLst/>
-              <a:uLnTx/>
-              <a:uFillTx/>
-              <a:latin typeface="+mn-lt"/>
-              <a:ea typeface="+mn-ea"/>
-              <a:cs typeface="+mn-cs"/>
-            </a:endParaRPr>
           </a:p>
         </p:txBody>
       </p:sp>
@@ -2097,7 +2045,7 @@
           <a:p>
             <a:fld id="{751463B9-2A29-154C-A5AC-383AEA094CA9}" type="datetime1">
               <a:rPr lang="fr-FR" smtClean="0"/>
-              <a:t>13/11/16</a:t>
+              <a:t>08/11/2018</a:t>
             </a:fld>
             <a:endParaRPr lang="fr-FR" dirty="0"/>
           </a:p>
@@ -2135,7 +2083,7 @@
           </a:lstStyle>
           <a:p>
             <a:r>
-              <a:rPr lang="fr-FR" smtClean="0"/>
+              <a:rPr lang="fr-FR"/>
               <a:t>Python pour la biologie</a:t>
             </a:r>
             <a:endParaRPr lang="fr-FR" dirty="0"/>
@@ -2176,7 +2124,7 @@
             <a:fld id="{DCE37727-CC04-7A46-938D-2CCFF056F773}" type="slidenum">
               <a:rPr lang="fr-FR" smtClean="0"/>
               <a:pPr/>
-              <a:t>‹#›</a:t>
+              <a:t>‹N°›</a:t>
             </a:fld>
             <a:endParaRPr lang="fr-FR" dirty="0"/>
           </a:p>
@@ -2248,13 +2196,6 @@
   <p:clrMapOvr>
     <a:masterClrMapping/>
   </p:clrMapOvr>
-  <p:timing>
-    <p:tnLst>
-      <p:par>
-        <p:cTn xmlns:p14="http://schemas.microsoft.com/office/powerpoint/2010/main" id="1" dur="indefinite" restart="never" nodeType="tmRoot"/>
-      </p:par>
-    </p:tnLst>
-  </p:timing>
 </p:sldLayout>
 </file>
 
@@ -2330,38 +2271,37 @@
           <a:p>
             <a:pPr lvl="0"/>
             <a:r>
-              <a:rPr lang="fr-FR" dirty="0" smtClean="0"/>
+              <a:rPr lang="fr-FR" dirty="0"/>
               <a:t>Cliquez pour modifier les styles du texte du masque</a:t>
             </a:r>
           </a:p>
           <a:p>
             <a:pPr lvl="1"/>
             <a:r>
-              <a:rPr lang="fr-FR" dirty="0" smtClean="0"/>
+              <a:rPr lang="fr-FR" dirty="0"/>
               <a:t>Deuxième niveau</a:t>
             </a:r>
           </a:p>
           <a:p>
             <a:pPr lvl="2"/>
             <a:r>
-              <a:rPr lang="fr-FR" dirty="0" smtClean="0"/>
+              <a:rPr lang="fr-FR" dirty="0"/>
               <a:t>Troisième niveau</a:t>
             </a:r>
           </a:p>
           <a:p>
             <a:pPr lvl="3"/>
             <a:r>
-              <a:rPr lang="fr-FR" dirty="0" smtClean="0"/>
+              <a:rPr lang="fr-FR" dirty="0"/>
               <a:t>Quatrième niveau</a:t>
             </a:r>
           </a:p>
           <a:p>
             <a:pPr lvl="4"/>
             <a:r>
-              <a:rPr lang="fr-FR" dirty="0" smtClean="0"/>
+              <a:rPr lang="fr-FR" dirty="0"/>
               <a:t>Cinquième niveau</a:t>
             </a:r>
-            <a:endParaRPr lang="fr-FR" dirty="0"/>
           </a:p>
         </p:txBody>
       </p:sp>
@@ -2420,38 +2360,37 @@
           <a:p>
             <a:pPr lvl="0"/>
             <a:r>
-              <a:rPr lang="fr-FR" dirty="0" smtClean="0"/>
+              <a:rPr lang="fr-FR" dirty="0"/>
               <a:t>Cliquez pour modifier les styles du texte du masque</a:t>
             </a:r>
           </a:p>
           <a:p>
             <a:pPr lvl="1"/>
             <a:r>
-              <a:rPr lang="fr-FR" dirty="0" smtClean="0"/>
+              <a:rPr lang="fr-FR" dirty="0"/>
               <a:t>Deuxième niveau</a:t>
             </a:r>
           </a:p>
           <a:p>
             <a:pPr lvl="2"/>
             <a:r>
-              <a:rPr lang="fr-FR" dirty="0" smtClean="0"/>
+              <a:rPr lang="fr-FR" dirty="0"/>
               <a:t>Troisième niveau</a:t>
             </a:r>
           </a:p>
           <a:p>
             <a:pPr lvl="3"/>
             <a:r>
-              <a:rPr lang="fr-FR" dirty="0" smtClean="0"/>
+              <a:rPr lang="fr-FR" dirty="0"/>
               <a:t>Quatrième niveau</a:t>
             </a:r>
           </a:p>
           <a:p>
             <a:pPr lvl="4"/>
             <a:r>
-              <a:rPr lang="fr-FR" dirty="0" smtClean="0"/>
+              <a:rPr lang="fr-FR" dirty="0"/>
               <a:t>Cinquième niveau</a:t>
             </a:r>
-            <a:endParaRPr lang="fr-FR" dirty="0"/>
           </a:p>
         </p:txBody>
       </p:sp>
@@ -2534,10 +2473,9 @@
           </a:lstStyle>
           <a:p>
             <a:r>
-              <a:rPr lang="fr-FR" dirty="0" smtClean="0"/>
+              <a:rPr lang="fr-FR" dirty="0"/>
               <a:t>Cliquez et modifiez le titre</a:t>
             </a:r>
-            <a:endParaRPr lang="fr-FR" dirty="0"/>
           </a:p>
         </p:txBody>
       </p:sp>
@@ -2598,7 +2536,7 @@
           <a:p>
             <a:fld id="{093F68C3-195D-9E4F-A0F2-F73993E4FFAC}" type="datetime1">
               <a:rPr lang="fr-FR" smtClean="0"/>
-              <a:t>13/11/16</a:t>
+              <a:t>08/11/2018</a:t>
             </a:fld>
             <a:endParaRPr lang="fr-FR" dirty="0"/>
           </a:p>
@@ -2636,7 +2574,7 @@
           </a:lstStyle>
           <a:p>
             <a:r>
-              <a:rPr lang="fr-FR" smtClean="0"/>
+              <a:rPr lang="fr-FR"/>
               <a:t>Python pour la biologie</a:t>
             </a:r>
             <a:endParaRPr lang="fr-FR" dirty="0"/>
@@ -2677,7 +2615,7 @@
             <a:fld id="{DCE37727-CC04-7A46-938D-2CCFF056F773}" type="slidenum">
               <a:rPr lang="fr-FR" smtClean="0"/>
               <a:pPr/>
-              <a:t>‹#›</a:t>
+              <a:t>‹N°›</a:t>
             </a:fld>
             <a:endParaRPr lang="fr-FR" dirty="0"/>
           </a:p>
@@ -2725,13 +2663,6 @@
   <p:clrMapOvr>
     <a:masterClrMapping/>
   </p:clrMapOvr>
-  <p:timing>
-    <p:tnLst>
-      <p:par>
-        <p:cTn xmlns:p14="http://schemas.microsoft.com/office/powerpoint/2010/main" id="1" dur="indefinite" restart="never" nodeType="tmRoot"/>
-      </p:par>
-    </p:tnLst>
-  </p:timing>
 </p:sldLayout>
 </file>
 
@@ -2819,18 +2750,13 @@
           <a:lstStyle/>
           <a:p>
             <a:r>
-              <a:rPr lang="fr-FR" sz="3200" dirty="0" smtClean="0">
+              <a:rPr lang="fr-FR" sz="3200" dirty="0">
                 <a:solidFill>
                   <a:srgbClr val="009DE0"/>
                 </a:solidFill>
               </a:rPr>
               <a:t>Chapitre 2</a:t>
             </a:r>
-            <a:endParaRPr lang="fr-FR" sz="3200" dirty="0">
-              <a:solidFill>
-                <a:srgbClr val="009DE0"/>
-              </a:solidFill>
-            </a:endParaRPr>
           </a:p>
         </p:txBody>
       </p:sp>
@@ -2926,13 +2852,6 @@
   <p:clrMapOvr>
     <a:masterClrMapping/>
   </p:clrMapOvr>
-  <p:timing>
-    <p:tnLst>
-      <p:par>
-        <p:cTn xmlns:p14="http://schemas.microsoft.com/office/powerpoint/2010/main" id="1" dur="indefinite" restart="never" nodeType="tmRoot"/>
-      </p:par>
-    </p:tnLst>
-  </p:timing>
 </p:sldLayout>
 </file>
 
@@ -3121,21 +3040,8 @@
                   <a:srgbClr val="FFFFFF"/>
                 </a:solidFill>
               </a:rPr>
-              <a:t>ditione dic tem hiciliciist, con rem aut volest, sedi doles erro te sa sam volum dolumqui aceprae eicipsa </a:t>
-            </a:r>
-            <a:r>
-              <a:rPr lang="fr-FR" baseline="30000" dirty="0" smtClean="0">
-                <a:solidFill>
-                  <a:srgbClr val="FFFFFF"/>
-                </a:solidFill>
-              </a:rPr>
-              <a:t>pelesequod</a:t>
-            </a:r>
-            <a:endParaRPr lang="fr-FR" baseline="30000" dirty="0">
-              <a:solidFill>
-                <a:srgbClr val="FFFFFF"/>
-              </a:solidFill>
-            </a:endParaRPr>
+              <a:t>ditione dic tem hiciliciist, con rem aut volest, sedi doles erro te sa sam volum dolumqui aceprae eicipsa pelesequod</a:t>
+            </a:r>
           </a:p>
         </p:txBody>
       </p:sp>
@@ -3336,18 +3242,13 @@
               <a:buNone/>
             </a:pPr>
             <a:r>
-              <a:rPr lang="fr-FR" sz="1200" b="1" dirty="0" smtClean="0">
+              <a:rPr lang="fr-FR" sz="1200" b="1" dirty="0">
                 <a:solidFill>
                   <a:schemeClr val="accent1"/>
                 </a:solidFill>
               </a:rPr>
               <a:t>titre</a:t>
             </a:r>
-            <a:endParaRPr lang="fr-FR" sz="1200" b="1" dirty="0">
-              <a:solidFill>
-                <a:schemeClr val="accent1"/>
-              </a:solidFill>
-            </a:endParaRPr>
           </a:p>
         </p:txBody>
       </p:sp>
@@ -3546,18 +3447,13 @@
               <a:buNone/>
             </a:pPr>
             <a:r>
-              <a:rPr lang="fr-FR" sz="1200" b="1" dirty="0" smtClean="0">
+              <a:rPr lang="fr-FR" sz="1200" b="1" dirty="0">
                 <a:solidFill>
                   <a:srgbClr val="FFFFFF"/>
                 </a:solidFill>
               </a:rPr>
               <a:t>titre</a:t>
             </a:r>
-            <a:endParaRPr lang="fr-FR" sz="1200" b="1" dirty="0">
-              <a:solidFill>
-                <a:srgbClr val="FFFFFF"/>
-              </a:solidFill>
-            </a:endParaRPr>
           </a:p>
         </p:txBody>
       </p:sp>
@@ -3595,19 +3491,14 @@
               <a:rPr lang="fr-FR" sz="3200" b="1" baseline="30000" dirty="0"/>
               <a:t>Itas eaquis et </a:t>
             </a:r>
-            <a:endParaRPr lang="fr-FR" sz="3200" b="1" baseline="30000" dirty="0" smtClean="0"/>
           </a:p>
           <a:p>
             <a:pPr>
               <a:buSzPct val="90000"/>
             </a:pPr>
             <a:r>
-              <a:rPr lang="fr-FR" sz="2400" b="1" baseline="30000" dirty="0" smtClean="0"/>
-              <a:t>excerferum </a:t>
-            </a:r>
-            <a:r>
               <a:rPr lang="fr-FR" sz="2400" b="1" baseline="30000" dirty="0"/>
-              <a:t>nuscien </a:t>
+              <a:t>excerferum nuscien </a:t>
             </a:r>
             <a:r>
               <a:rPr lang="fr-FR" sz="2400" baseline="30000" dirty="0"/>
@@ -3704,7 +3595,7 @@
               <a:t>, </a:t>
             </a:r>
             <a:r>
-              <a:rPr lang="fr-FR" sz="2400" baseline="30000" dirty="0" err="1" smtClean="0"/>
+              <a:rPr lang="fr-FR" sz="2400" baseline="30000" dirty="0" err="1"/>
               <a:t>iliquo</a:t>
             </a:r>
             <a:endParaRPr lang="fr-FR" sz="2400" baseline="30000" dirty="0"/>
@@ -3719,11 +3610,11 @@
               <a:buChar char="›"/>
             </a:pPr>
             <a:r>
-              <a:rPr lang="fr-FR" sz="2400" baseline="30000" dirty="0" err="1" smtClean="0"/>
+              <a:rPr lang="fr-FR" sz="2400" baseline="30000" dirty="0" err="1"/>
               <a:t>omnis</a:t>
             </a:r>
             <a:r>
-              <a:rPr lang="fr-FR" sz="2400" baseline="30000" dirty="0" smtClean="0"/>
+              <a:rPr lang="fr-FR" sz="2400" baseline="30000" dirty="0"/>
               <a:t> </a:t>
             </a:r>
             <a:r>
@@ -3807,71 +3698,71 @@
               <a:t> </a:t>
             </a:r>
             <a:r>
-              <a:rPr lang="fr-FR" sz="2400" baseline="30000" dirty="0" err="1" smtClean="0"/>
+              <a:rPr lang="fr-FR" sz="2400" baseline="30000" dirty="0" err="1"/>
               <a:t>iliciae</a:t>
             </a:r>
             <a:r>
-              <a:rPr lang="fr-FR" sz="2400" baseline="30000" dirty="0" smtClean="0"/>
+              <a:rPr lang="fr-FR" sz="2400" baseline="30000" dirty="0"/>
               <a:t> </a:t>
             </a:r>
             <a:r>
-              <a:rPr lang="fr-FR" sz="2400" baseline="30000" dirty="0" err="1" smtClean="0"/>
+              <a:rPr lang="fr-FR" sz="2400" baseline="30000" dirty="0" err="1"/>
               <a:t>cepernat</a:t>
             </a:r>
             <a:r>
-              <a:rPr lang="fr-FR" sz="2400" baseline="30000" dirty="0" smtClean="0"/>
+              <a:rPr lang="fr-FR" sz="2400" baseline="30000" dirty="0"/>
               <a:t> </a:t>
             </a:r>
             <a:r>
-              <a:rPr lang="fr-FR" sz="2400" baseline="30000" dirty="0" err="1" smtClean="0"/>
+              <a:rPr lang="fr-FR" sz="2400" baseline="30000" dirty="0" err="1"/>
               <a:t>fugitas</a:t>
             </a:r>
             <a:r>
-              <a:rPr lang="fr-FR" sz="2400" baseline="30000" dirty="0" smtClean="0"/>
+              <a:rPr lang="fr-FR" sz="2400" baseline="30000" dirty="0"/>
               <a:t> sa </a:t>
             </a:r>
             <a:r>
-              <a:rPr lang="fr-FR" sz="2400" baseline="30000" dirty="0" err="1" smtClean="0"/>
+              <a:rPr lang="fr-FR" sz="2400" baseline="30000" dirty="0" err="1"/>
               <a:t>conse</a:t>
             </a:r>
             <a:r>
-              <a:rPr lang="fr-FR" sz="2400" baseline="30000" dirty="0" smtClean="0"/>
+              <a:rPr lang="fr-FR" sz="2400" baseline="30000" dirty="0"/>
               <a:t> </a:t>
             </a:r>
             <a:r>
-              <a:rPr lang="fr-FR" sz="2400" baseline="30000" dirty="0" err="1" smtClean="0"/>
+              <a:rPr lang="fr-FR" sz="2400" baseline="30000" dirty="0" err="1"/>
               <a:t>molo</a:t>
             </a:r>
             <a:r>
-              <a:rPr lang="fr-FR" sz="2400" baseline="30000" dirty="0" smtClean="0"/>
+              <a:rPr lang="fr-FR" sz="2400" baseline="30000" dirty="0"/>
               <a:t> </a:t>
             </a:r>
             <a:r>
-              <a:rPr lang="fr-FR" sz="2400" baseline="30000" dirty="0" err="1" smtClean="0"/>
+              <a:rPr lang="fr-FR" sz="2400" baseline="30000" dirty="0" err="1"/>
               <a:t>modi</a:t>
             </a:r>
             <a:r>
-              <a:rPr lang="fr-FR" sz="2400" baseline="30000" dirty="0" smtClean="0"/>
+              <a:rPr lang="fr-FR" sz="2400" baseline="30000" dirty="0"/>
               <a:t> </a:t>
             </a:r>
             <a:r>
-              <a:rPr lang="fr-FR" sz="2400" baseline="30000" dirty="0" err="1" smtClean="0"/>
+              <a:rPr lang="fr-FR" sz="2400" baseline="30000" dirty="0" err="1"/>
               <a:t>berecti</a:t>
             </a:r>
             <a:r>
-              <a:rPr lang="fr-FR" sz="2400" baseline="30000" dirty="0" smtClean="0"/>
+              <a:rPr lang="fr-FR" sz="2400" baseline="30000" dirty="0"/>
               <a:t> tem </a:t>
             </a:r>
             <a:r>
-              <a:rPr lang="fr-FR" sz="2400" baseline="30000" dirty="0" err="1" smtClean="0"/>
+              <a:rPr lang="fr-FR" sz="2400" baseline="30000" dirty="0" err="1"/>
               <a:t>ius</a:t>
             </a:r>
             <a:r>
-              <a:rPr lang="fr-FR" sz="2400" baseline="30000" dirty="0" smtClean="0"/>
+              <a:rPr lang="fr-FR" sz="2400" baseline="30000" dirty="0"/>
               <a:t>, officie </a:t>
             </a:r>
             <a:r>
-              <a:rPr lang="fr-FR" sz="2400" baseline="30000" dirty="0" err="1" smtClean="0"/>
+              <a:rPr lang="fr-FR" sz="2400" baseline="30000" dirty="0" err="1"/>
               <a:t>ndiscipsam</a:t>
             </a:r>
             <a:endParaRPr lang="fr-FR" sz="2400" i="1" dirty="0"/>
@@ -3957,10 +3848,9 @@
           </a:lstStyle>
           <a:p>
             <a:r>
-              <a:rPr lang="fr-FR" dirty="0" smtClean="0"/>
+              <a:rPr lang="fr-FR" dirty="0"/>
               <a:t>Cliquez et modifiez le titre</a:t>
             </a:r>
-            <a:endParaRPr lang="fr-FR" dirty="0"/>
           </a:p>
         </p:txBody>
       </p:sp>
@@ -4021,7 +3911,7 @@
           <a:p>
             <a:fld id="{797E56E4-32A0-A24B-AE7B-5E5E4DFEC148}" type="datetime1">
               <a:rPr lang="fr-FR" smtClean="0"/>
-              <a:t>13/11/16</a:t>
+              <a:t>08/11/2018</a:t>
             </a:fld>
             <a:endParaRPr lang="fr-FR" dirty="0"/>
           </a:p>
@@ -4059,10 +3949,9 @@
           </a:lstStyle>
           <a:p>
             <a:r>
-              <a:rPr lang="fr-FR" smtClean="0"/>
+              <a:rPr lang="fr-FR"/>
               <a:t>Python pour la biologie</a:t>
             </a:r>
-            <a:endParaRPr lang="fr-FR"/>
           </a:p>
         </p:txBody>
       </p:sp>
@@ -4100,7 +3989,7 @@
             <a:fld id="{DCE37727-CC04-7A46-938D-2CCFF056F773}" type="slidenum">
               <a:rPr lang="fr-FR" smtClean="0"/>
               <a:pPr/>
-              <a:t>‹#›</a:t>
+              <a:t>‹N°›</a:t>
             </a:fld>
             <a:endParaRPr lang="fr-FR"/>
           </a:p>
@@ -4333,18 +4222,13 @@
               <a:buNone/>
             </a:pPr>
             <a:r>
-              <a:rPr lang="fr-FR" sz="1200" b="1" dirty="0" smtClean="0">
+              <a:rPr lang="fr-FR" sz="1200" b="1" dirty="0">
                 <a:solidFill>
                   <a:srgbClr val="FFFFFF"/>
                 </a:solidFill>
               </a:rPr>
               <a:t>titre</a:t>
             </a:r>
-            <a:endParaRPr lang="fr-FR" sz="1200" b="1" dirty="0">
-              <a:solidFill>
-                <a:srgbClr val="FFFFFF"/>
-              </a:solidFill>
-            </a:endParaRPr>
           </a:p>
         </p:txBody>
       </p:sp>
@@ -4358,13 +4242,6 @@
   <p:clrMapOvr>
     <a:masterClrMapping/>
   </p:clrMapOvr>
-  <p:timing>
-    <p:tnLst>
-      <p:par>
-        <p:cTn xmlns:p14="http://schemas.microsoft.com/office/powerpoint/2010/main" id="1" dur="indefinite" restart="never" nodeType="tmRoot"/>
-      </p:par>
-    </p:tnLst>
-  </p:timing>
 </p:sldLayout>
 </file>
 
@@ -4455,10 +4332,9 @@
               <a:tabLst/>
             </a:pPr>
             <a:r>
-              <a:rPr lang="fr-FR" sz="2800" b="1" i="0" baseline="30000" dirty="0" smtClean="0"/>
+              <a:rPr lang="fr-FR" sz="2800" b="1" i="0" baseline="30000" dirty="0"/>
               <a:t>excerferum nuscien</a:t>
             </a:r>
-            <a:endParaRPr lang="fr-FR" sz="2800" b="1" i="0" baseline="30000" dirty="0"/>
           </a:p>
           <a:p>
             <a:pPr marL="355600" indent="-355600" defTabSz="541338">
@@ -4474,14 +4350,9 @@
               <a:tabLst/>
             </a:pPr>
             <a:r>
-              <a:rPr lang="fr-FR" sz="2800" b="1" i="0" baseline="30000" dirty="0" smtClean="0"/>
-              <a:t>ditione </a:t>
-            </a:r>
-            <a:r>
               <a:rPr lang="fr-FR" sz="2800" b="1" i="0" baseline="30000" dirty="0"/>
-              <a:t>dic tem hiciliciist, con rem aut volest, sedi doles </a:t>
-            </a:r>
-            <a:endParaRPr lang="fr-FR" sz="2800" b="1" i="0" baseline="30000" dirty="0" smtClean="0"/>
+              <a:t>ditione dic tem hiciliciist, con rem aut volest, sedi doles </a:t>
+            </a:r>
           </a:p>
           <a:p>
             <a:pPr marL="355600" indent="-355600" defTabSz="541338">
@@ -4497,16 +4368,12 @@
               <a:tabLst/>
             </a:pPr>
             <a:r>
-              <a:rPr lang="fr-FR" sz="2800" b="1" i="0" baseline="30000" dirty="0" err="1" smtClean="0"/>
+              <a:rPr lang="fr-FR" sz="2800" b="1" i="0" baseline="30000" dirty="0" err="1"/>
               <a:t>erro</a:t>
             </a:r>
             <a:r>
-              <a:rPr lang="fr-FR" sz="2800" b="1" i="0" baseline="30000" dirty="0" smtClean="0"/>
-              <a:t> </a:t>
-            </a:r>
-            <a:r>
               <a:rPr lang="fr-FR" sz="2800" b="1" i="0" baseline="30000" dirty="0"/>
-              <a:t>te sa </a:t>
+              <a:t> te sa </a:t>
             </a:r>
             <a:r>
               <a:rPr lang="fr-FR" sz="2800" b="1" i="0" baseline="30000" dirty="0" err="1"/>
@@ -4541,10 +4408,10 @@
               <a:t> </a:t>
             </a:r>
             <a:r>
-              <a:rPr lang="fr-FR" sz="2800" b="1" i="0" baseline="30000" dirty="0" err="1" smtClean="0"/>
+              <a:rPr lang="fr-FR" sz="2800" b="1" i="0" baseline="30000" dirty="0" err="1"/>
               <a:t>eicipsa</a:t>
             </a:r>
-            <a:endParaRPr lang="fr-FR" sz="2800" b="1" i="0" baseline="30000" dirty="0" smtClean="0"/>
+            <a:endParaRPr lang="fr-FR" sz="2800" b="1" i="0" baseline="30000" dirty="0"/>
           </a:p>
           <a:p>
             <a:pPr marL="355600" indent="-355600" defTabSz="541338">
@@ -4560,19 +4427,15 @@
               <a:tabLst/>
             </a:pPr>
             <a:r>
-              <a:rPr lang="fr-FR" sz="2800" b="1" i="0" baseline="30000" dirty="0" err="1" smtClean="0"/>
+              <a:rPr lang="fr-FR" sz="2800" b="1" i="0" baseline="30000" dirty="0" err="1"/>
               <a:t>pelesequod</a:t>
             </a:r>
             <a:r>
-              <a:rPr lang="fr-FR" sz="2800" b="1" i="0" baseline="30000" dirty="0" smtClean="0"/>
-              <a:t> </a:t>
-            </a:r>
-            <a:r>
               <a:rPr lang="fr-FR" sz="2800" b="1" i="0" baseline="30000" dirty="0"/>
-              <a:t>que cum </a:t>
-            </a:r>
-            <a:r>
-              <a:rPr lang="fr-FR" sz="2800" b="1" i="0" baseline="30000" dirty="0" err="1" smtClean="0"/>
+              <a:t> que cum </a:t>
+            </a:r>
+            <a:r>
+              <a:rPr lang="fr-FR" sz="2800" b="1" i="0" baseline="30000" dirty="0" err="1"/>
               <a:t>hicieni</a:t>
             </a:r>
             <a:endParaRPr lang="fr-FR" sz="2800" b="1" i="0" dirty="0"/>
@@ -4774,7 +4637,7 @@
               <a:buNone/>
             </a:pPr>
             <a:r>
-              <a:rPr lang="fr-FR" sz="1800" b="1" smtClean="0">
+              <a:rPr lang="fr-FR" sz="1800" b="1">
                 <a:solidFill>
                   <a:srgbClr val="FFFFFF"/>
                 </a:solidFill>
@@ -4892,10 +4755,9 @@
           </a:lstStyle>
           <a:p>
             <a:r>
-              <a:rPr lang="fr-FR" dirty="0" smtClean="0"/>
+              <a:rPr lang="fr-FR" dirty="0"/>
               <a:t>Cliquez et modifiez le titre</a:t>
             </a:r>
-            <a:endParaRPr lang="fr-FR" dirty="0"/>
           </a:p>
         </p:txBody>
       </p:sp>
@@ -4932,7 +4794,7 @@
           <a:p>
             <a:fld id="{DE9A3856-CABC-754C-812C-14B8D30E1B18}" type="datetime1">
               <a:rPr lang="fr-FR" smtClean="0"/>
-              <a:t>13/11/16</a:t>
+              <a:t>08/11/2018</a:t>
             </a:fld>
             <a:endParaRPr lang="fr-FR" dirty="0"/>
           </a:p>
@@ -4970,10 +4832,9 @@
           </a:lstStyle>
           <a:p>
             <a:r>
-              <a:rPr lang="fr-FR" smtClean="0"/>
+              <a:rPr lang="fr-FR"/>
               <a:t>Python pour la biologie</a:t>
             </a:r>
-            <a:endParaRPr lang="fr-FR"/>
           </a:p>
         </p:txBody>
       </p:sp>
@@ -5011,7 +4872,7 @@
             <a:fld id="{DCE37727-CC04-7A46-938D-2CCFF056F773}" type="slidenum">
               <a:rPr lang="fr-FR" smtClean="0"/>
               <a:pPr/>
-              <a:t>‹#›</a:t>
+              <a:t>‹N°›</a:t>
             </a:fld>
             <a:endParaRPr lang="fr-FR"/>
           </a:p>
@@ -5059,13 +4920,6 @@
   <p:clrMapOvr>
     <a:masterClrMapping/>
   </p:clrMapOvr>
-  <p:timing>
-    <p:tnLst>
-      <p:par>
-        <p:cTn xmlns:p14="http://schemas.microsoft.com/office/powerpoint/2010/main" id="1" dur="indefinite" restart="never" nodeType="tmRoot"/>
-      </p:par>
-    </p:tnLst>
-  </p:timing>
 </p:sldLayout>
 </file>
 
@@ -5117,10 +4971,9 @@
           <a:lstStyle/>
           <a:p>
             <a:r>
-              <a:rPr lang="fr-FR" smtClean="0"/>
+              <a:rPr lang="fr-FR"/>
               <a:t>Cliquez et modifiez le titre</a:t>
             </a:r>
-            <a:endParaRPr lang="fr-FR"/>
           </a:p>
         </p:txBody>
       </p:sp>
@@ -5171,13 +5024,6 @@
     <p:sldLayoutId id="2147483655" r:id="rId6"/>
     <p:sldLayoutId id="2147483656" r:id="rId7"/>
   </p:sldLayoutIdLst>
-  <p:timing>
-    <p:tnLst>
-      <p:par>
-        <p:cTn xmlns:p14="http://schemas.microsoft.com/office/powerpoint/2010/main" id="1" dur="indefinite" restart="never" nodeType="tmRoot"/>
-      </p:par>
-    </p:tnLst>
-  </p:timing>
   <p:hf hdr="0"/>
   <p:txStyles>
     <p:titleStyle>
@@ -5474,16 +5320,9 @@
   <p:clrMapOvr>
     <a:masterClrMapping/>
   </p:clrMapOvr>
-  <p:transition xmlns:p14="http://schemas.microsoft.com/office/powerpoint/2010/main" spd="slow">
+  <p:transition spd="slow">
     <p:wipe/>
   </p:transition>
-  <p:timing>
-    <p:tnLst>
-      <p:par>
-        <p:cTn xmlns:p14="http://schemas.microsoft.com/office/powerpoint/2010/main" id="1" dur="indefinite" restart="never" nodeType="tmRoot"/>
-      </p:par>
-    </p:tnLst>
-  </p:timing>
 </p:sld>
 </file>
 
@@ -5520,18 +5359,17 @@
           <a:lstStyle/>
           <a:p>
             <a:r>
-              <a:rPr lang="fr-FR" dirty="0" smtClean="0"/>
+              <a:rPr lang="fr-FR" dirty="0"/>
               <a:t>Multiple </a:t>
             </a:r>
             <a:r>
-              <a:rPr lang="fr-FR" dirty="0" err="1" smtClean="0"/>
+              <a:rPr lang="fr-FR" dirty="0" err="1"/>
               <a:t>alignments</a:t>
             </a:r>
             <a:r>
-              <a:rPr lang="fr-FR" dirty="0" smtClean="0"/>
+              <a:rPr lang="fr-FR" dirty="0"/>
               <a:t> (2)</a:t>
             </a:r>
-            <a:endParaRPr lang="fr-FR" dirty="0"/>
           </a:p>
         </p:txBody>
       </p:sp>
@@ -5556,32 +5394,16 @@
           <a:lstStyle/>
           <a:p>
             <a:r>
-              <a:rPr lang="en-US" dirty="0" smtClean="0"/>
-              <a:t>If </a:t>
-            </a:r>
-            <a:r>
               <a:rPr lang="en-US" dirty="0"/>
-              <a:t>you wanted to read this in </a:t>
-            </a:r>
-            <a:r>
-              <a:rPr lang="en-US" dirty="0" smtClean="0"/>
-              <a:t>using </a:t>
-            </a:r>
-            <a:r>
-              <a:rPr lang="en-US" dirty="0" err="1" smtClean="0"/>
+              <a:t>If you wanted to read this in using </a:t>
+            </a:r>
+            <a:r>
+              <a:rPr lang="en-US" dirty="0" err="1"/>
               <a:t>Bio.AlignIO</a:t>
             </a:r>
             <a:r>
               <a:rPr lang="en-US" dirty="0"/>
-              <a:t> </a:t>
-            </a:r>
-            <a:r>
-              <a:rPr lang="en-US" dirty="0" smtClean="0"/>
-              <a:t>you </a:t>
-            </a:r>
-            <a:r>
-              <a:rPr lang="en-US" dirty="0"/>
-              <a:t>could use</a:t>
+              <a:t> you could use</a:t>
             </a:r>
           </a:p>
           <a:p>
@@ -5606,7 +5428,7 @@
           <a:p>
             <a:fld id="{751463B9-2A29-154C-A5AC-383AEA094CA9}" type="datetime1">
               <a:rPr lang="fr-FR" smtClean="0"/>
-              <a:t>13/11/16</a:t>
+              <a:t>08/11/2018</a:t>
             </a:fld>
             <a:endParaRPr lang="fr-FR" dirty="0"/>
           </a:p>
@@ -5628,7 +5450,7 @@
           <a:lstStyle/>
           <a:p>
             <a:r>
-              <a:rPr lang="fr-FR" smtClean="0"/>
+              <a:rPr lang="fr-FR"/>
               <a:t>Python pour la biologie</a:t>
             </a:r>
             <a:endParaRPr lang="fr-FR" dirty="0"/>
@@ -5874,12 +5696,8 @@
           </a:p>
           <a:p>
             <a:r>
-              <a:rPr lang="en-US" sz="1100" dirty="0" smtClean="0"/>
-              <a:t>.</a:t>
-            </a:r>
-            <a:r>
-              <a:rPr lang="en-US" sz="1100" dirty="0"/>
-              <a:t>..</a:t>
+              <a:rPr lang="en-US" sz="1100" dirty="0"/>
+              <a:t>...</a:t>
             </a:r>
           </a:p>
           <a:p>
@@ -6134,11 +5952,7 @@
           <a:p>
             <a:r>
               <a:rPr lang="en-US" dirty="0"/>
-              <a:t>abbreviated for </a:t>
-            </a:r>
-            <a:r>
-              <a:rPr lang="en-US" dirty="0" smtClean="0"/>
-              <a:t>display:</a:t>
+              <a:t>abbreviated for display:</a:t>
             </a:r>
             <a:endParaRPr lang="fr-FR" dirty="0"/>
           </a:p>
@@ -6190,18 +6004,17 @@
           <a:lstStyle/>
           <a:p>
             <a:r>
-              <a:rPr lang="fr-FR" dirty="0" smtClean="0"/>
+              <a:rPr lang="fr-FR" dirty="0"/>
               <a:t>Multiple </a:t>
             </a:r>
             <a:r>
-              <a:rPr lang="fr-FR" dirty="0" err="1" smtClean="0"/>
+              <a:rPr lang="fr-FR" dirty="0" err="1"/>
               <a:t>alignments</a:t>
             </a:r>
             <a:r>
-              <a:rPr lang="fr-FR" dirty="0" smtClean="0"/>
+              <a:rPr lang="fr-FR" dirty="0"/>
               <a:t> (3)</a:t>
             </a:r>
-            <a:endParaRPr lang="fr-FR" dirty="0"/>
           </a:p>
         </p:txBody>
       </p:sp>
@@ -6227,68 +6040,39 @@
           <a:p>
             <a:r>
               <a:rPr lang="en-US" dirty="0"/>
-              <a:t>As with the </a:t>
-            </a:r>
-            <a:r>
-              <a:rPr lang="en-US" dirty="0" smtClean="0"/>
-              <a:t>function </a:t>
-            </a:r>
-            <a:r>
-              <a:rPr lang="en-US" dirty="0" err="1" smtClean="0"/>
+              <a:t>As with the function </a:t>
+            </a:r>
+            <a:r>
+              <a:rPr lang="en-US" dirty="0" err="1"/>
               <a:t>Bio.SeqIO.parse</a:t>
             </a:r>
             <a:r>
               <a:rPr lang="en-US" dirty="0"/>
-              <a:t>(</a:t>
-            </a:r>
-            <a:r>
-              <a:rPr lang="en-US" dirty="0" smtClean="0"/>
-              <a:t>) , using </a:t>
-            </a:r>
-            <a:r>
-              <a:rPr lang="en-US" dirty="0" err="1" smtClean="0"/>
+              <a:t>() , using </a:t>
+            </a:r>
+            <a:r>
+              <a:rPr lang="en-US" dirty="0" err="1"/>
               <a:t>Bio.AlignIO.parse</a:t>
             </a:r>
             <a:r>
               <a:rPr lang="en-US" dirty="0"/>
-              <a:t>(</a:t>
-            </a:r>
-            <a:r>
-              <a:rPr lang="en-US" dirty="0" smtClean="0"/>
-              <a:t>) returns </a:t>
-            </a:r>
+              <a:t>() returns an iterator.</a:t>
+            </a:r>
+          </a:p>
+          <a:p>
             <a:r>
               <a:rPr lang="en-US" dirty="0"/>
-              <a:t>an iterator</a:t>
-            </a:r>
-            <a:r>
-              <a:rPr lang="en-US" dirty="0" smtClean="0"/>
-              <a:t>.</a:t>
-            </a:r>
-          </a:p>
-          <a:p>
+              <a:t>to keep all the alignments in memory at once</a:t>
+            </a:r>
+          </a:p>
+          <a:p>
+            <a:r>
+              <a:rPr lang="fr-FR" dirty="0" err="1"/>
+              <a:t>T</a:t>
+            </a:r>
             <a:r>
               <a:rPr lang="en-US" dirty="0"/>
-              <a:t>to keep all the alignments in memory at </a:t>
-            </a:r>
-            <a:r>
-              <a:rPr lang="en-US" dirty="0" smtClean="0"/>
-              <a:t>once</a:t>
-            </a:r>
-            <a:endParaRPr lang="en-US" dirty="0"/>
-          </a:p>
-          <a:p>
-            <a:r>
-              <a:rPr lang="fr-FR" dirty="0" err="1" smtClean="0"/>
-              <a:t>T</a:t>
-            </a:r>
-            <a:r>
-              <a:rPr lang="en-US" dirty="0" smtClean="0"/>
-              <a:t>urn the </a:t>
-            </a:r>
-            <a:r>
-              <a:rPr lang="en-US" dirty="0"/>
-              <a:t>iterator into a list</a:t>
+              <a:t>urn the iterator into a list</a:t>
             </a:r>
           </a:p>
           <a:p>
@@ -6319,7 +6103,7 @@
           <a:p>
             <a:fld id="{751463B9-2A29-154C-A5AC-383AEA094CA9}" type="datetime1">
               <a:rPr lang="fr-FR" smtClean="0"/>
-              <a:t>13/11/16</a:t>
+              <a:t>08/11/2018</a:t>
             </a:fld>
             <a:endParaRPr lang="fr-FR" dirty="0"/>
           </a:p>
@@ -6341,7 +6125,7 @@
           <a:lstStyle/>
           <a:p>
             <a:r>
-              <a:rPr lang="fr-FR" smtClean="0"/>
+              <a:rPr lang="fr-FR"/>
               <a:t>Python pour la biologie</a:t>
             </a:r>
             <a:endParaRPr lang="fr-FR" dirty="0"/>
@@ -6517,26 +6301,21 @@
           <a:lstStyle/>
           <a:p>
             <a:r>
-              <a:rPr lang="fr-FR" dirty="0" err="1" smtClean="0"/>
+              <a:rPr lang="fr-FR" dirty="0" err="1"/>
               <a:t>Ambiguous</a:t>
             </a:r>
             <a:r>
-              <a:rPr lang="fr-FR" dirty="0" smtClean="0"/>
+              <a:rPr lang="fr-FR" dirty="0"/>
               <a:t> </a:t>
             </a:r>
             <a:r>
-              <a:rPr lang="fr-FR" dirty="0" err="1" smtClean="0"/>
+              <a:rPr lang="fr-FR" dirty="0" err="1"/>
               <a:t>alignments</a:t>
             </a:r>
             <a:r>
-              <a:rPr lang="fr-FR" dirty="0" smtClean="0"/>
-              <a:t> </a:t>
-            </a:r>
-            <a:r>
-              <a:rPr lang="fr-FR" dirty="0" smtClean="0"/>
-              <a:t>(&amp;)</a:t>
-            </a:r>
-            <a:endParaRPr lang="fr-FR" dirty="0"/>
+              <a:rPr lang="fr-FR" dirty="0"/>
+              <a:t> (&amp;)</a:t>
+            </a:r>
           </a:p>
         </p:txBody>
       </p:sp>
@@ -6562,15 +6341,7 @@
           <a:p>
             <a:r>
               <a:rPr lang="en-US" dirty="0"/>
-              <a:t>Many alignment </a:t>
-            </a:r>
-            <a:r>
-              <a:rPr lang="en-US" dirty="0" smtClean="0"/>
-              <a:t>file </a:t>
-            </a:r>
-            <a:r>
-              <a:rPr lang="en-US" dirty="0"/>
-              <a:t>formats can explicitly store more than one alignment,</a:t>
+              <a:t>Many alignment file formats can explicitly store more than one alignment,</a:t>
             </a:r>
             <a:endParaRPr lang="fr-FR" dirty="0"/>
           </a:p>
@@ -6593,7 +6364,7 @@
           <a:p>
             <a:fld id="{751463B9-2A29-154C-A5AC-383AEA094CA9}" type="datetime1">
               <a:rPr lang="fr-FR" smtClean="0"/>
-              <a:t>13/11/16</a:t>
+              <a:t>08/11/2018</a:t>
             </a:fld>
             <a:endParaRPr lang="fr-FR" dirty="0"/>
           </a:p>
@@ -6615,7 +6386,7 @@
           <a:lstStyle/>
           <a:p>
             <a:r>
-              <a:rPr lang="fr-FR" smtClean="0"/>
+              <a:rPr lang="fr-FR"/>
               <a:t>Python pour la biologie</a:t>
             </a:r>
             <a:endParaRPr lang="fr-FR" dirty="0"/>
@@ -7153,69 +6924,24 @@
           <a:p>
             <a:r>
               <a:rPr lang="en-US" dirty="0"/>
-              <a:t>To interpret these FASTA </a:t>
-            </a:r>
-            <a:r>
-              <a:rPr lang="en-US" dirty="0" smtClean="0"/>
-              <a:t>examples as </a:t>
+              <a:t>To interpret these FASTA examples as several separate alignments, we can use </a:t>
+            </a:r>
+            <a:r>
+              <a:rPr lang="en-US" dirty="0" err="1"/>
+              <a:t>Bio.AlignIO.parse</a:t>
             </a:r>
             <a:r>
               <a:rPr lang="en-US" dirty="0"/>
-              <a:t>several separate alignments, we can </a:t>
-            </a:r>
-            <a:r>
-              <a:rPr lang="en-US" dirty="0" smtClean="0"/>
-              <a:t>use </a:t>
-            </a:r>
-            <a:r>
-              <a:rPr lang="en-US" dirty="0" err="1" smtClean="0"/>
-              <a:t>Bio.AlignIO.parse</a:t>
+              <a:t>() with the optional </a:t>
+            </a:r>
+            <a:r>
+              <a:rPr lang="en-US" dirty="0" err="1"/>
+              <a:t>seq_count</a:t>
             </a:r>
             <a:r>
               <a:rPr lang="en-US" dirty="0"/>
-              <a:t>(</a:t>
-            </a:r>
-            <a:r>
-              <a:rPr lang="en-US" dirty="0" smtClean="0"/>
-              <a:t>) with </a:t>
-            </a:r>
-            <a:r>
-              <a:rPr lang="en-US" dirty="0"/>
-              <a:t>the </a:t>
-            </a:r>
-            <a:r>
-              <a:rPr lang="en-US" dirty="0" smtClean="0"/>
-              <a:t>optional </a:t>
-            </a:r>
-            <a:r>
-              <a:rPr lang="en-US" dirty="0" err="1" smtClean="0"/>
-              <a:t>seq_count</a:t>
-            </a:r>
-            <a:r>
-              <a:rPr lang="en-US" dirty="0"/>
-              <a:t> </a:t>
-            </a:r>
-            <a:r>
-              <a:rPr lang="en-US" dirty="0" smtClean="0"/>
-              <a:t>argument </a:t>
-            </a:r>
-            <a:r>
-              <a:rPr lang="en-US" dirty="0"/>
-              <a:t>which </a:t>
-            </a:r>
-            <a:r>
-              <a:rPr lang="en-US" dirty="0" smtClean="0"/>
-              <a:t>specifies </a:t>
-            </a:r>
-            <a:r>
-              <a:rPr lang="en-US" dirty="0"/>
-              <a:t>how many sequences are expected in each </a:t>
-            </a:r>
-            <a:r>
-              <a:rPr lang="en-US" dirty="0" smtClean="0"/>
-              <a:t>alignment (3,2,2 in the previous example </a:t>
-            </a:r>
-            <a:endParaRPr lang="en-US" dirty="0"/>
+              <a:t> argument which specifies how many sequences are expected in each alignment (3,2,2 in the previous example </a:t>
+            </a:r>
           </a:p>
           <a:p>
             <a:endParaRPr lang="fr-FR" dirty="0"/>
@@ -7239,7 +6965,7 @@
           <a:p>
             <a:fld id="{751463B9-2A29-154C-A5AC-383AEA094CA9}" type="datetime1">
               <a:rPr lang="fr-FR" smtClean="0"/>
-              <a:t>13/11/16</a:t>
+              <a:t>08/11/2018</a:t>
             </a:fld>
             <a:endParaRPr lang="fr-FR" dirty="0"/>
           </a:p>
@@ -7261,7 +6987,7 @@
           <a:lstStyle/>
           <a:p>
             <a:r>
-              <a:rPr lang="fr-FR" smtClean="0"/>
+              <a:rPr lang="fr-FR"/>
               <a:t>Python pour la biologie</a:t>
             </a:r>
             <a:endParaRPr lang="fr-FR" dirty="0"/>
@@ -7411,13 +7137,8 @@
           <a:p>
             <a:r>
               <a:rPr lang="en-US" sz="1100" dirty="0"/>
-              <a:t>print(</a:t>
-            </a:r>
-            <a:r>
-              <a:rPr lang="en-US" sz="1100" dirty="0" smtClean="0"/>
-              <a:t>"”)</a:t>
-            </a:r>
-            <a:endParaRPr lang="en-US" sz="1100" dirty="0"/>
+              <a:t>print("”)</a:t>
+            </a:r>
           </a:p>
         </p:txBody>
       </p:sp>
@@ -7544,21 +7265,8 @@
                   <a:srgbClr val="FF0000"/>
                 </a:solidFill>
               </a:rPr>
-              <a:t>GGACTACGACAATAGCTCAGG - </a:t>
-            </a:r>
-            <a:r>
-              <a:rPr lang="en-US" sz="1100" dirty="0" smtClean="0">
-                <a:solidFill>
-                  <a:srgbClr val="FF0000"/>
-                </a:solidFill>
-              </a:rPr>
-              <a:t>ZZZ</a:t>
-            </a:r>
-            <a:endParaRPr lang="en-US" sz="1100" dirty="0">
-              <a:solidFill>
-                <a:srgbClr val="FF0000"/>
-              </a:solidFill>
-            </a:endParaRPr>
+              <a:t>GGACTACGACAATAGCTCAGG - ZZZ</a:t>
+            </a:r>
           </a:p>
         </p:txBody>
       </p:sp>
@@ -7608,26 +7316,21 @@
           <a:lstStyle/>
           <a:p>
             <a:r>
-              <a:rPr lang="fr-FR" dirty="0" err="1" smtClean="0"/>
+              <a:rPr lang="fr-FR" dirty="0" err="1"/>
               <a:t>Writing</a:t>
             </a:r>
             <a:r>
-              <a:rPr lang="fr-FR" dirty="0" smtClean="0"/>
+              <a:rPr lang="fr-FR" dirty="0"/>
               <a:t> </a:t>
             </a:r>
             <a:r>
-              <a:rPr lang="fr-FR" dirty="0" err="1" smtClean="0"/>
+              <a:rPr lang="fr-FR" dirty="0" err="1"/>
               <a:t>alignments</a:t>
             </a:r>
             <a:r>
-              <a:rPr lang="fr-FR" dirty="0" smtClean="0"/>
-              <a:t> </a:t>
-            </a:r>
-            <a:r>
-              <a:rPr lang="fr-FR" dirty="0" smtClean="0"/>
-              <a:t>(1)</a:t>
-            </a:r>
-            <a:endParaRPr lang="fr-FR" dirty="0"/>
+              <a:rPr lang="fr-FR" dirty="0"/>
+              <a:t> (1)</a:t>
+            </a:r>
           </a:p>
         </p:txBody>
       </p:sp>
@@ -7657,110 +7360,56 @@
             </a:r>
             <a:r>
               <a:rPr lang="en-US" dirty="0"/>
-              <a:t>(</a:t>
-            </a:r>
-            <a:r>
-              <a:rPr lang="en-US" dirty="0" smtClean="0"/>
-              <a:t>) taking </a:t>
-            </a:r>
-            <a:r>
-              <a:rPr lang="en-US" dirty="0"/>
-              <a:t>three arguments: </a:t>
-            </a:r>
-            <a:endParaRPr lang="en-US" dirty="0" smtClean="0"/>
+              <a:t>() taking three arguments: </a:t>
+            </a:r>
           </a:p>
           <a:p>
             <a:pPr lvl="1"/>
             <a:r>
-              <a:rPr lang="fr-FR" sz="1600" dirty="0" smtClean="0"/>
+              <a:rPr lang="fr-FR" sz="1600" dirty="0"/>
               <a:t>S</a:t>
             </a:r>
             <a:r>
-              <a:rPr lang="en-US" sz="1600" dirty="0" err="1" smtClean="0"/>
+              <a:rPr lang="en-US" sz="1600" dirty="0" err="1"/>
               <a:t>ome</a:t>
-            </a:r>
-            <a:r>
-              <a:rPr lang="en-US" sz="1600" dirty="0" smtClean="0"/>
-              <a:t> </a:t>
-            </a:r>
-            <a:r>
-              <a:rPr lang="en-US" sz="1600" dirty="0" err="1" smtClean="0"/>
-              <a:t>MultipleSeqAlignment</a:t>
             </a:r>
             <a:r>
               <a:rPr lang="en-US" sz="1600" dirty="0"/>
               <a:t> </a:t>
             </a:r>
             <a:r>
-              <a:rPr lang="en-US" sz="1600" dirty="0" smtClean="0"/>
-              <a:t>objects </a:t>
+              <a:rPr lang="en-US" sz="1600" dirty="0" err="1"/>
+              <a:t>MultipleSeqAlignment</a:t>
             </a:r>
             <a:r>
               <a:rPr lang="en-US" sz="1600" dirty="0"/>
-              <a:t>(or for backwards compatibility </a:t>
-            </a:r>
-            <a:r>
-              <a:rPr lang="en-US" sz="1600" dirty="0" smtClean="0"/>
-              <a:t>the </a:t>
-            </a:r>
-            <a:r>
-              <a:rPr lang="fr-FR" sz="1600" dirty="0" smtClean="0"/>
+              <a:t> objects (or for backwards compatibility the </a:t>
+            </a:r>
+            <a:r>
+              <a:rPr lang="fr-FR" sz="1600" dirty="0"/>
               <a:t>O</a:t>
             </a:r>
             <a:r>
-              <a:rPr lang="en-US" sz="1600" dirty="0" err="1" smtClean="0"/>
+              <a:rPr lang="en-US" sz="1600" dirty="0" err="1"/>
               <a:t>bsolete</a:t>
             </a:r>
             <a:r>
-              <a:rPr lang="en-US" sz="1600" dirty="0" smtClean="0"/>
-              <a:t> Alignment</a:t>
-            </a:r>
-            <a:r>
               <a:rPr lang="en-US" sz="1600" dirty="0"/>
-              <a:t> </a:t>
-            </a:r>
-            <a:r>
-              <a:rPr lang="en-US" sz="1600" dirty="0" smtClean="0"/>
-              <a:t>objects</a:t>
-            </a:r>
+              <a:t> Alignment objects), </a:t>
+            </a:r>
+          </a:p>
+          <a:p>
+            <a:pPr lvl="1"/>
             <a:r>
               <a:rPr lang="en-US" sz="1600" dirty="0"/>
-              <a:t>), </a:t>
-            </a:r>
-            <a:endParaRPr lang="en-US" sz="1600" dirty="0" smtClean="0"/>
+              <a:t>a handle or filename to write to</a:t>
+            </a:r>
           </a:p>
           <a:p>
             <a:pPr lvl="1"/>
             <a:r>
-              <a:rPr lang="en-US" sz="1600" dirty="0" smtClean="0"/>
-              <a:t>a </a:t>
-            </a:r>
-            <a:r>
               <a:rPr lang="en-US" sz="1600" dirty="0"/>
-              <a:t>handle or </a:t>
-            </a:r>
-            <a:r>
-              <a:rPr lang="en-US" sz="1600" dirty="0" smtClean="0"/>
-              <a:t>filename </a:t>
-            </a:r>
-            <a:r>
-              <a:rPr lang="en-US" sz="1600" dirty="0"/>
-              <a:t>to write </a:t>
-            </a:r>
-            <a:r>
-              <a:rPr lang="en-US" sz="1600" dirty="0" smtClean="0"/>
-              <a:t>to</a:t>
-            </a:r>
-          </a:p>
-          <a:p>
-            <a:pPr lvl="1"/>
-            <a:r>
-              <a:rPr lang="en-US" sz="1600" dirty="0" smtClean="0"/>
-              <a:t>a </a:t>
-            </a:r>
-            <a:r>
-              <a:rPr lang="en-US" sz="1600" dirty="0"/>
-              <a:t>sequence format</a:t>
+              <a:t>a sequence format</a:t>
             </a:r>
           </a:p>
           <a:p>
@@ -7785,7 +7434,7 @@
           <a:p>
             <a:fld id="{751463B9-2A29-154C-A5AC-383AEA094CA9}" type="datetime1">
               <a:rPr lang="fr-FR" smtClean="0"/>
-              <a:t>13/11/16</a:t>
+              <a:t>08/11/2018</a:t>
             </a:fld>
             <a:endParaRPr lang="fr-FR" dirty="0"/>
           </a:p>
@@ -7807,7 +7456,7 @@
           <a:lstStyle/>
           <a:p>
             <a:r>
-              <a:rPr lang="fr-FR" smtClean="0"/>
+              <a:rPr lang="fr-FR"/>
               <a:t>Python pour la biologie</a:t>
             </a:r>
             <a:endParaRPr lang="fr-FR" dirty="0"/>
@@ -8327,31 +7976,7 @@
           <a:p>
             <a:r>
               <a:rPr lang="en-US" dirty="0"/>
-              <a:t>Now we have a list </a:t>
-            </a:r>
-            <a:r>
-              <a:rPr lang="en-US" dirty="0" smtClean="0"/>
-              <a:t>of Alignment</a:t>
-            </a:r>
-            <a:r>
-              <a:rPr lang="en-US" dirty="0"/>
-              <a:t> </a:t>
-            </a:r>
-            <a:r>
-              <a:rPr lang="en-US" dirty="0" smtClean="0"/>
-              <a:t>objects</a:t>
-            </a:r>
-            <a:r>
-              <a:rPr lang="en-US" dirty="0"/>
-              <a:t>, we'll write them to a PHYLIP format </a:t>
-            </a:r>
-            <a:r>
-              <a:rPr lang="en-US" dirty="0" smtClean="0"/>
-              <a:t>file</a:t>
-            </a:r>
-            <a:r>
-              <a:rPr lang="en-US" dirty="0"/>
-              <a:t>:</a:t>
+              <a:t>Now we have a list of Alignment objects, we'll write them to a PHYLIP format file:</a:t>
             </a:r>
           </a:p>
           <a:p>
@@ -8376,7 +8001,7 @@
           <a:p>
             <a:fld id="{751463B9-2A29-154C-A5AC-383AEA094CA9}" type="datetime1">
               <a:rPr lang="fr-FR" smtClean="0"/>
-              <a:t>13/11/16</a:t>
+              <a:t>08/11/2018</a:t>
             </a:fld>
             <a:endParaRPr lang="fr-FR" dirty="0"/>
           </a:p>
@@ -8398,7 +8023,7 @@
           <a:lstStyle/>
           <a:p>
             <a:r>
-              <a:rPr lang="fr-FR" smtClean="0"/>
+              <a:rPr lang="fr-FR"/>
               <a:t>Python pour la biologie</a:t>
             </a:r>
             <a:endParaRPr lang="fr-FR" dirty="0"/>
@@ -8787,15 +8412,7 @@
           <a:p>
             <a:r>
               <a:rPr lang="en-US" dirty="0"/>
-              <a:t>open this </a:t>
-            </a:r>
-            <a:r>
-              <a:rPr lang="en-US" dirty="0" smtClean="0"/>
-              <a:t>file </a:t>
-            </a:r>
-            <a:r>
-              <a:rPr lang="en-US" dirty="0"/>
-              <a:t>in your </a:t>
+              <a:t>open this file in your </a:t>
             </a:r>
             <a:r>
               <a:rPr lang="en-US" dirty="0" err="1"/>
@@ -8803,11 +8420,7 @@
             </a:r>
             <a:r>
               <a:rPr lang="en-US" dirty="0"/>
-              <a:t> text editor it should look like </a:t>
-            </a:r>
-            <a:r>
-              <a:rPr lang="en-US" dirty="0" smtClean="0"/>
-              <a:t>this:</a:t>
+              <a:t> text editor it should look like this:</a:t>
             </a:r>
             <a:endParaRPr lang="fr-FR" dirty="0"/>
           </a:p>
@@ -8861,42 +8474,29 @@
           <a:lstStyle/>
           <a:p>
             <a:r>
-              <a:rPr lang="fr-FR" dirty="0" err="1" smtClean="0"/>
+              <a:rPr lang="fr-FR" dirty="0" err="1"/>
               <a:t>Converting</a:t>
             </a:r>
             <a:r>
-              <a:rPr lang="fr-FR" dirty="0" smtClean="0"/>
+              <a:rPr lang="fr-FR" dirty="0"/>
               <a:t> </a:t>
             </a:r>
             <a:r>
-              <a:rPr lang="fr-FR" dirty="0" err="1" smtClean="0"/>
+              <a:rPr lang="fr-FR" dirty="0" err="1"/>
               <a:t>between</a:t>
             </a:r>
             <a:r>
-              <a:rPr lang="fr-FR" dirty="0" smtClean="0"/>
+              <a:rPr lang="fr-FR" dirty="0"/>
               <a:t> </a:t>
             </a:r>
             <a:r>
               <a:rPr lang="en-US" dirty="0"/>
-              <a:t>sequence </a:t>
-            </a:r>
-            <a:r>
-              <a:rPr lang="en-US" dirty="0" smtClean="0"/>
-              <a:t>alignment</a:t>
-            </a:r>
-            <a:r>
-              <a:rPr lang="fr-FR" dirty="0" smtClean="0"/>
-              <a:t> file formats (</a:t>
-            </a:r>
-            <a:r>
-              <a:rPr lang="fr-FR" dirty="0" smtClean="0"/>
-              <a:t>1</a:t>
-            </a:r>
-            <a:r>
-              <a:rPr lang="fr-FR" dirty="0" smtClean="0"/>
-              <a:t>)</a:t>
-            </a:r>
-            <a:endParaRPr lang="fr-FR" dirty="0"/>
+              <a:t>sequence alignment</a:t>
+            </a:r>
+            <a:r>
+              <a:rPr lang="fr-FR" dirty="0"/>
+              <a:t> file formats (1)</a:t>
+            </a:r>
           </a:p>
         </p:txBody>
       </p:sp>
@@ -8922,15 +8522,7 @@
           <a:p>
             <a:r>
               <a:rPr lang="en-US" dirty="0"/>
-              <a:t>For this example, we'll load the PFAM/Stockholm format </a:t>
-            </a:r>
-            <a:r>
-              <a:rPr lang="en-US" dirty="0" smtClean="0"/>
-              <a:t>file </a:t>
-            </a:r>
-            <a:r>
-              <a:rPr lang="en-US" dirty="0"/>
-              <a:t>used earlier and save it as a </a:t>
+              <a:t>For this example, we'll load the PFAM/Stockholm format file used earlier and save it as a </a:t>
             </a:r>
             <a:r>
               <a:rPr lang="en-US" dirty="0" err="1"/>
@@ -8938,15 +8530,7 @@
             </a:r>
             <a:r>
               <a:rPr lang="en-US" dirty="0"/>
-              <a:t> </a:t>
-            </a:r>
-            <a:r>
-              <a:rPr lang="en-US" dirty="0" smtClean="0"/>
-              <a:t>W format file</a:t>
-            </a:r>
-            <a:r>
-              <a:rPr lang="en-US" dirty="0"/>
-              <a:t>:</a:t>
+              <a:t> W format file:</a:t>
             </a:r>
           </a:p>
           <a:p>
@@ -8971,7 +8555,7 @@
           <a:p>
             <a:fld id="{751463B9-2A29-154C-A5AC-383AEA094CA9}" type="datetime1">
               <a:rPr lang="fr-FR" smtClean="0"/>
-              <a:t>13/11/16</a:t>
+              <a:t>08/11/2018</a:t>
             </a:fld>
             <a:endParaRPr lang="fr-FR" dirty="0"/>
           </a:p>
@@ -8993,7 +8577,7 @@
           <a:lstStyle/>
           <a:p>
             <a:r>
-              <a:rPr lang="fr-FR" smtClean="0"/>
+              <a:rPr lang="fr-FR"/>
               <a:t>Python pour la biologie</a:t>
             </a:r>
             <a:endParaRPr lang="fr-FR" dirty="0"/>
@@ -9327,30 +8911,18 @@
           <a:p>
             <a:r>
               <a:rPr lang="en-US" dirty="0"/>
-              <a:t>Or, </a:t>
-            </a:r>
-            <a:r>
-              <a:rPr lang="en-US" dirty="0" smtClean="0"/>
-              <a:t>using </a:t>
-            </a:r>
-            <a:r>
-              <a:rPr lang="en-US" dirty="0" err="1" smtClean="0"/>
+              <a:t>Or, using </a:t>
+            </a:r>
+            <a:r>
+              <a:rPr lang="en-US" dirty="0" err="1"/>
               <a:t>Bio.AlignIO.parse</a:t>
             </a:r>
             <a:r>
               <a:rPr lang="en-US" dirty="0"/>
-              <a:t>(</a:t>
-            </a:r>
-            <a:r>
-              <a:rPr lang="en-US" dirty="0" smtClean="0"/>
-              <a:t>) and</a:t>
-            </a:r>
-            <a:r>
-              <a:rPr lang="en-US" dirty="0"/>
-              <a:t> </a:t>
-            </a:r>
-            <a:r>
-              <a:rPr lang="en-US" dirty="0" err="1" smtClean="0"/>
+              <a:t>() and </a:t>
+            </a:r>
+            <a:r>
+              <a:rPr lang="en-US" dirty="0" err="1"/>
               <a:t>Bio.AlignIO.write</a:t>
             </a:r>
             <a:r>
@@ -9473,7 +9045,6 @@
               <a:rPr lang="en-US" sz="1100" dirty="0"/>
               <a:t> alignments" % count)</a:t>
             </a:r>
-            <a:endParaRPr lang="en-US" sz="1100" dirty="0"/>
           </a:p>
         </p:txBody>
       </p:sp>
@@ -9776,14 +9347,10 @@
           <a:p>
             <a:r>
               <a:rPr lang="en-US" dirty="0"/>
-              <a:t>we gave it the alignment iterator returned </a:t>
-            </a:r>
-            <a:r>
-              <a:rPr lang="en-US" dirty="0" smtClean="0"/>
-              <a:t>by </a:t>
-            </a:r>
-            <a:r>
-              <a:rPr lang="en-US" dirty="0" err="1" smtClean="0"/>
+              <a:t>we gave it the alignment iterator returned by </a:t>
+            </a:r>
+            <a:r>
+              <a:rPr lang="en-US" dirty="0" err="1"/>
               <a:t>Bio.AlignIO.parse</a:t>
             </a:r>
             <a:r>
@@ -9868,21 +9435,8 @@
             </a:r>
             <a:r>
               <a:rPr lang="fr-FR" dirty="0"/>
-              <a:t> file formats </a:t>
-            </a:r>
-            <a:r>
-              <a:rPr lang="fr-FR" dirty="0" smtClean="0"/>
-              <a:t>(</a:t>
-            </a:r>
-            <a:r>
-              <a:rPr lang="fr-FR" dirty="0" smtClean="0"/>
-              <a:t>2</a:t>
-            </a:r>
-            <a:r>
-              <a:rPr lang="fr-FR" dirty="0" smtClean="0"/>
-              <a:t>)</a:t>
-            </a:r>
-            <a:endParaRPr lang="fr-FR" dirty="0"/>
+              <a:t> file formats (2)</a:t>
+            </a:r>
           </a:p>
         </p:txBody>
       </p:sp>
@@ -9916,27 +9470,15 @@
             </a:r>
             <a:r>
               <a:rPr lang="en-US" dirty="0"/>
-              <a:t> W format </a:t>
-            </a:r>
-            <a:r>
-              <a:rPr lang="en-US" dirty="0" smtClean="0"/>
-              <a:t>file “PF05371 </a:t>
-            </a:r>
-            <a:r>
-              <a:rPr lang="en-US" dirty="0" err="1" smtClean="0"/>
+              <a:t> W format file “PF05371 </a:t>
+            </a:r>
+            <a:r>
+              <a:rPr lang="en-US" dirty="0" err="1"/>
               <a:t>seed.aln</a:t>
             </a:r>
             <a:r>
               <a:rPr lang="en-US" dirty="0"/>
-              <a:t>" with </a:t>
-            </a:r>
-            <a:r>
-              <a:rPr lang="en-US" dirty="0" smtClean="0"/>
-              <a:t>the following </a:t>
-            </a:r>
-            <a:r>
-              <a:rPr lang="en-US" dirty="0"/>
-              <a:t>content</a:t>
+              <a:t>" with the following content</a:t>
             </a:r>
           </a:p>
           <a:p>
@@ -9961,7 +9503,7 @@
           <a:p>
             <a:fld id="{751463B9-2A29-154C-A5AC-383AEA094CA9}" type="datetime1">
               <a:rPr lang="fr-FR" smtClean="0"/>
-              <a:t>13/11/16</a:t>
+              <a:t>08/11/2018</a:t>
             </a:fld>
             <a:endParaRPr lang="fr-FR" dirty="0"/>
           </a:p>
@@ -9983,7 +9525,7 @@
           <a:lstStyle/>
           <a:p>
             <a:r>
-              <a:rPr lang="fr-FR" smtClean="0"/>
+              <a:rPr lang="fr-FR"/>
               <a:t>Python pour la biologie</a:t>
             </a:r>
             <a:endParaRPr lang="fr-FR" dirty="0"/>
@@ -10101,11 +9643,7 @@
           <a:p>
             <a:r>
               <a:rPr lang="en-US" sz="1100" dirty="0"/>
-              <a:t>COATB_BPIKE/30-81 </a:t>
-            </a:r>
-            <a:r>
-              <a:rPr lang="en-US" sz="1100" dirty="0" smtClean="0"/>
-              <a:t>KA</a:t>
+              <a:t>COATB_BPIKE/30-81 KA</a:t>
             </a:r>
           </a:p>
           <a:p>
@@ -10141,13 +9679,8 @@
           <a:p>
             <a:r>
               <a:rPr lang="mr-IN" sz="1100" dirty="0"/>
-              <a:t>COATB_BPIF1/22-73 </a:t>
-            </a:r>
-            <a:r>
-              <a:rPr lang="mr-IN" sz="1100" dirty="0" smtClean="0"/>
-              <a:t>RA</a:t>
-            </a:r>
-            <a:endParaRPr lang="mr-IN" sz="1100" dirty="0"/>
+              <a:t>COATB_BPIF1/22-73 RA</a:t>
+            </a:r>
           </a:p>
         </p:txBody>
       </p:sp>
@@ -10436,14 +9969,10 @@
           <a:p>
             <a:r>
               <a:rPr lang="en-US" dirty="0"/>
-              <a:t>you could make a PHYLIP format le which we'll name </a:t>
-            </a:r>
-            <a:r>
-              <a:rPr lang="en-US" dirty="0" smtClean="0"/>
-              <a:t>“PF05371 </a:t>
-            </a:r>
-            <a:r>
-              <a:rPr lang="en-US" dirty="0" err="1" smtClean="0"/>
+              <a:t>you could make a PHYLIP format le which we'll name “PF05371 </a:t>
+            </a:r>
+            <a:r>
+              <a:rPr lang="en-US" dirty="0" err="1"/>
               <a:t>seed.phy</a:t>
             </a:r>
             <a:r>
@@ -10525,21 +10054,8 @@
             </a:r>
             <a:r>
               <a:rPr lang="fr-FR" dirty="0"/>
-              <a:t> file formats </a:t>
-            </a:r>
-            <a:r>
-              <a:rPr lang="fr-FR" dirty="0" smtClean="0"/>
-              <a:t>(</a:t>
-            </a:r>
-            <a:r>
-              <a:rPr lang="fr-FR" dirty="0"/>
-              <a:t>3</a:t>
-            </a:r>
-            <a:r>
-              <a:rPr lang="fr-FR" dirty="0" smtClean="0"/>
-              <a:t>)</a:t>
-            </a:r>
-            <a:endParaRPr lang="fr-FR" dirty="0"/>
+              <a:t> file formats (3)</a:t>
+            </a:r>
           </a:p>
         </p:txBody>
       </p:sp>
@@ -10560,7 +10076,7 @@
           <a:p>
             <a:fld id="{751463B9-2A29-154C-A5AC-383AEA094CA9}" type="datetime1">
               <a:rPr lang="fr-FR" smtClean="0"/>
-              <a:t>13/11/16</a:t>
+              <a:t>08/11/2018</a:t>
             </a:fld>
             <a:endParaRPr lang="fr-FR" dirty="0"/>
           </a:p>
@@ -10582,7 +10098,7 @@
           <a:lstStyle/>
           <a:p>
             <a:r>
-              <a:rPr lang="fr-FR" smtClean="0"/>
+              <a:rPr lang="fr-FR"/>
               <a:t>Python pour la biologie</a:t>
             </a:r>
             <a:endParaRPr lang="fr-FR" dirty="0"/>
@@ -10711,10 +10227,9 @@
           </a:p>
           <a:p>
             <a:r>
-              <a:rPr lang="tr-TR" sz="1100" dirty="0" smtClean="0"/>
+              <a:rPr lang="tr-TR" sz="1100" dirty="0"/>
               <a:t>.....</a:t>
             </a:r>
-            <a:endParaRPr lang="tr-TR" sz="1100" dirty="0"/>
           </a:p>
         </p:txBody>
       </p:sp>
@@ -10788,11 +10303,7 @@
             </a:r>
             <a:r>
               <a:rPr lang="en-US" sz="1100" dirty="0"/>
-              <a:t>-relaxed"</a:t>
-            </a:r>
-            <a:r>
-              <a:rPr lang="en-US" sz="1100" dirty="0" smtClean="0"/>
-              <a:t>)</a:t>
+              <a:t>-relaxed")</a:t>
             </a:r>
           </a:p>
           <a:p>
@@ -10851,16 +10362,15 @@
           </a:p>
           <a:p>
             <a:r>
-              <a:rPr lang="tr-TR" sz="1100" dirty="0" smtClean="0"/>
+              <a:rPr lang="tr-TR" sz="1100" dirty="0"/>
               <a:t>RA</a:t>
             </a:r>
           </a:p>
           <a:p>
             <a:r>
-              <a:rPr lang="tr-TR" sz="1100" dirty="0" smtClean="0"/>
+              <a:rPr lang="tr-TR" sz="1100" dirty="0"/>
               <a:t>....</a:t>
             </a:r>
-            <a:endParaRPr lang="tr-TR" sz="1100" dirty="0"/>
           </a:p>
         </p:txBody>
       </p:sp>
@@ -11074,39 +10584,7 @@
           <a:p>
             <a:r>
               <a:rPr lang="en-US" dirty="0"/>
-              <a:t>B</a:t>
-            </a:r>
-            <a:r>
-              <a:rPr lang="en-US" dirty="0" smtClean="0"/>
-              <a:t>ig </a:t>
-            </a:r>
-            <a:r>
-              <a:rPr lang="en-US" dirty="0"/>
-              <a:t>handicaps of the original PHYLIP alignment </a:t>
-            </a:r>
-            <a:r>
-              <a:rPr lang="en-US" dirty="0" smtClean="0"/>
-              <a:t>file </a:t>
-            </a:r>
-            <a:r>
-              <a:rPr lang="en-US" dirty="0"/>
-              <a:t>format is that the sequence </a:t>
-            </a:r>
-            <a:r>
-              <a:rPr lang="en-US" dirty="0" smtClean="0"/>
-              <a:t>identifiers</a:t>
-            </a:r>
-            <a:r>
-              <a:rPr lang="en-US" dirty="0"/>
-              <a:t> </a:t>
-            </a:r>
-            <a:r>
-              <a:rPr lang="en-US" dirty="0" smtClean="0"/>
-              <a:t>are </a:t>
-            </a:r>
-            <a:r>
-              <a:rPr lang="en-US" dirty="0"/>
-              <a:t>strictly truncated at ten characters.</a:t>
+              <a:t>Big handicaps of the original PHYLIP alignment file format is that the sequence identifiers are strictly truncated at ten characters.</a:t>
             </a:r>
           </a:p>
           <a:p>
@@ -11183,21 +10661,8 @@
             </a:r>
             <a:r>
               <a:rPr lang="fr-FR" dirty="0"/>
-              <a:t> file formats </a:t>
-            </a:r>
-            <a:r>
-              <a:rPr lang="fr-FR" dirty="0" smtClean="0"/>
-              <a:t>(</a:t>
-            </a:r>
-            <a:r>
-              <a:rPr lang="fr-FR" dirty="0"/>
-              <a:t>4</a:t>
-            </a:r>
-            <a:r>
-              <a:rPr lang="fr-FR" dirty="0" smtClean="0"/>
-              <a:t>)</a:t>
-            </a:r>
-            <a:endParaRPr lang="fr-FR" dirty="0"/>
+              <a:t> file formats (4)</a:t>
+            </a:r>
           </a:p>
         </p:txBody>
       </p:sp>
@@ -11223,15 +10688,7 @@
           <a:p>
             <a:r>
               <a:rPr lang="en-US" dirty="0"/>
-              <a:t>have to work with the original strict PHYLIP format, then you may need to compress the </a:t>
-            </a:r>
-            <a:r>
-              <a:rPr lang="en-US" dirty="0" smtClean="0"/>
-              <a:t>identifiers somehow or </a:t>
-            </a:r>
-            <a:r>
-              <a:rPr lang="en-US" dirty="0"/>
-              <a:t>assign your own names or numbering system. </a:t>
+              <a:t>have to work with the original strict PHYLIP format, then you may need to compress the identifiers somehow or assign your own names or numbering system. </a:t>
             </a:r>
             <a:endParaRPr lang="fr-FR" dirty="0"/>
           </a:p>
@@ -11254,7 +10711,7 @@
           <a:p>
             <a:fld id="{751463B9-2A29-154C-A5AC-383AEA094CA9}" type="datetime1">
               <a:rPr lang="fr-FR" smtClean="0"/>
-              <a:t>13/11/16</a:t>
+              <a:t>08/11/2018</a:t>
             </a:fld>
             <a:endParaRPr lang="fr-FR" dirty="0"/>
           </a:p>
@@ -11276,7 +10733,7 @@
           <a:lstStyle/>
           <a:p>
             <a:r>
-              <a:rPr lang="fr-FR" smtClean="0"/>
+              <a:rPr lang="fr-FR"/>
               <a:t>Python pour la biologie</a:t>
             </a:r>
             <a:endParaRPr lang="fr-FR" dirty="0"/>
@@ -11734,18 +11191,9 @@
           </a:lstStyle>
           <a:p>
             <a:r>
-              <a:rPr lang="en-US" dirty="0" smtClean="0"/>
-              <a:t>use </a:t>
-            </a:r>
-            <a:r>
               <a:rPr lang="en-US" dirty="0"/>
-              <a:t>a Python dictionary to record a simple mapping from the new sequence system to the </a:t>
-            </a:r>
-            <a:r>
-              <a:rPr lang="en-US" dirty="0" smtClean="0"/>
-              <a:t>original identifier:</a:t>
-            </a:r>
-            <a:endParaRPr lang="en-US" dirty="0"/>
+              <a:t>use a Python dictionary to record a simple mapping from the new sequence system to the original identifier:</a:t>
+            </a:r>
           </a:p>
           <a:p>
             <a:endParaRPr lang="fr-FR" dirty="0"/>
@@ -11880,18 +11328,13 @@
           </a:p>
           <a:p>
             <a:r>
-              <a:rPr lang="tr-TR" sz="1100" dirty="0" smtClean="0">
+              <a:rPr lang="tr-TR" sz="1100" dirty="0">
                 <a:solidFill>
                   <a:srgbClr val="FF0000"/>
                 </a:solidFill>
               </a:rPr>
               <a:t>RA</a:t>
             </a:r>
-            <a:endParaRPr lang="tr-TR" sz="1100" dirty="0">
-              <a:solidFill>
-                <a:srgbClr val="FF0000"/>
-              </a:solidFill>
-            </a:endParaRPr>
           </a:p>
         </p:txBody>
       </p:sp>
@@ -11947,11 +11390,11 @@
           <a:p>
             <a:pPr algn="ctr"/>
             <a:r>
-              <a:rPr lang="fr-FR" dirty="0" smtClean="0"/>
+              <a:rPr lang="fr-FR" dirty="0"/>
               <a:t>Biopython: Multiple </a:t>
             </a:r>
             <a:r>
-              <a:rPr lang="fr-FR" dirty="0" err="1" smtClean="0"/>
+              <a:rPr lang="fr-FR" dirty="0" err="1"/>
               <a:t>alignments</a:t>
             </a:r>
             <a:endParaRPr lang="fr-FR" dirty="0"/>
@@ -11980,44 +11423,32 @@
           </a:bodyPr>
           <a:lstStyle/>
           <a:p>
-            <a:r>
-              <a:rPr lang="fr-FR" dirty="0" smtClean="0"/>
-              <a:t/>
-            </a:r>
-            <a:br>
-              <a:rPr lang="fr-FR" dirty="0" smtClean="0"/>
-            </a:br>
-            <a:r>
-              <a:rPr lang="fr-FR" dirty="0"/>
-              <a:t/>
-            </a:r>
             <a:br>
               <a:rPr lang="fr-FR" dirty="0"/>
             </a:br>
-            <a:r>
-              <a:rPr lang="fr-FR" dirty="0" smtClean="0">
+            <a:br>
+              <a:rPr lang="fr-FR" dirty="0"/>
+            </a:br>
+            <a:r>
+              <a:rPr lang="fr-FR" dirty="0">
                 <a:solidFill>
                   <a:schemeClr val="tx1"/>
                 </a:solidFill>
               </a:rPr>
               <a:t>Formation CNRS</a:t>
             </a:r>
-            <a:r>
-              <a:rPr lang="fr-FR" dirty="0" smtClean="0"/>
-              <a:t/>
-            </a:r>
             <a:br>
-              <a:rPr lang="fr-FR" dirty="0" smtClean="0"/>
+              <a:rPr lang="fr-FR"/>
             </a:br>
             <a:r>
-              <a:rPr lang="fr-FR" dirty="0" smtClean="0"/>
-              <a:t>18 Novembre 2016</a:t>
+              <a:rPr lang="fr-FR"/>
+              <a:t>8 Novembre 2018</a:t>
             </a:r>
             <a:br>
-              <a:rPr lang="fr-FR" dirty="0" smtClean="0"/>
+              <a:rPr lang="fr-FR" dirty="0"/>
             </a:br>
             <a:r>
-              <a:rPr lang="en-US" b="1" dirty="0" smtClean="0">
+              <a:rPr lang="en-US" b="1" dirty="0">
                 <a:solidFill>
                   <a:schemeClr val="tx1"/>
                 </a:solidFill>
@@ -12025,24 +11456,16 @@
               <a:t>Python pour la </a:t>
             </a:r>
             <a:r>
-              <a:rPr lang="en-US" b="1" dirty="0" err="1" smtClean="0">
+              <a:rPr lang="en-US" b="1" dirty="0" err="1">
                 <a:solidFill>
                   <a:schemeClr val="tx1"/>
                 </a:solidFill>
               </a:rPr>
               <a:t>biologie</a:t>
-            </a:r>
-            <a:r>
-              <a:rPr lang="en-US" b="1" dirty="0"/>
-              <a:t/>
             </a:r>
             <a:br>
               <a:rPr lang="en-US" b="1" dirty="0"/>
             </a:br>
-            <a:r>
-              <a:rPr lang="fr-FR" dirty="0"/>
-              <a:t/>
-            </a:r>
             <a:br>
               <a:rPr lang="fr-FR" dirty="0"/>
             </a:br>
@@ -12120,16 +11543,9 @@
   <p:clrMapOvr>
     <a:masterClrMapping/>
   </p:clrMapOvr>
-  <p:transition xmlns:p14="http://schemas.microsoft.com/office/powerpoint/2010/main" spd="slow">
+  <p:transition spd="slow">
     <p:wipe/>
   </p:transition>
-  <p:timing>
-    <p:tnLst>
-      <p:par>
-        <p:cTn xmlns:p14="http://schemas.microsoft.com/office/powerpoint/2010/main" id="1" dur="indefinite" restart="never" nodeType="tmRoot"/>
-      </p:par>
-    </p:tnLst>
-  </p:timing>
 </p:sld>
 </file>
 
@@ -12166,38 +11582,37 @@
           <a:lstStyle/>
           <a:p>
             <a:r>
-              <a:rPr lang="fr-FR" dirty="0" err="1" smtClean="0"/>
+              <a:rPr lang="fr-FR" dirty="0" err="1"/>
               <a:t>Getting</a:t>
             </a:r>
             <a:r>
-              <a:rPr lang="fr-FR" dirty="0" smtClean="0"/>
+              <a:rPr lang="fr-FR" dirty="0"/>
               <a:t> </a:t>
             </a:r>
             <a:r>
-              <a:rPr lang="fr-FR" dirty="0" err="1" smtClean="0"/>
+              <a:rPr lang="fr-FR" dirty="0" err="1"/>
               <a:t>your</a:t>
             </a:r>
             <a:r>
-              <a:rPr lang="fr-FR" dirty="0" smtClean="0"/>
+              <a:rPr lang="fr-FR" dirty="0"/>
               <a:t> </a:t>
             </a:r>
             <a:r>
-              <a:rPr lang="fr-FR" dirty="0" err="1" smtClean="0"/>
+              <a:rPr lang="fr-FR" dirty="0" err="1"/>
               <a:t>alignment</a:t>
             </a:r>
             <a:r>
-              <a:rPr lang="fr-FR" dirty="0" smtClean="0"/>
+              <a:rPr lang="fr-FR" dirty="0"/>
               <a:t> in </a:t>
             </a:r>
             <a:r>
-              <a:rPr lang="fr-FR" dirty="0" err="1" smtClean="0"/>
+              <a:rPr lang="fr-FR" dirty="0" err="1"/>
               <a:t>formatted</a:t>
             </a:r>
             <a:r>
-              <a:rPr lang="fr-FR" dirty="0" smtClean="0"/>
+              <a:rPr lang="fr-FR" dirty="0"/>
               <a:t> string (1)</a:t>
             </a:r>
-            <a:endParaRPr lang="fr-FR" dirty="0"/>
           </a:p>
         </p:txBody>
       </p:sp>
@@ -12223,29 +11638,8 @@
           <a:p>
             <a:r>
               <a:rPr lang="en-US" dirty="0"/>
-              <a:t>T</a:t>
-            </a:r>
-            <a:r>
-              <a:rPr lang="en-US" dirty="0" smtClean="0"/>
-              <a:t>ake </a:t>
-            </a:r>
-            <a:r>
-              <a:rPr lang="en-US" dirty="0"/>
-              <a:t>advantage of the alignment </a:t>
-            </a:r>
-            <a:r>
-              <a:rPr lang="en-US" dirty="0" smtClean="0"/>
-              <a:t>object’s format</a:t>
-            </a:r>
-            <a:r>
-              <a:rPr lang="en-US" dirty="0"/>
-              <a:t>(</a:t>
-            </a:r>
-            <a:r>
-              <a:rPr lang="en-US" dirty="0" smtClean="0"/>
-              <a:t>) method</a:t>
-            </a:r>
-            <a:endParaRPr lang="en-US" dirty="0"/>
+              <a:t>Take advantage of the alignment object’s format() method</a:t>
+            </a:r>
           </a:p>
           <a:p>
             <a:endParaRPr lang="fr-FR" dirty="0"/>
@@ -12269,7 +11663,7 @@
           <a:p>
             <a:fld id="{751463B9-2A29-154C-A5AC-383AEA094CA9}" type="datetime1">
               <a:rPr lang="fr-FR" smtClean="0"/>
-              <a:t>13/11/16</a:t>
+              <a:t>08/11/2018</a:t>
             </a:fld>
             <a:endParaRPr lang="fr-FR" dirty="0"/>
           </a:p>
@@ -12291,7 +11685,7 @@
           <a:lstStyle/>
           <a:p>
             <a:r>
-              <a:rPr lang="fr-FR" smtClean="0"/>
+              <a:rPr lang="fr-FR"/>
               <a:t>Python pour la biologie</a:t>
             </a:r>
             <a:endParaRPr lang="fr-FR" dirty="0"/>
@@ -12790,78 +12184,38 @@
           </a:lstStyle>
           <a:p>
             <a:r>
-              <a:rPr lang="en-US" dirty="0" smtClean="0"/>
+              <a:rPr lang="en-US" dirty="0"/>
               <a:t>The </a:t>
             </a:r>
             <a:r>
-              <a:rPr lang="en-US" dirty="0" err="1" smtClean="0"/>
+              <a:rPr lang="en-US" dirty="0" err="1"/>
               <a:t>SeqRecord</a:t>
             </a:r>
             <a:r>
-              <a:rPr lang="en-US" dirty="0" smtClean="0"/>
-              <a:t> object </a:t>
-            </a:r>
-            <a:r>
               <a:rPr lang="en-US" dirty="0"/>
-              <a:t>has a similar method using output formats </a:t>
-            </a:r>
-            <a:r>
-              <a:rPr lang="en-US" dirty="0" smtClean="0"/>
-              <a:t>supported by</a:t>
-            </a:r>
+              <a:t> object has a similar method using output formats supported by </a:t>
+            </a:r>
+            <a:r>
+              <a:rPr lang="en-US" dirty="0" err="1"/>
+              <a:t>Bio.SeqIO</a:t>
+            </a:r>
+            <a:endParaRPr lang="en-US" dirty="0"/>
+          </a:p>
+          <a:p>
             <a:r>
               <a:rPr lang="en-US" dirty="0"/>
-              <a:t> </a:t>
-            </a:r>
-            <a:r>
-              <a:rPr lang="en-US" dirty="0" err="1" smtClean="0"/>
-              <a:t>Bio.SeqIO</a:t>
-            </a:r>
-            <a:endParaRPr lang="en-US" dirty="0" smtClean="0"/>
-          </a:p>
-          <a:p>
-            <a:r>
-              <a:rPr lang="en-US" dirty="0" smtClean="0"/>
-              <a:t>The format</a:t>
+              <a:t>The format() method is using the </a:t>
+            </a:r>
+            <a:r>
+              <a:rPr lang="en-US" dirty="0" err="1"/>
+              <a:t>StringIO</a:t>
             </a:r>
             <a:r>
               <a:rPr lang="en-US" dirty="0"/>
-              <a:t>(</a:t>
-            </a:r>
-            <a:r>
-              <a:rPr lang="en-US" dirty="0" smtClean="0"/>
-              <a:t>) method </a:t>
-            </a:r>
-            <a:r>
-              <a:rPr lang="en-US" dirty="0"/>
-              <a:t>is using </a:t>
-            </a:r>
-            <a:r>
-              <a:rPr lang="en-US" dirty="0" smtClean="0"/>
-              <a:t>the </a:t>
-            </a:r>
-            <a:r>
-              <a:rPr lang="en-US" dirty="0" err="1" smtClean="0"/>
-              <a:t>StringIO</a:t>
-            </a:r>
-            <a:r>
-              <a:rPr lang="en-US" dirty="0"/>
-              <a:t> </a:t>
-            </a:r>
-            <a:r>
-              <a:rPr lang="en-US" dirty="0" smtClean="0"/>
-              <a:t>string </a:t>
-            </a:r>
-            <a:r>
-              <a:rPr lang="en-US" dirty="0"/>
-              <a:t>based handle and </a:t>
-            </a:r>
-            <a:r>
-              <a:rPr lang="en-US" dirty="0" smtClean="0"/>
-              <a:t>calling </a:t>
-            </a:r>
-            <a:r>
-              <a:rPr lang="en-US" dirty="0" err="1" smtClean="0"/>
+              <a:t> string based handle and calling </a:t>
+            </a:r>
+            <a:r>
+              <a:rPr lang="en-US" dirty="0" err="1"/>
               <a:t>Bio.AlignIO.write</a:t>
             </a:r>
             <a:r>
@@ -12923,26 +12277,21 @@
           <a:lstStyle/>
           <a:p>
             <a:r>
-              <a:rPr lang="fr-FR" dirty="0" err="1" smtClean="0"/>
+              <a:rPr lang="fr-FR" dirty="0" err="1"/>
               <a:t>Slicing</a:t>
             </a:r>
             <a:r>
-              <a:rPr lang="fr-FR" dirty="0" smtClean="0"/>
+              <a:rPr lang="fr-FR" dirty="0"/>
               <a:t> </a:t>
             </a:r>
             <a:r>
-              <a:rPr lang="fr-FR" dirty="0" err="1" smtClean="0"/>
+              <a:rPr lang="fr-FR" dirty="0" err="1"/>
               <a:t>alignments</a:t>
             </a:r>
             <a:r>
-              <a:rPr lang="fr-FR" dirty="0" smtClean="0"/>
-              <a:t> </a:t>
-            </a:r>
-            <a:r>
-              <a:rPr lang="fr-FR" dirty="0" smtClean="0"/>
-              <a:t>(1)</a:t>
-            </a:r>
-            <a:endParaRPr lang="fr-FR" dirty="0"/>
+              <a:rPr lang="fr-FR" dirty="0"/>
+              <a:t> (1)</a:t>
+            </a:r>
           </a:p>
         </p:txBody>
       </p:sp>
@@ -12968,47 +12317,15 @@
           <a:p>
             <a:r>
               <a:rPr lang="en-US" dirty="0"/>
-              <a:t>A</a:t>
-            </a:r>
-            <a:r>
-              <a:rPr lang="en-US" dirty="0" smtClean="0"/>
-              <a:t>lignment </a:t>
+              <a:t>Alignment objects act like a Python list of </a:t>
+            </a:r>
+            <a:r>
+              <a:rPr lang="en-US" dirty="0" err="1"/>
+              <a:t>SeqRecord</a:t>
             </a:r>
             <a:r>
               <a:rPr lang="en-US" dirty="0"/>
-              <a:t>objects act like a </a:t>
-            </a:r>
-            <a:r>
-              <a:rPr lang="en-US" dirty="0" smtClean="0"/>
-              <a:t>Python list</a:t>
-            </a:r>
-            <a:r>
-              <a:rPr lang="en-US" dirty="0"/>
-              <a:t> </a:t>
-            </a:r>
-            <a:r>
-              <a:rPr lang="en-US" dirty="0" smtClean="0"/>
-              <a:t>of</a:t>
-            </a:r>
-            <a:r>
-              <a:rPr lang="en-US" dirty="0"/>
-              <a:t> </a:t>
-            </a:r>
-            <a:r>
-              <a:rPr lang="en-US" dirty="0" err="1" smtClean="0"/>
-              <a:t>SeqRecord</a:t>
-            </a:r>
-            <a:r>
-              <a:rPr lang="en-US" dirty="0"/>
-              <a:t> </a:t>
-            </a:r>
-            <a:r>
-              <a:rPr lang="en-US" dirty="0" smtClean="0"/>
-              <a:t>objects </a:t>
-            </a:r>
-            <a:r>
-              <a:rPr lang="en-US" dirty="0"/>
-              <a:t>(the rows)</a:t>
+              <a:t> objects (the rows)</a:t>
             </a:r>
           </a:p>
           <a:p>
@@ -13033,7 +12350,7 @@
           <a:p>
             <a:fld id="{751463B9-2A29-154C-A5AC-383AEA094CA9}" type="datetime1">
               <a:rPr lang="fr-FR" smtClean="0"/>
-              <a:t>13/11/16</a:t>
+              <a:t>08/11/2018</a:t>
             </a:fld>
             <a:endParaRPr lang="fr-FR" dirty="0"/>
           </a:p>
@@ -13055,7 +12372,7 @@
           <a:lstStyle/>
           <a:p>
             <a:r>
-              <a:rPr lang="fr-FR" smtClean="0"/>
+              <a:rPr lang="fr-FR"/>
               <a:t>Python pour la biologie</a:t>
             </a:r>
             <a:endParaRPr lang="fr-FR" dirty="0"/>
@@ -13213,20 +12530,12 @@
           </a:p>
           <a:p>
             <a:r>
-              <a:rPr lang="en-US" sz="1100" dirty="0" smtClean="0">
+              <a:rPr lang="en-US" sz="1100" dirty="0">
                 <a:solidFill>
                   <a:srgbClr val="FF0000"/>
                 </a:solidFill>
               </a:rPr>
-              <a:t>AEPNAATNYATEAMDSLKTQAIDLISQTWPVVTTVVVAGLVIKLFKKFVSRA </a:t>
-            </a:r>
-            <a:r>
-              <a:rPr lang="en-US" sz="1100" dirty="0">
-                <a:solidFill>
-                  <a:srgbClr val="FF0000"/>
-                </a:solidFill>
-              </a:rPr>
-              <a:t>- Q9T0Q8_BPIKE/1-52</a:t>
+              <a:t>AEPNAATNYATEAMDSLKTQAIDLISQTWPVVTTVVVAGLVIKLFKKFVSRA - Q9T0Q8_BPIKE/1-52</a:t>
             </a:r>
           </a:p>
           <a:p>
@@ -13343,28 +12652,12 @@
           </a:p>
           <a:p>
             <a:r>
-              <a:rPr lang="en-US" sz="1100" dirty="0" smtClean="0">
+              <a:rPr lang="en-US" sz="1100" dirty="0">
                 <a:solidFill>
                   <a:srgbClr val="FF0000"/>
                 </a:solidFill>
               </a:rPr>
-              <a:t>AEPNAATNYATEAMDSLKTQAIDLISQTWPVVTTVVVAGLVIKL</a:t>
-            </a:r>
-            <a:r>
-              <a:rPr lang="en-US" sz="1100" dirty="0">
-                <a:solidFill>
-                  <a:srgbClr val="FF0000"/>
-                </a:solidFill>
-              </a:rPr>
-              <a:t>...SRA Q9T0Q8_BPIKE/1-</a:t>
-            </a:r>
-            <a:r>
-              <a:rPr lang="en-US" sz="1100" dirty="0" smtClean="0">
-                <a:solidFill>
-                  <a:srgbClr val="FF0000"/>
-                </a:solidFill>
-              </a:rPr>
-              <a:t>52</a:t>
+              <a:t>AEPNAATNYATEAMDSLKTQAIDLISQTWPVVTTVVVAGLVIKL...SRA Q9T0Q8_BPIKE/1-52</a:t>
             </a:r>
           </a:p>
           <a:p>
@@ -13414,15 +12707,7 @@
                   <a:srgbClr val="FF0000"/>
                 </a:solidFill>
               </a:rPr>
-              <a:t>FAADDATSQAKAAFDSLTAQATEMSGYAWALVVLVVGATVGIKL...SRA COATB_BPIF1/22-</a:t>
-            </a:r>
-            <a:r>
-              <a:rPr lang="tr-TR" sz="1100" dirty="0" smtClean="0">
-                <a:solidFill>
-                  <a:srgbClr val="FF0000"/>
-                </a:solidFill>
-              </a:rPr>
-              <a:t>73</a:t>
+              <a:t>FAADDATSQAKAAFDSLTAQATEMSGYAWALVVLVVGATVGIKL...SRA COATB_BPIF1/22-73</a:t>
             </a:r>
           </a:p>
           <a:p>
@@ -13486,21 +12771,8 @@
                   <a:srgbClr val="FF0000"/>
                 </a:solidFill>
               </a:rPr>
-              <a:t>FAADDATSQAKAAFDSLTAQATEMSGYAWALVVLVVGATVGIKL...SRA COATB_BPIF1/22-</a:t>
-            </a:r>
-            <a:r>
-              <a:rPr lang="en-US" sz="1100" dirty="0" smtClean="0">
-                <a:solidFill>
-                  <a:srgbClr val="FF0000"/>
-                </a:solidFill>
-              </a:rPr>
-              <a:t>73</a:t>
-            </a:r>
-            <a:endParaRPr lang="en-US" sz="1100" dirty="0">
-              <a:solidFill>
-                <a:srgbClr val="FF0000"/>
-              </a:solidFill>
-            </a:endParaRPr>
+              <a:t>FAADDATSQAKAAFDSLTAQATEMSGYAWALVVLVVGATVGIKL...SRA COATB_BPIF1/22-73</a:t>
+            </a:r>
           </a:p>
         </p:txBody>
       </p:sp>
@@ -13713,10 +12985,10 @@
           </a:lstStyle>
           <a:p>
             <a:r>
-              <a:rPr lang="en-US" dirty="0" smtClean="0"/>
+              <a:rPr lang="en-US" dirty="0"/>
               <a:t>Suppose you have a small alignment in PHYLIP format</a:t>
             </a:r>
-            <a:endParaRPr lang="fr-FR" dirty="0" smtClean="0"/>
+            <a:endParaRPr lang="fr-FR" dirty="0"/>
           </a:p>
           <a:p>
             <a:endParaRPr lang="fr-FR" dirty="0"/>
@@ -13769,34 +13041,21 @@
           <a:lstStyle/>
           <a:p>
             <a:r>
-              <a:rPr lang="fr-FR" dirty="0" err="1" smtClean="0"/>
+              <a:rPr lang="fr-FR" dirty="0" err="1"/>
               <a:t>Alignments</a:t>
             </a:r>
             <a:r>
-              <a:rPr lang="fr-FR" dirty="0" smtClean="0"/>
-              <a:t> </a:t>
-            </a:r>
-            <a:r>
               <a:rPr lang="fr-FR" dirty="0"/>
-              <a:t>as </a:t>
-            </a:r>
-            <a:r>
-              <a:rPr lang="fr-FR" dirty="0" err="1" smtClean="0"/>
+              <a:t> as </a:t>
+            </a:r>
+            <a:r>
+              <a:rPr lang="fr-FR" dirty="0" err="1"/>
               <a:t>array</a:t>
             </a:r>
             <a:r>
-              <a:rPr lang="fr-FR" dirty="0" smtClean="0"/>
-              <a:t> (</a:t>
-            </a:r>
-            <a:r>
-              <a:rPr lang="fr-FR" dirty="0" smtClean="0"/>
-              <a:t>1</a:t>
-            </a:r>
-            <a:r>
-              <a:rPr lang="fr-FR" dirty="0" smtClean="0"/>
-              <a:t>)</a:t>
-            </a:r>
-            <a:endParaRPr lang="fr-FR" dirty="0"/>
+              <a:rPr lang="fr-FR" dirty="0"/>
+              <a:t> (1)</a:t>
+            </a:r>
           </a:p>
         </p:txBody>
       </p:sp>
@@ -13821,12 +13080,8 @@
           <a:lstStyle/>
           <a:p>
             <a:r>
-              <a:rPr lang="en-US" dirty="0" smtClean="0"/>
-              <a:t>If </a:t>
-            </a:r>
-            <a:r>
               <a:rPr lang="en-US" dirty="0"/>
-              <a:t>you wanted to select by column?</a:t>
+              <a:t>If you wanted to select by column?</a:t>
             </a:r>
             <a:endParaRPr lang="fr-FR" dirty="0"/>
           </a:p>
@@ -13849,7 +13104,7 @@
           <a:p>
             <a:fld id="{751463B9-2A29-154C-A5AC-383AEA094CA9}" type="datetime1">
               <a:rPr lang="fr-FR" smtClean="0"/>
-              <a:t>13/11/16</a:t>
+              <a:t>08/11/2018</a:t>
             </a:fld>
             <a:endParaRPr lang="fr-FR" dirty="0"/>
           </a:p>
@@ -13871,7 +13126,7 @@
           <a:lstStyle/>
           <a:p>
             <a:r>
-              <a:rPr lang="fr-FR" smtClean="0"/>
+              <a:rPr lang="fr-FR"/>
               <a:t>Python pour la biologie</a:t>
             </a:r>
             <a:endParaRPr lang="fr-FR" dirty="0"/>
@@ -14905,29 +14160,8 @@
           <a:p>
             <a:r>
               <a:rPr lang="en-US" dirty="0"/>
-              <a:t>Leaving the </a:t>
-            </a:r>
-            <a:r>
-              <a:rPr lang="en-US" dirty="0" smtClean="0"/>
-              <a:t>first </a:t>
-            </a:r>
-            <a:r>
-              <a:rPr lang="en-US" dirty="0"/>
-              <a:t>index </a:t>
-            </a:r>
-            <a:r>
-              <a:rPr lang="en-US" dirty="0"/>
-              <a:t>as means </a:t>
-            </a:r>
-            <a:r>
-              <a:rPr lang="en-US" dirty="0"/>
-              <a:t>take all the rows</a:t>
-            </a:r>
-            <a:r>
-              <a:rPr lang="en-US" dirty="0" smtClean="0"/>
-              <a:t>:</a:t>
-            </a:r>
-            <a:endParaRPr lang="en-US" dirty="0"/>
+              <a:t>Leaving the first index as means take all the rows:</a:t>
+            </a:r>
           </a:p>
         </p:txBody>
       </p:sp>
@@ -15013,11 +14247,11 @@
           </a:p>
           <a:p>
             <a:r>
-              <a:rPr lang="mr-IN" sz="1100" dirty="0" smtClean="0"/>
+              <a:rPr lang="mr-IN" sz="1100" dirty="0"/>
               <a:t>…</a:t>
             </a:r>
             <a:r>
-              <a:rPr lang="fr-FR" sz="1100" dirty="0" smtClean="0"/>
+              <a:rPr lang="fr-FR" sz="1100" dirty="0"/>
               <a:t>..</a:t>
             </a:r>
             <a:endParaRPr lang="en-US" sz="1100" dirty="0"/>
@@ -15070,26 +14304,21 @@
           <a:lstStyle/>
           <a:p>
             <a:r>
-              <a:rPr lang="fr-FR" dirty="0" err="1" smtClean="0"/>
+              <a:rPr lang="fr-FR" dirty="0" err="1"/>
               <a:t>Slicing</a:t>
             </a:r>
             <a:r>
-              <a:rPr lang="fr-FR" dirty="0" smtClean="0"/>
+              <a:rPr lang="fr-FR" dirty="0"/>
               <a:t> </a:t>
             </a:r>
             <a:r>
-              <a:rPr lang="fr-FR" dirty="0" err="1" smtClean="0"/>
+              <a:rPr lang="fr-FR" dirty="0" err="1"/>
               <a:t>alignments</a:t>
             </a:r>
             <a:r>
-              <a:rPr lang="fr-FR" dirty="0" smtClean="0"/>
-              <a:t> </a:t>
-            </a:r>
-            <a:r>
-              <a:rPr lang="fr-FR" dirty="0" smtClean="0"/>
-              <a:t>(1)</a:t>
-            </a:r>
-            <a:endParaRPr lang="fr-FR" dirty="0"/>
+              <a:rPr lang="fr-FR" dirty="0"/>
+              <a:t> (1)</a:t>
+            </a:r>
           </a:p>
         </p:txBody>
       </p:sp>
@@ -15115,15 +14344,7 @@
           <a:p>
             <a:r>
               <a:rPr lang="en-US" dirty="0"/>
-              <a:t>columns 7, 8 and 9 which are gaps in three </a:t>
-            </a:r>
-            <a:r>
-              <a:rPr lang="en-US" dirty="0" smtClean="0"/>
-              <a:t>of the </a:t>
-            </a:r>
-            <a:r>
-              <a:rPr lang="en-US" dirty="0"/>
-              <a:t>seven sequences</a:t>
+              <a:t>columns 7, 8 and 9 which are gaps in three of the seven sequences</a:t>
             </a:r>
           </a:p>
           <a:p>
@@ -15148,7 +14369,7 @@
           <a:p>
             <a:fld id="{751463B9-2A29-154C-A5AC-383AEA094CA9}" type="datetime1">
               <a:rPr lang="fr-FR" smtClean="0"/>
-              <a:t>13/11/16</a:t>
+              <a:t>08/11/2018</a:t>
             </a:fld>
             <a:endParaRPr lang="fr-FR" dirty="0"/>
           </a:p>
@@ -15170,7 +14391,7 @@
           <a:lstStyle/>
           <a:p>
             <a:r>
-              <a:rPr lang="fr-FR" smtClean="0"/>
+              <a:rPr lang="fr-FR"/>
               <a:t>Python pour la biologie</a:t>
             </a:r>
             <a:endParaRPr lang="fr-FR" dirty="0"/>
@@ -15719,26 +14940,21 @@
           <a:lstStyle/>
           <a:p>
             <a:r>
-              <a:rPr lang="fr-FR" dirty="0" err="1" smtClean="0"/>
+              <a:rPr lang="fr-FR" dirty="0" err="1"/>
               <a:t>Slicing</a:t>
             </a:r>
             <a:r>
-              <a:rPr lang="fr-FR" dirty="0" smtClean="0"/>
+              <a:rPr lang="fr-FR" dirty="0"/>
               <a:t> </a:t>
             </a:r>
             <a:r>
-              <a:rPr lang="fr-FR" dirty="0" err="1" smtClean="0"/>
+              <a:rPr lang="fr-FR" dirty="0" err="1"/>
               <a:t>alignments</a:t>
             </a:r>
             <a:r>
-              <a:rPr lang="fr-FR" dirty="0" smtClean="0"/>
-              <a:t> </a:t>
-            </a:r>
-            <a:r>
-              <a:rPr lang="fr-FR" dirty="0" smtClean="0"/>
-              <a:t>(1)</a:t>
-            </a:r>
-            <a:endParaRPr lang="fr-FR" dirty="0"/>
+              <a:rPr lang="fr-FR" dirty="0"/>
+              <a:t> (1)</a:t>
+            </a:r>
           </a:p>
         </p:txBody>
       </p:sp>
@@ -15763,12 +14979,8 @@
           <a:lstStyle/>
           <a:p>
             <a:r>
-              <a:rPr lang="en-US" dirty="0" smtClean="0"/>
-              <a:t>Addition </a:t>
-            </a:r>
-            <a:r>
               <a:rPr lang="en-US" dirty="0"/>
-              <a:t>of alignment objects works by column</a:t>
+              <a:t>Addition of alignment objects works by column</a:t>
             </a:r>
             <a:endParaRPr lang="fr-FR" dirty="0"/>
           </a:p>
@@ -15791,7 +15003,7 @@
           <a:p>
             <a:fld id="{751463B9-2A29-154C-A5AC-383AEA094CA9}" type="datetime1">
               <a:rPr lang="fr-FR" smtClean="0"/>
-              <a:t>13/11/16</a:t>
+              <a:t>08/11/2018</a:t>
             </a:fld>
             <a:endParaRPr lang="fr-FR" dirty="0"/>
           </a:p>
@@ -15813,7 +15025,7 @@
           <a:lstStyle/>
           <a:p>
             <a:r>
-              <a:rPr lang="fr-FR" smtClean="0"/>
+              <a:rPr lang="fr-FR"/>
               <a:t>Python pour la biologie</a:t>
             </a:r>
             <a:endParaRPr lang="fr-FR" dirty="0"/>
@@ -16265,7 +15477,7 @@
           </a:lstStyle>
           <a:p>
             <a:r>
-              <a:rPr lang="it-IT" dirty="0" smtClean="0"/>
+              <a:rPr lang="it-IT" dirty="0"/>
               <a:t>Combine </a:t>
             </a:r>
             <a:r>
@@ -16285,35 +15497,31 @@
               <a:t> </a:t>
             </a:r>
             <a:r>
-              <a:rPr lang="it-IT" dirty="0" err="1" smtClean="0"/>
+              <a:rPr lang="it-IT" dirty="0" err="1"/>
               <a:t>different</a:t>
-            </a:r>
-            <a:r>
-              <a:rPr lang="it-IT" dirty="0" smtClean="0"/>
-              <a:t> </a:t>
-            </a:r>
-            <a:r>
-              <a:rPr lang="it-IT" dirty="0" err="1" smtClean="0"/>
-              <a:t>genes</a:t>
             </a:r>
             <a:r>
               <a:rPr lang="it-IT" dirty="0"/>
               <a:t> </a:t>
             </a:r>
             <a:r>
-              <a:rPr lang="it-IT" dirty="0" err="1" smtClean="0"/>
+              <a:rPr lang="it-IT" dirty="0" err="1"/>
+              <a:t>genes</a:t>
+            </a:r>
+            <a:r>
+              <a:rPr lang="it-IT" dirty="0"/>
+              <a:t> </a:t>
+            </a:r>
+            <a:r>
+              <a:rPr lang="it-IT" dirty="0" err="1"/>
               <a:t>into</a:t>
             </a:r>
             <a:r>
-              <a:rPr lang="it-IT" dirty="0" smtClean="0"/>
-              <a:t> </a:t>
-            </a:r>
-            <a:r>
               <a:rPr lang="it-IT" dirty="0"/>
-              <a:t>a meta-</a:t>
-            </a:r>
-            <a:r>
-              <a:rPr lang="it-IT" dirty="0" err="1" smtClean="0"/>
+              <a:t> a meta-</a:t>
+            </a:r>
+            <a:r>
+              <a:rPr lang="it-IT" dirty="0" err="1"/>
               <a:t>alignment</a:t>
             </a:r>
             <a:endParaRPr lang="it-IT" dirty="0"/>
@@ -16520,34 +15728,21 @@
           <a:lstStyle/>
           <a:p>
             <a:r>
-              <a:rPr lang="fr-FR" dirty="0" err="1" smtClean="0"/>
+              <a:rPr lang="fr-FR" dirty="0" err="1"/>
               <a:t>Alignments</a:t>
             </a:r>
             <a:r>
-              <a:rPr lang="fr-FR" dirty="0" smtClean="0"/>
-              <a:t> </a:t>
-            </a:r>
-            <a:r>
               <a:rPr lang="fr-FR" dirty="0"/>
-              <a:t>as </a:t>
-            </a:r>
-            <a:r>
-              <a:rPr lang="fr-FR" dirty="0" err="1" smtClean="0"/>
+              <a:t> as </a:t>
+            </a:r>
+            <a:r>
+              <a:rPr lang="fr-FR" dirty="0" err="1"/>
               <a:t>array</a:t>
             </a:r>
             <a:r>
-              <a:rPr lang="fr-FR" dirty="0" smtClean="0"/>
-              <a:t> (</a:t>
-            </a:r>
-            <a:r>
-              <a:rPr lang="fr-FR" dirty="0" smtClean="0"/>
-              <a:t>1</a:t>
-            </a:r>
-            <a:r>
-              <a:rPr lang="fr-FR" dirty="0" smtClean="0"/>
-              <a:t>)</a:t>
-            </a:r>
-            <a:endParaRPr lang="fr-FR" dirty="0"/>
+              <a:rPr lang="fr-FR" dirty="0"/>
+              <a:t> (1)</a:t>
+            </a:r>
           </a:p>
         </p:txBody>
       </p:sp>
@@ -16599,7 +15794,7 @@
           <a:p>
             <a:fld id="{751463B9-2A29-154C-A5AC-383AEA094CA9}" type="datetime1">
               <a:rPr lang="fr-FR" smtClean="0"/>
-              <a:t>13/11/16</a:t>
+              <a:t>08/11/2018</a:t>
             </a:fld>
             <a:endParaRPr lang="fr-FR" dirty="0"/>
           </a:p>
@@ -16621,7 +15816,7 @@
           <a:lstStyle/>
           <a:p>
             <a:r>
-              <a:rPr lang="fr-FR" smtClean="0"/>
+              <a:rPr lang="fr-FR"/>
               <a:t>Python pour la biologie</a:t>
             </a:r>
             <a:endParaRPr lang="fr-FR" dirty="0"/>
@@ -17111,11 +16306,7 @@
           <a:p>
             <a:r>
               <a:rPr lang="en-US" dirty="0"/>
-              <a:t>T</a:t>
-            </a:r>
-            <a:r>
-              <a:rPr lang="en-US" dirty="0" smtClean="0"/>
-              <a:t>ell </a:t>
+              <a:t>Tell </a:t>
             </a:r>
             <a:r>
               <a:rPr lang="en-US" dirty="0" err="1"/>
@@ -17123,21 +16314,8 @@
             </a:r>
             <a:r>
               <a:rPr lang="en-US" dirty="0"/>
-              <a:t> to store the array by column (as </a:t>
-            </a:r>
-            <a:r>
-              <a:rPr lang="en-US" dirty="0" smtClean="0"/>
-              <a:t>in Fortran</a:t>
-            </a:r>
-            <a:r>
-              <a:rPr lang="en-US" dirty="0"/>
-              <a:t>) rather then its default of by row (as in C</a:t>
-            </a:r>
-            <a:r>
-              <a:rPr lang="en-US" dirty="0" smtClean="0"/>
-              <a:t>)</a:t>
-            </a:r>
-            <a:endParaRPr lang="en-US" dirty="0"/>
+              <a:t> to store the array by column (as in Fortran) rather then its default of by row (as in C)</a:t>
+            </a:r>
           </a:p>
         </p:txBody>
       </p:sp>
@@ -17297,11 +16475,7 @@
             </a:r>
             <a:r>
               <a:rPr lang="en-US" dirty="0"/>
-              <a:t> array in memory as </a:t>
-            </a:r>
-            <a:r>
-              <a:rPr lang="en-US" dirty="0" smtClean="0"/>
-              <a:t>separate objects</a:t>
+              <a:t> array in memory as separate objects</a:t>
             </a:r>
             <a:endParaRPr lang="fr-FR" dirty="0"/>
           </a:p>
@@ -17353,26 +16527,21 @@
           <a:lstStyle/>
           <a:p>
             <a:r>
-              <a:rPr lang="fr-FR" dirty="0" err="1" smtClean="0"/>
-              <a:t>A</a:t>
-            </a:r>
-            <a:r>
-              <a:rPr lang="fr-FR" dirty="0" err="1" smtClean="0"/>
-              <a:t>lignment</a:t>
-            </a:r>
-            <a:r>
-              <a:rPr lang="fr-FR" dirty="0" smtClean="0"/>
+              <a:rPr lang="fr-FR" dirty="0" err="1"/>
+              <a:t>Alignment</a:t>
+            </a:r>
+            <a:r>
+              <a:rPr lang="fr-FR" dirty="0"/>
               <a:t> </a:t>
             </a:r>
             <a:r>
-              <a:rPr lang="fr-FR" dirty="0" err="1" smtClean="0"/>
+              <a:rPr lang="fr-FR" dirty="0" err="1"/>
               <a:t>tools</a:t>
             </a:r>
             <a:r>
-              <a:rPr lang="fr-FR" dirty="0" smtClean="0"/>
+              <a:rPr lang="fr-FR" dirty="0"/>
               <a:t> (1)</a:t>
             </a:r>
-            <a:endParaRPr lang="fr-FR" dirty="0"/>
           </a:p>
         </p:txBody>
       </p:sp>
@@ -17401,27 +16570,11 @@
               <a:buAutoNum type="arabicPeriod"/>
             </a:pPr>
             <a:r>
-              <a:rPr lang="en-US" dirty="0" smtClean="0"/>
-              <a:t>Prepare </a:t>
-            </a:r>
-            <a:r>
               <a:rPr lang="en-US" dirty="0"/>
-              <a:t>an input </a:t>
-            </a:r>
-            <a:r>
-              <a:rPr lang="en-US" dirty="0" smtClean="0"/>
-              <a:t>file </a:t>
-            </a:r>
-            <a:r>
-              <a:rPr lang="en-US" dirty="0"/>
-              <a:t>of your unaligned sequences, typically this will be a FASTA le which you </a:t>
-            </a:r>
-            <a:r>
-              <a:rPr lang="en-US" dirty="0" smtClean="0"/>
-              <a:t>might create using </a:t>
-            </a:r>
-            <a:r>
-              <a:rPr lang="en-US" dirty="0" err="1" smtClean="0"/>
+              <a:t>Prepare an input file of your unaligned sequences, typically this will be a FASTA le which you might create using </a:t>
+            </a:r>
+            <a:r>
+              <a:rPr lang="en-US" dirty="0" err="1"/>
               <a:t>Bio.SeqIO</a:t>
             </a:r>
             <a:endParaRPr lang="en-US" dirty="0"/>
@@ -17432,20 +16585,8 @@
               <a:buAutoNum type="arabicPeriod"/>
             </a:pPr>
             <a:r>
-              <a:rPr lang="en-US" dirty="0" smtClean="0"/>
-              <a:t>Call </a:t>
-            </a:r>
-            <a:r>
               <a:rPr lang="en-US" dirty="0"/>
-              <a:t>the command line tool to process this input </a:t>
-            </a:r>
-            <a:r>
-              <a:rPr lang="en-US" dirty="0" smtClean="0"/>
-              <a:t>file</a:t>
-            </a:r>
-            <a:r>
-              <a:rPr lang="en-US" dirty="0"/>
-              <a:t>, typically via one of </a:t>
+              <a:t>Call the command line tool to process this input file, typically via one of </a:t>
             </a:r>
             <a:r>
               <a:rPr lang="en-US" dirty="0" err="1"/>
@@ -17453,15 +16594,7 @@
             </a:r>
             <a:r>
               <a:rPr lang="en-US" dirty="0"/>
-              <a:t> command </a:t>
-            </a:r>
-            <a:r>
-              <a:rPr lang="en-US" dirty="0" smtClean="0"/>
-              <a:t>line wrappers </a:t>
-            </a:r>
-            <a:r>
-              <a:rPr lang="en-US" dirty="0"/>
-              <a:t>(which we'll discuss here).</a:t>
+              <a:t> command line wrappers (which we'll discuss here).</a:t>
             </a:r>
           </a:p>
           <a:p>
@@ -17470,19 +16603,11 @@
               <a:buAutoNum type="arabicPeriod"/>
             </a:pPr>
             <a:r>
-              <a:rPr lang="en-US" dirty="0" smtClean="0"/>
-              <a:t>Read </a:t>
-            </a:r>
-            <a:r>
               <a:rPr lang="en-US" dirty="0"/>
-              <a:t>the output from the tool, i.e. your aligned sequences, typically </a:t>
-            </a:r>
-            <a:r>
-              <a:rPr lang="en-US" dirty="0" smtClean="0"/>
-              <a:t>using </a:t>
-            </a:r>
-            <a:r>
-              <a:rPr lang="en-US" dirty="0" err="1" smtClean="0"/>
+              <a:t>Read the output from the tool, i.e. your aligned sequences, typically using </a:t>
+            </a:r>
+            <a:r>
+              <a:rPr lang="en-US" dirty="0" err="1"/>
               <a:t>Bio.AlignIO</a:t>
             </a:r>
             <a:endParaRPr lang="fr-FR" dirty="0"/>
@@ -17506,7 +16631,7 @@
           <a:p>
             <a:fld id="{751463B9-2A29-154C-A5AC-383AEA094CA9}" type="datetime1">
               <a:rPr lang="fr-FR" smtClean="0"/>
-              <a:t>13/11/16</a:t>
+              <a:t>08/11/2018</a:t>
             </a:fld>
             <a:endParaRPr lang="fr-FR" dirty="0"/>
           </a:p>
@@ -17528,7 +16653,7 @@
           <a:lstStyle/>
           <a:p>
             <a:r>
-              <a:rPr lang="fr-FR" smtClean="0"/>
+              <a:rPr lang="fr-FR"/>
               <a:t>Python pour la biologie</a:t>
             </a:r>
             <a:endParaRPr lang="fr-FR" dirty="0"/>
@@ -17616,7 +16741,7 @@
               <a:t>Bio.Align.Applications</a:t>
             </a:r>
             <a:r>
-              <a:rPr lang="it-IT" sz="1100" dirty="0" smtClean="0"/>
+              <a:rPr lang="it-IT" sz="1100" dirty="0"/>
               <a:t>)</a:t>
             </a:r>
           </a:p>
@@ -17749,21 +16874,8 @@
                   <a:srgbClr val="FF0000"/>
                 </a:solidFill>
               </a:rPr>
-              <a:t>' ...</a:t>
-            </a:r>
-            <a:r>
-              <a:rPr lang="nl-NL" sz="1100" dirty="0" smtClean="0">
-                <a:solidFill>
-                  <a:srgbClr val="FF0000"/>
-                </a:solidFill>
-              </a:rPr>
-              <a:t>]</a:t>
-            </a:r>
-            <a:endParaRPr lang="nl-NL" sz="1100" dirty="0">
-              <a:solidFill>
-                <a:srgbClr val="FF0000"/>
-              </a:solidFill>
-            </a:endParaRPr>
+              <a:t>' ...]</a:t>
+            </a:r>
           </a:p>
         </p:txBody>
       </p:sp>
@@ -17813,22 +16925,13 @@
           <a:lstStyle/>
           <a:p>
             <a:r>
-              <a:rPr lang="fr-FR" dirty="0" err="1" smtClean="0"/>
+              <a:rPr lang="fr-FR" dirty="0" err="1"/>
               <a:t>ClustalW</a:t>
             </a:r>
             <a:r>
-              <a:rPr lang="fr-FR" dirty="0" smtClean="0"/>
-              <a:t> (</a:t>
-            </a:r>
-            <a:r>
-              <a:rPr lang="fr-FR" dirty="0" smtClean="0"/>
-              <a:t>1</a:t>
-            </a:r>
-            <a:r>
-              <a:rPr lang="fr-FR" dirty="0" smtClean="0"/>
-              <a:t>)</a:t>
-            </a:r>
-            <a:endParaRPr lang="fr-FR" dirty="0"/>
+              <a:rPr lang="fr-FR" dirty="0"/>
+              <a:t> (1)</a:t>
+            </a:r>
           </a:p>
         </p:txBody>
       </p:sp>
@@ -17858,11 +16961,7 @@
             </a:r>
             <a:r>
               <a:rPr lang="en-US" dirty="0"/>
-              <a:t> is a popular command line tool for multiple </a:t>
-            </a:r>
-            <a:r>
-              <a:rPr lang="en-US" dirty="0" smtClean="0"/>
-              <a:t>sequence alignment </a:t>
+              <a:t> is a popular command line tool for multiple sequence alignment </a:t>
             </a:r>
             <a:endParaRPr lang="fr-FR" dirty="0"/>
           </a:p>
@@ -17885,7 +16984,7 @@
           <a:p>
             <a:fld id="{751463B9-2A29-154C-A5AC-383AEA094CA9}" type="datetime1">
               <a:rPr lang="fr-FR" smtClean="0"/>
-              <a:t>13/11/16</a:t>
+              <a:t>08/11/2018</a:t>
             </a:fld>
             <a:endParaRPr lang="fr-FR" dirty="0"/>
           </a:p>
@@ -17907,7 +17006,7 @@
           <a:lstStyle/>
           <a:p>
             <a:r>
-              <a:rPr lang="fr-FR" smtClean="0"/>
+              <a:rPr lang="fr-FR"/>
               <a:t>Python pour la biologie</a:t>
             </a:r>
             <a:endParaRPr lang="fr-FR" dirty="0"/>
@@ -18003,17 +17102,17 @@
               <a:t>ClustalwCommandline</a:t>
             </a:r>
             <a:r>
-              <a:rPr lang="en-US" sz="1100" dirty="0" smtClean="0"/>
+              <a:rPr lang="en-US" sz="1100" dirty="0"/>
               <a:t>)</a:t>
             </a:r>
           </a:p>
           <a:p>
             <a:r>
-              <a:rPr lang="mr-IN" sz="1100" dirty="0" smtClean="0"/>
+              <a:rPr lang="mr-IN" sz="1100" dirty="0"/>
               <a:t>…</a:t>
             </a:r>
             <a:r>
-              <a:rPr lang="fr-FR" sz="1100" dirty="0" smtClean="0"/>
+              <a:rPr lang="fr-FR" sz="1100" dirty="0"/>
               <a:t>.</a:t>
             </a:r>
             <a:endParaRPr lang="en-US" sz="1100" dirty="0"/>
@@ -18342,11 +17441,7 @@
           <a:p>
             <a:r>
               <a:rPr lang="en-US" dirty="0"/>
-              <a:t>By </a:t>
-            </a:r>
-            <a:r>
-              <a:rPr lang="en-US" dirty="0" smtClean="0"/>
-              <a:t>default, </a:t>
+              <a:t>By default, </a:t>
             </a:r>
             <a:r>
               <a:rPr lang="en-US" dirty="0" err="1"/>
@@ -18354,25 +17449,8 @@
             </a:r>
             <a:r>
               <a:rPr lang="en-US" dirty="0"/>
-              <a:t> will generate an alignment and guide tree </a:t>
-            </a:r>
-            <a:r>
-              <a:rPr lang="en-US" dirty="0" smtClean="0"/>
-              <a:t>file </a:t>
-            </a:r>
-            <a:r>
-              <a:rPr lang="en-US" dirty="0"/>
-              <a:t>with names based on the input </a:t>
-            </a:r>
-            <a:r>
-              <a:rPr lang="en-US" dirty="0" smtClean="0"/>
-              <a:t>FASTA file</a:t>
-            </a:r>
-            <a:r>
-              <a:rPr lang="en-US" dirty="0"/>
-              <a:t>.</a:t>
-            </a:r>
-            <a:endParaRPr lang="en-US" dirty="0"/>
+              <a:t> will generate an alignment and guide tree file with names based on the input FASTA file.</a:t>
+            </a:r>
           </a:p>
           <a:p>
             <a:endParaRPr lang="fr-FR" dirty="0"/>
@@ -18553,34 +17631,33 @@
           </a:p>
           <a:p>
             <a:r>
-              <a:rPr lang="en-US" sz="1100" dirty="0" smtClean="0"/>
+              <a:rPr lang="en-US" sz="1100" dirty="0"/>
               <a:t>&gt;&gt;&gt; </a:t>
             </a:r>
             <a:r>
-              <a:rPr lang="en-US" sz="1100" dirty="0" err="1" smtClean="0"/>
+              <a:rPr lang="en-US" sz="1100" dirty="0" err="1"/>
               <a:t>stdout</a:t>
             </a:r>
             <a:r>
-              <a:rPr lang="en-US" sz="1100" dirty="0" smtClean="0"/>
+              <a:rPr lang="en-US" sz="1100" dirty="0"/>
               <a:t>, </a:t>
             </a:r>
             <a:r>
-              <a:rPr lang="en-US" sz="1100" dirty="0" err="1" smtClean="0"/>
+              <a:rPr lang="en-US" sz="1100" dirty="0" err="1"/>
               <a:t>stderr</a:t>
             </a:r>
             <a:r>
-              <a:rPr lang="en-US" sz="1100" dirty="0" smtClean="0"/>
+              <a:rPr lang="en-US" sz="1100" dirty="0"/>
               <a:t> = </a:t>
             </a:r>
             <a:r>
-              <a:rPr lang="en-US" sz="1100" dirty="0" err="1" smtClean="0"/>
+              <a:rPr lang="en-US" sz="1100" dirty="0" err="1"/>
               <a:t>clustalw_cline</a:t>
             </a:r>
             <a:r>
-              <a:rPr lang="en-US" sz="1100" dirty="0" smtClean="0"/>
+              <a:rPr lang="en-US" sz="1100" dirty="0"/>
               <a:t>()</a:t>
             </a:r>
-            <a:endParaRPr lang="en-US" sz="1100" dirty="0"/>
           </a:p>
         </p:txBody>
       </p:sp>
@@ -18630,22 +17707,13 @@
           <a:lstStyle/>
           <a:p>
             <a:r>
-              <a:rPr lang="fr-FR" dirty="0" err="1" smtClean="0"/>
+              <a:rPr lang="fr-FR" dirty="0" err="1"/>
               <a:t>ClustalW</a:t>
             </a:r>
             <a:r>
-              <a:rPr lang="fr-FR" dirty="0" smtClean="0"/>
-              <a:t> (</a:t>
-            </a:r>
-            <a:r>
               <a:rPr lang="fr-FR" dirty="0"/>
-              <a:t>2</a:t>
-            </a:r>
-            <a:r>
-              <a:rPr lang="fr-FR" dirty="0" smtClean="0"/>
-              <a:t>)</a:t>
-            </a:r>
-            <a:endParaRPr lang="fr-FR" dirty="0"/>
+              <a:t> (2)</a:t>
+            </a:r>
           </a:p>
         </p:txBody>
       </p:sp>
@@ -18675,11 +17743,7 @@
             </a:r>
             <a:r>
               <a:rPr lang="en-US" dirty="0"/>
-              <a:t> is a popular command line tool for multiple </a:t>
-            </a:r>
-            <a:r>
-              <a:rPr lang="en-US" dirty="0" smtClean="0"/>
-              <a:t>sequence alignment </a:t>
+              <a:t> is a popular command line tool for multiple sequence alignment </a:t>
             </a:r>
             <a:endParaRPr lang="fr-FR" dirty="0"/>
           </a:p>
@@ -18702,7 +17766,7 @@
           <a:p>
             <a:fld id="{751463B9-2A29-154C-A5AC-383AEA094CA9}" type="datetime1">
               <a:rPr lang="fr-FR" smtClean="0"/>
-              <a:t>13/11/16</a:t>
+              <a:t>08/11/2018</a:t>
             </a:fld>
             <a:endParaRPr lang="fr-FR" dirty="0"/>
           </a:p>
@@ -18724,7 +17788,7 @@
           <a:lstStyle/>
           <a:p>
             <a:r>
-              <a:rPr lang="fr-FR" smtClean="0"/>
+              <a:rPr lang="fr-FR"/>
               <a:t>Python pour la biologie</a:t>
             </a:r>
             <a:endParaRPr lang="fr-FR" dirty="0"/>
@@ -19208,25 +18272,12 @@
           <a:p>
             <a:r>
               <a:rPr lang="en-US" dirty="0"/>
-              <a:t>EMBOSS needle and </a:t>
-            </a:r>
-            <a:r>
-              <a:rPr lang="en-US" dirty="0" smtClean="0"/>
-              <a:t>water </a:t>
-            </a:r>
-            <a:r>
-              <a:rPr lang="fr-FR" dirty="0" smtClean="0"/>
-              <a:t>(</a:t>
+              <a:t>EMBOSS needle and water </a:t>
             </a:r>
             <a:r>
               <a:rPr lang="fr-FR" dirty="0"/>
-              <a:t>1</a:t>
-            </a:r>
-            <a:r>
-              <a:rPr lang="fr-FR" dirty="0" smtClean="0"/>
-              <a:t>)</a:t>
-            </a:r>
-            <a:endParaRPr lang="fr-FR" dirty="0"/>
+              <a:t>(1)</a:t>
+            </a:r>
           </a:p>
         </p:txBody>
       </p:sp>
@@ -19252,47 +18303,7 @@
           <a:p>
             <a:r>
               <a:rPr lang="en-US" dirty="0"/>
-              <a:t>The EMBOSS suite includes </a:t>
-            </a:r>
-            <a:r>
-              <a:rPr lang="en-US" dirty="0" smtClean="0"/>
-              <a:t>the water</a:t>
-            </a:r>
-            <a:r>
-              <a:rPr lang="en-US" dirty="0"/>
-              <a:t> </a:t>
-            </a:r>
-            <a:r>
-              <a:rPr lang="en-US" dirty="0" smtClean="0"/>
-              <a:t>and</a:t>
-            </a:r>
-            <a:r>
-              <a:rPr lang="en-US" dirty="0"/>
-              <a:t> </a:t>
-            </a:r>
-            <a:r>
-              <a:rPr lang="en-US" dirty="0" smtClean="0"/>
-              <a:t>needle</a:t>
-            </a:r>
-            <a:r>
-              <a:rPr lang="en-US" dirty="0"/>
-              <a:t> </a:t>
-            </a:r>
-            <a:r>
-              <a:rPr lang="en-US" dirty="0" smtClean="0"/>
-              <a:t>tools </a:t>
-            </a:r>
-            <a:r>
-              <a:rPr lang="en-US" dirty="0"/>
-              <a:t>for Smith-Waterman algorithm local alignment</a:t>
-            </a:r>
-            <a:r>
-              <a:rPr lang="en-US" dirty="0" smtClean="0"/>
-              <a:t>, and </a:t>
-            </a:r>
-            <a:r>
-              <a:rPr lang="en-US" dirty="0"/>
-              <a:t>Needleman-</a:t>
+              <a:t>The EMBOSS suite includes the water and needle tools for Smith-Waterman algorithm local alignment, and Needleman-</a:t>
             </a:r>
             <a:r>
               <a:rPr lang="en-US" dirty="0" err="1"/>
@@ -19300,39 +18311,30 @@
             </a:r>
             <a:r>
               <a:rPr lang="en-US" dirty="0"/>
-              <a:t> global </a:t>
-            </a:r>
-            <a:r>
-              <a:rPr lang="en-US" dirty="0" smtClean="0"/>
-              <a:t>alignment</a:t>
+              <a:t> global alignment</a:t>
             </a:r>
           </a:p>
           <a:p>
             <a:r>
               <a:rPr lang="en-US" dirty="0"/>
-              <a:t>Suppose you want to do a global pairwise alignment between two sequences, prepared in FASTA </a:t>
-            </a:r>
-            <a:r>
-              <a:rPr lang="en-US" dirty="0" smtClean="0"/>
-              <a:t>format (</a:t>
-            </a:r>
-            <a:r>
-              <a:rPr lang="en-US" dirty="0" err="1" smtClean="0"/>
+              <a:t>Suppose you want to do a global pairwise alignment between two sequences, prepared in FASTA format (</a:t>
+            </a:r>
+            <a:r>
+              <a:rPr lang="en-US" dirty="0" err="1"/>
               <a:t>alpha.faa</a:t>
             </a:r>
             <a:r>
-              <a:rPr lang="en-US" dirty="0" smtClean="0"/>
+              <a:rPr lang="en-US" dirty="0"/>
               <a:t> and </a:t>
             </a:r>
             <a:r>
-              <a:rPr lang="en-US" dirty="0" err="1" smtClean="0"/>
+              <a:rPr lang="en-US" dirty="0" err="1"/>
               <a:t>beta.faa</a:t>
             </a:r>
             <a:r>
               <a:rPr lang="en-US" dirty="0"/>
               <a:t>)</a:t>
             </a:r>
-            <a:endParaRPr lang="en-US" dirty="0"/>
           </a:p>
         </p:txBody>
       </p:sp>
@@ -19353,7 +18355,7 @@
           <a:p>
             <a:fld id="{751463B9-2A29-154C-A5AC-383AEA094CA9}" type="datetime1">
               <a:rPr lang="fr-FR" smtClean="0"/>
-              <a:t>13/11/16</a:t>
+              <a:t>08/11/2018</a:t>
             </a:fld>
             <a:endParaRPr lang="fr-FR" dirty="0"/>
           </a:p>
@@ -19375,7 +18377,7 @@
           <a:lstStyle/>
           <a:p>
             <a:r>
-              <a:rPr lang="fr-FR" smtClean="0"/>
+              <a:rPr lang="fr-FR"/>
               <a:t>Python pour la biologie</a:t>
             </a:r>
             <a:endParaRPr lang="fr-FR" dirty="0"/>
@@ -19507,15 +18509,15 @@
               <a:t>="</a:t>
             </a:r>
             <a:r>
-              <a:rPr lang="en-US" sz="1100" dirty="0" err="1" smtClean="0"/>
+              <a:rPr lang="en-US" sz="1100" dirty="0" err="1"/>
               <a:t>beta.faa</a:t>
             </a:r>
             <a:r>
-              <a:rPr lang="en-US" sz="1100" dirty="0" smtClean="0"/>
+              <a:rPr lang="en-US" sz="1100" dirty="0"/>
               <a:t>”, </a:t>
             </a:r>
             <a:r>
-              <a:rPr lang="en-US" sz="1100" dirty="0" err="1" smtClean="0"/>
+              <a:rPr lang="en-US" sz="1100" dirty="0" err="1"/>
               <a:t>gapopen</a:t>
             </a:r>
             <a:r>
@@ -19528,14 +18530,10 @@
             </a:r>
             <a:r>
               <a:rPr lang="en-US" sz="1100" dirty="0"/>
-              <a:t>=</a:t>
-            </a:r>
-            <a:r>
-              <a:rPr lang="en-US" sz="1100" dirty="0" smtClean="0"/>
-              <a:t>0.5, </a:t>
-            </a:r>
-            <a:r>
-              <a:rPr lang="en-US" sz="1100" dirty="0" err="1" smtClean="0"/>
+              <a:t>=0.5, </a:t>
+            </a:r>
+            <a:r>
+              <a:rPr lang="en-US" sz="1100" dirty="0" err="1"/>
               <a:t>outfile</a:t>
             </a:r>
             <a:r>
@@ -19761,7 +18759,7 @@
           </a:p>
           <a:p>
             <a:r>
-              <a:rPr lang="en-US" sz="1100" dirty="0" smtClean="0"/>
+              <a:rPr lang="en-US" sz="1100" dirty="0"/>
               <a:t>AVHASLDKFLASVSTVLTSKYR</a:t>
             </a:r>
           </a:p>
@@ -20007,23 +19005,7 @@
           <a:p>
             <a:r>
               <a:rPr lang="en-US" dirty="0"/>
-              <a:t>Let's start by creating a </a:t>
-            </a:r>
-            <a:r>
-              <a:rPr lang="en-US" dirty="0" smtClean="0"/>
-              <a:t>complete needle</a:t>
-            </a:r>
-            <a:r>
-              <a:rPr lang="en-US" dirty="0"/>
-              <a:t> </a:t>
-            </a:r>
-            <a:r>
-              <a:rPr lang="en-US" dirty="0" smtClean="0"/>
-              <a:t>command </a:t>
-            </a:r>
-            <a:r>
-              <a:rPr lang="en-US" dirty="0"/>
-              <a:t>line object in one go:</a:t>
+              <a:t>Let's start by creating a complete needle command line object in one go:</a:t>
             </a:r>
           </a:p>
           <a:p>
@@ -20077,10 +19059,9 @@
           <a:lstStyle/>
           <a:p>
             <a:r>
-              <a:rPr lang="fr-FR" dirty="0" smtClean="0"/>
+              <a:rPr lang="fr-FR" dirty="0"/>
               <a:t>Introduction</a:t>
             </a:r>
-            <a:endParaRPr lang="fr-FR" dirty="0"/>
           </a:p>
         </p:txBody>
       </p:sp>
@@ -20100,73 +19081,36 @@
           <a:lstStyle/>
           <a:p>
             <a:r>
-              <a:rPr lang="en-US" dirty="0" smtClean="0"/>
-              <a:t>A collection </a:t>
-            </a:r>
-            <a:r>
               <a:rPr lang="en-US" dirty="0"/>
-              <a:t>of multiple </a:t>
-            </a:r>
-            <a:r>
-              <a:rPr lang="en-US" dirty="0" smtClean="0"/>
-              <a:t>sequences which </a:t>
-            </a:r>
-            <a:r>
-              <a:rPr lang="en-US" dirty="0"/>
-              <a:t>have been aligned </a:t>
-            </a:r>
-            <a:r>
-              <a:rPr lang="en-US" dirty="0" smtClean="0"/>
-              <a:t>together</a:t>
-            </a:r>
-            <a:endParaRPr lang="en-US" dirty="0"/>
+              <a:t>A collection of multiple sequences which have been aligned together</a:t>
+            </a:r>
           </a:p>
           <a:p>
             <a:pPr marL="0" indent="0">
               <a:buNone/>
             </a:pPr>
-            <a:endParaRPr lang="fr-FR" dirty="0" smtClean="0"/>
-          </a:p>
-          <a:p>
-            <a:r>
-              <a:rPr lang="en-US" dirty="0" smtClean="0"/>
-              <a:t>Insertion </a:t>
-            </a:r>
+            <a:endParaRPr lang="fr-FR" dirty="0"/>
+          </a:p>
+          <a:p>
             <a:r>
               <a:rPr lang="en-US" dirty="0"/>
-              <a:t>of gap characters, and addition of leading </a:t>
-            </a:r>
-            <a:r>
-              <a:rPr lang="en-US" dirty="0" smtClean="0"/>
-              <a:t>or trailing </a:t>
-            </a:r>
+              <a:t>Insertion of gap characters, and addition of leading or trailing gaps </a:t>
+            </a:r>
+          </a:p>
+          <a:p>
+            <a:pPr lvl="1"/>
+            <a:r>
+              <a:rPr lang="en-US" sz="1600" dirty="0"/>
+              <a:t>such that all the sequence strings are the same length.</a:t>
+            </a:r>
+          </a:p>
+          <a:p>
+            <a:endParaRPr lang="en-US" dirty="0"/>
+          </a:p>
+          <a:p>
             <a:r>
               <a:rPr lang="en-US" dirty="0"/>
-              <a:t>gaps </a:t>
-            </a:r>
-          </a:p>
-          <a:p>
-            <a:pPr lvl="1"/>
-            <a:r>
-              <a:rPr lang="en-US" sz="1600" dirty="0" smtClean="0"/>
-              <a:t>such </a:t>
-            </a:r>
-            <a:r>
-              <a:rPr lang="en-US" sz="1600" dirty="0"/>
-              <a:t>that all the sequence strings are the same length.</a:t>
-            </a:r>
-          </a:p>
-          <a:p>
-            <a:endParaRPr lang="en-US" dirty="0" smtClean="0"/>
-          </a:p>
-          <a:p>
-            <a:r>
-              <a:rPr lang="en-US" dirty="0" smtClean="0"/>
-              <a:t>Can </a:t>
-            </a:r>
-            <a:r>
-              <a:rPr lang="en-US" dirty="0"/>
-              <a:t>be regarded as a matrix of letters, where each row is held as a </a:t>
+              <a:t>Can be regarded as a matrix of letters, where each row is held as a </a:t>
             </a:r>
             <a:r>
               <a:rPr lang="en-US" dirty="0" err="1"/>
@@ -20174,90 +19118,55 @@
             </a:r>
             <a:r>
               <a:rPr lang="en-US" dirty="0"/>
-              <a:t> object </a:t>
-            </a:r>
-            <a:r>
-              <a:rPr lang="en-US" dirty="0" smtClean="0"/>
-              <a:t>internally</a:t>
-            </a:r>
-            <a:endParaRPr lang="en-US" dirty="0"/>
-          </a:p>
-          <a:p>
-            <a:endParaRPr lang="fr-FR" dirty="0" smtClean="0"/>
-          </a:p>
-          <a:p>
-            <a:r>
-              <a:rPr lang="fr-FR" dirty="0" smtClean="0"/>
+              <a:t> object internally</a:t>
+            </a:r>
+          </a:p>
+          <a:p>
+            <a:endParaRPr lang="fr-FR" dirty="0"/>
+          </a:p>
+          <a:p>
+            <a:r>
+              <a:rPr lang="fr-FR" dirty="0"/>
               <a:t>I</a:t>
             </a:r>
             <a:r>
-              <a:rPr lang="en-US" dirty="0" err="1" smtClean="0"/>
+              <a:rPr lang="en-US" dirty="0" err="1"/>
               <a:t>ntroduce</a:t>
             </a:r>
             <a:r>
-              <a:rPr lang="en-US" dirty="0" smtClean="0"/>
+              <a:rPr lang="en-US" dirty="0"/>
               <a:t> :</a:t>
             </a:r>
           </a:p>
           <a:p>
             <a:pPr lvl="1"/>
             <a:r>
-              <a:rPr lang="en-US" sz="1600" dirty="0" err="1" smtClean="0"/>
+              <a:rPr lang="en-US" sz="1600" dirty="0" err="1"/>
               <a:t>MultipleSeqAlignment</a:t>
             </a:r>
             <a:r>
-              <a:rPr lang="en-US" sz="1600" dirty="0" smtClean="0"/>
-              <a:t> object </a:t>
-            </a:r>
-            <a:r>
               <a:rPr lang="en-US" sz="1600" dirty="0"/>
-              <a:t>which holds this kind of </a:t>
-            </a:r>
-            <a:r>
-              <a:rPr lang="en-US" sz="1600" dirty="0" smtClean="0"/>
-              <a:t>data</a:t>
-            </a:r>
-            <a:endParaRPr lang="en-US" sz="1600" dirty="0"/>
+              <a:t> object which holds this kind of data</a:t>
+            </a:r>
           </a:p>
           <a:p>
             <a:pPr lvl="1"/>
             <a:r>
-              <a:rPr lang="en-US" sz="1600" dirty="0" err="1" smtClean="0"/>
+              <a:rPr lang="en-US" sz="1600" dirty="0" err="1"/>
               <a:t>Bio.AlignIO</a:t>
             </a:r>
             <a:r>
-              <a:rPr lang="en-US" sz="1600" dirty="0" smtClean="0"/>
-              <a:t> module </a:t>
-            </a:r>
-            <a:r>
               <a:rPr lang="en-US" sz="1600" dirty="0"/>
-              <a:t>for reading and writing them as various </a:t>
-            </a:r>
-            <a:r>
-              <a:rPr lang="en-US" sz="1600" dirty="0" smtClean="0"/>
-              <a:t>file </a:t>
+              <a:t> module for reading and writing them as various file formats (following the design of the </a:t>
+            </a:r>
+            <a:r>
+              <a:rPr lang="en-US" sz="1600" dirty="0" err="1"/>
+              <a:t>Bio.SeqIO</a:t>
             </a:r>
             <a:r>
               <a:rPr lang="en-US" sz="1600" dirty="0"/>
-              <a:t>formats (following the design of </a:t>
-            </a:r>
-            <a:r>
-              <a:rPr lang="en-US" sz="1600" dirty="0" smtClean="0"/>
-              <a:t>the </a:t>
-            </a:r>
-            <a:r>
-              <a:rPr lang="en-US" sz="1600" dirty="0" err="1" smtClean="0"/>
-              <a:t>Bio.SeqIO</a:t>
-            </a:r>
-            <a:r>
-              <a:rPr lang="en-US" sz="1600" dirty="0"/>
-              <a:t> </a:t>
-            </a:r>
-            <a:r>
-              <a:rPr lang="en-US" sz="1600" dirty="0" smtClean="0"/>
-              <a:t>module)</a:t>
-            </a:r>
-            <a:endParaRPr lang="en-US" sz="1600" dirty="0"/>
+              <a:t> module)</a:t>
+            </a:r>
           </a:p>
           <a:p>
             <a:endParaRPr lang="en-US" dirty="0"/>
@@ -20284,7 +19193,7 @@
           <a:p>
             <a:fld id="{19B5B906-DB60-254B-B982-F62329EB7F88}" type="datetime1">
               <a:rPr lang="fr-FR" smtClean="0"/>
-              <a:t>13/11/16</a:t>
+              <a:t>08/11/2018</a:t>
             </a:fld>
             <a:endParaRPr lang="fr-FR" dirty="0"/>
           </a:p>
@@ -20306,7 +19215,7 @@
           <a:lstStyle/>
           <a:p>
             <a:r>
-              <a:rPr lang="fr-FR" smtClean="0"/>
+              <a:rPr lang="fr-FR"/>
               <a:t>Python pour la biologie</a:t>
             </a:r>
             <a:endParaRPr lang="fr-FR" dirty="0"/>
@@ -20384,25 +19293,12 @@
           <a:p>
             <a:r>
               <a:rPr lang="en-US" dirty="0"/>
-              <a:t>EMBOSS needle and </a:t>
-            </a:r>
-            <a:r>
-              <a:rPr lang="en-US" dirty="0" smtClean="0"/>
-              <a:t>water </a:t>
-            </a:r>
-            <a:r>
-              <a:rPr lang="fr-FR" dirty="0" smtClean="0"/>
-              <a:t>(</a:t>
+              <a:t>EMBOSS needle and water </a:t>
             </a:r>
             <a:r>
               <a:rPr lang="fr-FR" dirty="0"/>
-              <a:t>2</a:t>
-            </a:r>
-            <a:r>
-              <a:rPr lang="fr-FR" dirty="0" smtClean="0"/>
-              <a:t>)</a:t>
-            </a:r>
-            <a:endParaRPr lang="fr-FR" dirty="0"/>
+              <a:t>(2)</a:t>
+            </a:r>
           </a:p>
         </p:txBody>
       </p:sp>
@@ -20427,26 +19323,9 @@
           <a:lstStyle/>
           <a:p>
             <a:r>
-              <a:rPr lang="en-US" dirty="0" smtClean="0"/>
-              <a:t>To avoid “command not found” exception, you </a:t>
-            </a:r>
-            <a:r>
               <a:rPr lang="en-US" dirty="0"/>
-              <a:t>can either update your PATH setting, or simply tell </a:t>
-            </a:r>
-            <a:r>
-              <a:rPr lang="en-US" dirty="0" smtClean="0"/>
-              <a:t>Biopython the </a:t>
-            </a:r>
-            <a:r>
-              <a:rPr lang="en-US" dirty="0"/>
-              <a:t>full path to the tool, for example</a:t>
-            </a:r>
-            <a:r>
-              <a:rPr lang="en-US" dirty="0" smtClean="0"/>
-              <a:t>:</a:t>
-            </a:r>
-            <a:endParaRPr lang="en-US" dirty="0"/>
+              <a:t>To avoid “command not found” exception, you can either update your PATH setting, or simply tell Biopython the full path to the tool, for example:</a:t>
+            </a:r>
           </a:p>
         </p:txBody>
       </p:sp>
@@ -20467,7 +19346,7 @@
           <a:p>
             <a:fld id="{751463B9-2A29-154C-A5AC-383AEA094CA9}" type="datetime1">
               <a:rPr lang="fr-FR" smtClean="0"/>
-              <a:t>13/11/16</a:t>
+              <a:t>08/11/2018</a:t>
             </a:fld>
             <a:endParaRPr lang="fr-FR" dirty="0"/>
           </a:p>
@@ -20489,7 +19368,7 @@
           <a:lstStyle/>
           <a:p>
             <a:r>
-              <a:rPr lang="fr-FR" smtClean="0"/>
+              <a:rPr lang="fr-FR"/>
               <a:t>Python pour la biologie</a:t>
             </a:r>
             <a:endParaRPr lang="fr-FR" dirty="0"/>
@@ -20959,14 +19838,13 @@
               <a:t>="</a:t>
             </a:r>
             <a:r>
-              <a:rPr lang="en-US" sz="1100" dirty="0" err="1" smtClean="0"/>
+              <a:rPr lang="en-US" sz="1100" dirty="0" err="1"/>
               <a:t>needle.txt</a:t>
             </a:r>
             <a:r>
-              <a:rPr lang="en-US" sz="1100" dirty="0" smtClean="0"/>
+              <a:rPr lang="en-US" sz="1100" dirty="0"/>
               <a:t>”)</a:t>
             </a:r>
-            <a:endParaRPr lang="en-US" sz="1100" dirty="0"/>
           </a:p>
         </p:txBody>
       </p:sp>
@@ -21180,11 +20058,7 @@
           <a:p>
             <a:r>
               <a:rPr lang="en-US" dirty="0"/>
-              <a:t>Note that you can also specify (or change or look at) the settings like </a:t>
-            </a:r>
-            <a:r>
-              <a:rPr lang="en-US" dirty="0" smtClean="0"/>
-              <a:t>this:</a:t>
+              <a:t>Note that you can also specify (or change or look at) the settings like this:</a:t>
             </a:r>
             <a:endParaRPr lang="fr-FR" dirty="0"/>
           </a:p>
@@ -21237,25 +20111,12 @@
           <a:p>
             <a:r>
               <a:rPr lang="en-US" dirty="0"/>
-              <a:t>EMBOSS needle and </a:t>
-            </a:r>
-            <a:r>
-              <a:rPr lang="en-US" dirty="0" smtClean="0"/>
-              <a:t>water </a:t>
-            </a:r>
-            <a:r>
-              <a:rPr lang="fr-FR" dirty="0" smtClean="0"/>
-              <a:t>(</a:t>
-            </a:r>
-            <a:r>
-              <a:rPr lang="fr-FR" dirty="0" smtClean="0"/>
-              <a:t>3</a:t>
-            </a:r>
-            <a:r>
-              <a:rPr lang="fr-FR" dirty="0" smtClean="0"/>
-              <a:t>)</a:t>
-            </a:r>
-            <a:endParaRPr lang="fr-FR" dirty="0"/>
+              <a:t>EMBOSS needle and water </a:t>
+            </a:r>
+            <a:r>
+              <a:rPr lang="fr-FR" dirty="0"/>
+              <a:t>(3)</a:t>
+            </a:r>
           </a:p>
         </p:txBody>
       </p:sp>
@@ -21280,26 +20141,9 @@
           <a:lstStyle/>
           <a:p>
             <a:r>
-              <a:rPr lang="en-US" dirty="0" smtClean="0"/>
-              <a:t>To avoid “command not found” exception, you </a:t>
-            </a:r>
-            <a:r>
               <a:rPr lang="en-US" dirty="0"/>
-              <a:t>can either update your PATH setting, or simply tell </a:t>
-            </a:r>
-            <a:r>
-              <a:rPr lang="en-US" dirty="0" smtClean="0"/>
-              <a:t>Biopython the </a:t>
-            </a:r>
-            <a:r>
-              <a:rPr lang="en-US" dirty="0"/>
-              <a:t>full path to the tool, for example</a:t>
-            </a:r>
-            <a:r>
-              <a:rPr lang="en-US" dirty="0" smtClean="0"/>
-              <a:t>:</a:t>
-            </a:r>
-            <a:endParaRPr lang="en-US" dirty="0"/>
+              <a:t>To avoid “command not found” exception, you can either update your PATH setting, or simply tell Biopython the full path to the tool, for example:</a:t>
+            </a:r>
           </a:p>
         </p:txBody>
       </p:sp>
@@ -21320,7 +20164,7 @@
           <a:p>
             <a:fld id="{751463B9-2A29-154C-A5AC-383AEA094CA9}" type="datetime1">
               <a:rPr lang="fr-FR" smtClean="0"/>
-              <a:t>13/11/16</a:t>
+              <a:t>08/11/2018</a:t>
             </a:fld>
             <a:endParaRPr lang="fr-FR" dirty="0"/>
           </a:p>
@@ -21342,7 +20186,7 @@
           <a:lstStyle/>
           <a:p>
             <a:r>
-              <a:rPr lang="fr-FR" smtClean="0"/>
+              <a:rPr lang="fr-FR"/>
               <a:t>Python pour la biologie</a:t>
             </a:r>
             <a:endParaRPr lang="fr-FR" dirty="0"/>
@@ -21812,14 +20656,13 @@
               <a:t>="</a:t>
             </a:r>
             <a:r>
-              <a:rPr lang="en-US" sz="1100" dirty="0" err="1" smtClean="0"/>
+              <a:rPr lang="en-US" sz="1100" dirty="0" err="1"/>
               <a:t>needle.txt</a:t>
             </a:r>
             <a:r>
-              <a:rPr lang="en-US" sz="1100" dirty="0" smtClean="0"/>
+              <a:rPr lang="en-US" sz="1100" dirty="0"/>
               <a:t>”)</a:t>
             </a:r>
-            <a:endParaRPr lang="en-US" sz="1100" dirty="0"/>
           </a:p>
         </p:txBody>
       </p:sp>
@@ -22033,11 +20876,7 @@
           <a:p>
             <a:r>
               <a:rPr lang="en-US" dirty="0"/>
-              <a:t>Note that you can also specify (or change or look at) the settings like </a:t>
-            </a:r>
-            <a:r>
-              <a:rPr lang="en-US" dirty="0" smtClean="0"/>
-              <a:t>this:</a:t>
+              <a:t>Note that you can also specify (or change or look at) the settings like this:</a:t>
             </a:r>
             <a:endParaRPr lang="fr-FR" dirty="0"/>
           </a:p>
@@ -22089,18 +20928,17 @@
           <a:lstStyle/>
           <a:p>
             <a:r>
-              <a:rPr lang="fr-FR" dirty="0" smtClean="0"/>
+              <a:rPr lang="fr-FR" dirty="0"/>
               <a:t>Multiple </a:t>
             </a:r>
             <a:r>
-              <a:rPr lang="fr-FR" dirty="0" err="1" smtClean="0"/>
+              <a:rPr lang="fr-FR" dirty="0" err="1"/>
               <a:t>alignments</a:t>
             </a:r>
             <a:r>
-              <a:rPr lang="fr-FR" dirty="0" smtClean="0"/>
+              <a:rPr lang="fr-FR" dirty="0"/>
               <a:t> (3)</a:t>
             </a:r>
-            <a:endParaRPr lang="fr-FR" dirty="0"/>
           </a:p>
         </p:txBody>
       </p:sp>
@@ -22152,7 +20990,7 @@
           <a:p>
             <a:fld id="{751463B9-2A29-154C-A5AC-383AEA094CA9}" type="datetime1">
               <a:rPr lang="fr-FR" smtClean="0"/>
-              <a:t>13/11/16</a:t>
+              <a:t>08/11/2018</a:t>
             </a:fld>
             <a:endParaRPr lang="fr-FR" dirty="0"/>
           </a:p>
@@ -22174,7 +21012,7 @@
           <a:lstStyle/>
           <a:p>
             <a:r>
-              <a:rPr lang="fr-FR" smtClean="0"/>
+              <a:rPr lang="fr-FR"/>
               <a:t>Python pour la biologie</a:t>
             </a:r>
             <a:endParaRPr lang="fr-FR" dirty="0"/>
@@ -22578,10 +21416,10 @@
           </a:lstStyle>
           <a:p>
             <a:r>
-              <a:rPr lang="en-US" smtClean="0"/>
+              <a:rPr lang="en-US"/>
               <a:t>Suppose you have a small alignment in PHYLIP format</a:t>
             </a:r>
-            <a:endParaRPr lang="fr-FR" smtClean="0"/>
+            <a:endParaRPr lang="fr-FR"/>
           </a:p>
           <a:p>
             <a:endParaRPr lang="fr-FR" dirty="0"/>
@@ -22661,28 +21499,7 @@
                 <a:latin typeface="Arial"/>
                 <a:cs typeface="Arial"/>
               </a:rPr>
-              <a:t>Bio.AlignIO.read(</a:t>
-            </a:r>
-            <a:r>
-              <a:rPr lang="mr-IN" dirty="0" smtClean="0">
-                <a:latin typeface="Arial"/>
-                <a:cs typeface="Arial"/>
-              </a:rPr>
-              <a:t>)</a:t>
-            </a:r>
-            <a:r>
-              <a:rPr lang="fr-FR" dirty="0" smtClean="0">
-                <a:latin typeface="Arial"/>
-                <a:cs typeface="Arial"/>
-              </a:rPr>
-              <a:t> </a:t>
-            </a:r>
-            <a:r>
-              <a:rPr lang="mr-IN" dirty="0" smtClean="0">
-                <a:latin typeface="Arial"/>
-                <a:cs typeface="Arial"/>
-              </a:rPr>
-              <a:t>and</a:t>
+              <a:t>Bio.AlignIO.read()</a:t>
             </a:r>
             <a:r>
               <a:rPr lang="fr-FR" dirty="0">
@@ -22692,108 +21509,66 @@
               <a:t> </a:t>
             </a:r>
             <a:r>
-              <a:rPr lang="mr-IN" dirty="0" smtClean="0">
+              <a:rPr lang="mr-IN" dirty="0">
+                <a:latin typeface="Arial"/>
+                <a:cs typeface="Arial"/>
+              </a:rPr>
+              <a:t>and</a:t>
+            </a:r>
+            <a:r>
+              <a:rPr lang="fr-FR" dirty="0">
+                <a:latin typeface="Arial"/>
+                <a:cs typeface="Arial"/>
+              </a:rPr>
+              <a:t> </a:t>
+            </a:r>
+            <a:r>
+              <a:rPr lang="mr-IN" dirty="0">
+                <a:latin typeface="Arial"/>
+                <a:cs typeface="Arial"/>
+              </a:rPr>
+              <a:t>Bio.AlignIO.parse()</a:t>
+            </a:r>
+            <a:endParaRPr lang="en-US" dirty="0">
+              <a:latin typeface="Arial"/>
+              <a:cs typeface="Arial"/>
+            </a:endParaRPr>
+          </a:p>
+          <a:p>
+            <a:r>
+              <a:rPr lang="en-US" dirty="0">
+                <a:latin typeface="Arial"/>
+                <a:cs typeface="Arial"/>
+              </a:rPr>
+              <a:t>Using </a:t>
+            </a:r>
+            <a:r>
+              <a:rPr lang="en-US" dirty="0" err="1">
                 <a:latin typeface="Arial"/>
                 <a:cs typeface="Arial"/>
               </a:rPr>
               <a:t>Bio.AlignIO.parse</a:t>
             </a:r>
             <a:r>
-              <a:rPr lang="mr-IN" dirty="0">
-                <a:latin typeface="Arial"/>
-                <a:cs typeface="Arial"/>
-              </a:rPr>
-              <a:t>(</a:t>
-            </a:r>
-            <a:r>
-              <a:rPr lang="mr-IN" dirty="0" smtClean="0">
-                <a:latin typeface="Arial"/>
-                <a:cs typeface="Arial"/>
-              </a:rPr>
-              <a:t>)</a:t>
-            </a:r>
-            <a:endParaRPr lang="en-US" dirty="0" smtClean="0">
-              <a:latin typeface="Arial"/>
-              <a:cs typeface="Arial"/>
-            </a:endParaRPr>
-          </a:p>
-          <a:p>
-            <a:r>
-              <a:rPr lang="en-US" dirty="0" smtClean="0">
-                <a:latin typeface="Arial"/>
-                <a:cs typeface="Arial"/>
-              </a:rPr>
-              <a:t>Using </a:t>
-            </a:r>
-            <a:r>
-              <a:rPr lang="en-US" dirty="0" err="1" smtClean="0">
-                <a:latin typeface="Arial"/>
-                <a:cs typeface="Arial"/>
-              </a:rPr>
-              <a:t>Bio.AlignIO.parse</a:t>
-            </a:r>
-            <a:r>
               <a:rPr lang="en-US" dirty="0">
                 <a:latin typeface="Arial"/>
                 <a:cs typeface="Arial"/>
               </a:rPr>
-              <a:t>(</a:t>
-            </a:r>
-            <a:r>
-              <a:rPr lang="en-US" dirty="0" smtClean="0">
+              <a:t>() will return an iterator which gives </a:t>
+            </a:r>
+            <a:r>
+              <a:rPr lang="en-US" dirty="0" err="1">
                 <a:latin typeface="Arial"/>
                 <a:cs typeface="Arial"/>
               </a:rPr>
-              <a:t>) will </a:t>
+              <a:t>MultipleSeqAlignment</a:t>
             </a:r>
             <a:r>
               <a:rPr lang="en-US" dirty="0">
                 <a:latin typeface="Arial"/>
                 <a:cs typeface="Arial"/>
               </a:rPr>
-              <a:t>return </a:t>
-            </a:r>
-            <a:r>
-              <a:rPr lang="en-US" dirty="0" smtClean="0">
-                <a:latin typeface="Arial"/>
-                <a:cs typeface="Arial"/>
-              </a:rPr>
-              <a:t>an iterator</a:t>
-            </a:r>
-            <a:r>
-              <a:rPr lang="en-US" dirty="0">
-                <a:latin typeface="Arial"/>
-                <a:cs typeface="Arial"/>
-              </a:rPr>
-              <a:t> </a:t>
-            </a:r>
-            <a:r>
-              <a:rPr lang="en-US" dirty="0" smtClean="0">
-                <a:latin typeface="Arial"/>
-                <a:cs typeface="Arial"/>
-              </a:rPr>
-              <a:t>which gives </a:t>
-            </a:r>
-            <a:r>
-              <a:rPr lang="en-US" dirty="0" err="1" smtClean="0">
-                <a:latin typeface="Arial"/>
-                <a:cs typeface="Arial"/>
-              </a:rPr>
-              <a:t>MultipleSeqAlignment</a:t>
-            </a:r>
-            <a:r>
-              <a:rPr lang="en-US" dirty="0">
-                <a:latin typeface="Arial"/>
-                <a:cs typeface="Arial"/>
-              </a:rPr>
-              <a:t> </a:t>
-            </a:r>
-            <a:r>
-              <a:rPr lang="en-US" dirty="0" smtClean="0">
-                <a:latin typeface="Arial"/>
-                <a:cs typeface="Arial"/>
-              </a:rPr>
-              <a:t>objects</a:t>
+              <a:t> objects</a:t>
             </a:r>
           </a:p>
           <a:p>
@@ -22803,161 +21578,85 @@
             </a:r>
             <a:r>
               <a:rPr lang="en-US" dirty="0"/>
-              <a:t>(</a:t>
-            </a:r>
-            <a:r>
-              <a:rPr lang="en-US" dirty="0" smtClean="0"/>
-              <a:t>) function </a:t>
+              <a:t>() function which returns a single </a:t>
+            </a:r>
+            <a:r>
+              <a:rPr lang="en-US" dirty="0" err="1"/>
+              <a:t>MultipleSeqAlignment</a:t>
             </a:r>
             <a:r>
               <a:rPr lang="en-US" dirty="0"/>
-              <a:t>which returns a </a:t>
-            </a:r>
-            <a:r>
-              <a:rPr lang="en-US" dirty="0" smtClean="0"/>
-              <a:t>single </a:t>
-            </a:r>
-            <a:r>
-              <a:rPr lang="en-US" dirty="0" err="1" smtClean="0"/>
-              <a:t>MultipleSeqAlignment</a:t>
-            </a:r>
+              <a:t> object</a:t>
+            </a:r>
+          </a:p>
+          <a:p>
             <a:r>
               <a:rPr lang="en-US" dirty="0"/>
-              <a:t> </a:t>
-            </a:r>
-            <a:r>
-              <a:rPr lang="en-US" dirty="0" smtClean="0"/>
-              <a:t>object</a:t>
-            </a:r>
-          </a:p>
-          <a:p>
-            <a:r>
-              <a:rPr lang="en-US" dirty="0" smtClean="0"/>
-              <a:t>First </a:t>
-            </a:r>
+              <a:t>First argument is a handle to read the data from, typically an open file, or a filename</a:t>
+            </a:r>
+          </a:p>
+          <a:p>
             <a:r>
               <a:rPr lang="en-US" dirty="0"/>
-              <a:t>argument is </a:t>
-            </a:r>
-            <a:r>
-              <a:rPr lang="en-US" dirty="0" smtClean="0"/>
-              <a:t>a handle</a:t>
-            </a:r>
-            <a:r>
-              <a:rPr lang="en-US" dirty="0"/>
-              <a:t> </a:t>
-            </a:r>
-            <a:r>
-              <a:rPr lang="en-US" dirty="0" smtClean="0"/>
-              <a:t>to </a:t>
-            </a:r>
-            <a:r>
-              <a:rPr lang="en-US" dirty="0"/>
-              <a:t>read the data from, typically an open </a:t>
-            </a:r>
-            <a:r>
-              <a:rPr lang="en-US" dirty="0" smtClean="0"/>
-              <a:t>file, or a filename</a:t>
-            </a:r>
-          </a:p>
-          <a:p>
-            <a:r>
-              <a:rPr lang="en-US" dirty="0" smtClean="0"/>
-              <a:t>Second argument is a lower case </a:t>
-            </a:r>
-            <a:r>
-              <a:rPr lang="en-US" dirty="0"/>
-              <a:t>string specifying the alignment format. </a:t>
-            </a:r>
-            <a:r>
-              <a:rPr lang="en-US" dirty="0" smtClean="0"/>
-              <a:t>(see </a:t>
-            </a:r>
-            <a:r>
-              <a:rPr lang="en-US" dirty="0" smtClean="0">
-                <a:hlinkClick r:id="rId2"/>
-              </a:rPr>
-              <a:t>http</a:t>
+              <a:t>Second argument is a lower case string specifying the alignment format. (see </a:t>
             </a:r>
             <a:r>
               <a:rPr lang="en-US" dirty="0">
                 <a:hlinkClick r:id="rId2"/>
               </a:rPr>
-              <a:t>://biopython.org/wiki/</a:t>
-            </a:r>
-            <a:r>
-              <a:rPr lang="en-US" dirty="0" smtClean="0">
-                <a:hlinkClick r:id="rId2"/>
-              </a:rPr>
-              <a:t>AlignIO</a:t>
-            </a:r>
-            <a:r>
-              <a:rPr lang="en-US" dirty="0" smtClean="0"/>
+              <a:t>http://biopython.org/wiki/AlignIO</a:t>
+            </a:r>
+            <a:r>
+              <a:rPr lang="en-US" dirty="0"/>
               <a:t>)</a:t>
             </a:r>
           </a:p>
           <a:p>
             <a:r>
-              <a:rPr lang="fr-FR" dirty="0" smtClean="0"/>
+              <a:rPr lang="fr-FR" dirty="0"/>
               <a:t>O</a:t>
             </a:r>
             <a:r>
-              <a:rPr lang="en-US" dirty="0" err="1" smtClean="0"/>
+              <a:rPr lang="en-US" dirty="0" err="1"/>
               <a:t>ptional</a:t>
-            </a:r>
-            <a:r>
-              <a:rPr lang="en-US" dirty="0" smtClean="0"/>
-              <a:t> </a:t>
-            </a:r>
-            <a:r>
-              <a:rPr lang="en-US" dirty="0" err="1" smtClean="0"/>
-              <a:t>seq_count</a:t>
             </a:r>
             <a:r>
               <a:rPr lang="en-US" dirty="0"/>
               <a:t> </a:t>
             </a:r>
             <a:r>
-              <a:rPr lang="en-US" dirty="0" smtClean="0"/>
-              <a:t>argument </a:t>
+              <a:rPr lang="en-US" dirty="0" err="1"/>
+              <a:t>seq_count</a:t>
             </a:r>
             <a:r>
               <a:rPr lang="en-US" dirty="0"/>
-              <a:t>for dealing </a:t>
-            </a:r>
-            <a:r>
-              <a:rPr lang="en-US" dirty="0" smtClean="0"/>
-              <a:t>with ambiguous file formats</a:t>
-            </a:r>
-          </a:p>
-          <a:p>
-            <a:r>
-              <a:rPr lang="fr-FR" dirty="0" smtClean="0"/>
+              <a:t> argument for dealing with ambiguous file formats</a:t>
+            </a:r>
+          </a:p>
+          <a:p>
+            <a:r>
+              <a:rPr lang="fr-FR" dirty="0"/>
               <a:t>O</a:t>
             </a:r>
             <a:r>
-              <a:rPr lang="en-US" dirty="0" err="1" smtClean="0"/>
+              <a:rPr lang="en-US" dirty="0" err="1"/>
               <a:t>ptional</a:t>
             </a:r>
             <a:r>
-              <a:rPr lang="en-US" dirty="0" smtClean="0"/>
+              <a:rPr lang="en-US" dirty="0"/>
               <a:t> </a:t>
             </a:r>
             <a:r>
-              <a:rPr lang="fr-FR" dirty="0" smtClean="0"/>
+              <a:rPr lang="fr-FR" dirty="0"/>
               <a:t>A</a:t>
             </a:r>
             <a:r>
-              <a:rPr lang="en-US" dirty="0" err="1" smtClean="0"/>
+              <a:rPr lang="en-US" dirty="0" err="1"/>
               <a:t>lphabet</a:t>
             </a:r>
             <a:r>
-              <a:rPr lang="en-US" dirty="0" smtClean="0"/>
-              <a:t> argument </a:t>
-            </a:r>
-            <a:r>
               <a:rPr lang="en-US" dirty="0"/>
-              <a:t>allowing you to specify the expected alphabet.</a:t>
+              <a:t> argument allowing you to specify the expected alphabet.</a:t>
             </a:r>
           </a:p>
           <a:p>
@@ -22973,7 +21672,7 @@
             <a:endParaRPr lang="en-US" dirty="0"/>
           </a:p>
           <a:p>
-            <a:endParaRPr lang="en-US" dirty="0" smtClean="0">
+            <a:endParaRPr lang="en-US" dirty="0">
               <a:latin typeface="Arial"/>
               <a:cs typeface="Arial"/>
             </a:endParaRPr>
@@ -23000,7 +21699,7 @@
           <a:p>
             <a:fld id="{751463B9-2A29-154C-A5AC-383AEA094CA9}" type="datetime1">
               <a:rPr lang="fr-FR" smtClean="0"/>
-              <a:t>13/11/16</a:t>
+              <a:t>08/11/2018</a:t>
             </a:fld>
             <a:endParaRPr lang="fr-FR" dirty="0"/>
           </a:p>
@@ -23022,7 +21721,7 @@
           <a:lstStyle/>
           <a:p>
             <a:r>
-              <a:rPr lang="fr-FR" smtClean="0"/>
+              <a:rPr lang="fr-FR"/>
               <a:t>Python pour la biologie</a:t>
             </a:r>
             <a:endParaRPr lang="fr-FR" dirty="0"/>
@@ -23128,13 +21827,8 @@
           <a:p>
             <a:r>
               <a:rPr lang="en-US" dirty="0"/>
-              <a:t>consider the following annotation rich protein alignment in the PFAM or Stockholm </a:t>
-            </a:r>
-            <a:r>
-              <a:rPr lang="en-US" dirty="0" smtClean="0"/>
-              <a:t>file</a:t>
-            </a:r>
-            <a:endParaRPr lang="en-US" dirty="0"/>
+              <a:t>consider the following annotation rich protein alignment in the PFAM or Stockholm file</a:t>
+            </a:r>
           </a:p>
           <a:p>
             <a:r>
@@ -23164,7 +21858,7 @@
           <a:p>
             <a:fld id="{751463B9-2A29-154C-A5AC-383AEA094CA9}" type="datetime1">
               <a:rPr lang="fr-FR" smtClean="0"/>
-              <a:t>13/11/16</a:t>
+              <a:t>08/11/2018</a:t>
             </a:fld>
             <a:endParaRPr lang="fr-FR" dirty="0"/>
           </a:p>
@@ -23186,10 +21880,9 @@
           <a:lstStyle/>
           <a:p>
             <a:r>
-              <a:rPr lang="fr-FR" dirty="0" smtClean="0"/>
+              <a:rPr lang="fr-FR" dirty="0"/>
               <a:t>Python pour la biologie</a:t>
             </a:r>
-            <a:endParaRPr lang="fr-FR" dirty="0"/>
           </a:p>
         </p:txBody>
       </p:sp>
@@ -23255,7 +21948,7 @@
           </a:lstStyle>
           <a:p>
             <a:r>
-              <a:rPr lang="mr-IN" sz="1200" dirty="0" smtClean="0">
+              <a:rPr lang="mr-IN" sz="1200" dirty="0">
                 <a:latin typeface="Arial"/>
                 <a:cs typeface="Arial"/>
               </a:rPr>
@@ -23264,7 +21957,7 @@
           </a:p>
           <a:p>
             <a:r>
-              <a:rPr lang="mr-IN" sz="1200" dirty="0" smtClean="0">
+              <a:rPr lang="mr-IN" sz="1200" dirty="0">
                 <a:latin typeface="Arial"/>
                 <a:cs typeface="Arial"/>
               </a:rPr>
@@ -23273,7 +21966,7 @@
           </a:p>
           <a:p>
             <a:r>
-              <a:rPr lang="mr-IN" sz="1200" dirty="0" smtClean="0">
+              <a:rPr lang="mr-IN" sz="1200" dirty="0">
                 <a:latin typeface="Arial"/>
                 <a:cs typeface="Arial"/>
               </a:rPr>
@@ -23282,7 +21975,7 @@
           </a:p>
           <a:p>
             <a:r>
-              <a:rPr lang="mr-IN" sz="1200" dirty="0" smtClean="0">
+              <a:rPr lang="mr-IN" sz="1200" dirty="0">
                 <a:latin typeface="Arial"/>
                 <a:cs typeface="Arial"/>
               </a:rPr>
@@ -23291,7 +21984,7 @@
           </a:p>
           <a:p>
             <a:r>
-              <a:rPr lang="mr-IN" sz="1200" dirty="0" smtClean="0">
+              <a:rPr lang="mr-IN" sz="1200" dirty="0">
                 <a:latin typeface="Arial"/>
                 <a:cs typeface="Arial"/>
               </a:rPr>
@@ -23300,7 +21993,7 @@
           </a:p>
           <a:p>
             <a:r>
-              <a:rPr lang="mr-IN" sz="1200" dirty="0" smtClean="0">
+              <a:rPr lang="mr-IN" sz="1200" dirty="0">
                 <a:latin typeface="Arial"/>
                 <a:cs typeface="Arial"/>
               </a:rPr>
@@ -23309,7 +22002,7 @@
           </a:p>
           <a:p>
             <a:r>
-              <a:rPr lang="mr-IN" sz="1200" dirty="0" smtClean="0">
+              <a:rPr lang="mr-IN" sz="1200" dirty="0">
                 <a:latin typeface="Arial"/>
                 <a:cs typeface="Arial"/>
               </a:rPr>
@@ -23318,7 +22011,7 @@
           </a:p>
           <a:p>
             <a:r>
-              <a:rPr lang="mr-IN" sz="1200" dirty="0" smtClean="0">
+              <a:rPr lang="mr-IN" sz="1200" dirty="0">
                 <a:latin typeface="Arial"/>
                 <a:cs typeface="Arial"/>
               </a:rPr>
@@ -23327,7 +22020,7 @@
           </a:p>
           <a:p>
             <a:r>
-              <a:rPr lang="mr-IN" sz="1200" dirty="0" smtClean="0">
+              <a:rPr lang="mr-IN" sz="1200" dirty="0">
                 <a:latin typeface="Arial"/>
                 <a:cs typeface="Arial"/>
               </a:rPr>
@@ -23336,7 +22029,7 @@
           </a:p>
           <a:p>
             <a:r>
-              <a:rPr lang="mr-IN" sz="1200" dirty="0" smtClean="0">
+              <a:rPr lang="mr-IN" sz="1200" dirty="0">
                 <a:latin typeface="Arial"/>
                 <a:cs typeface="Arial"/>
               </a:rPr>
@@ -23345,7 +22038,7 @@
           </a:p>
           <a:p>
             <a:r>
-              <a:rPr lang="mr-IN" sz="1200" dirty="0" smtClean="0">
+              <a:rPr lang="mr-IN" sz="1200" dirty="0">
                 <a:latin typeface="Arial"/>
                 <a:cs typeface="Arial"/>
               </a:rPr>
@@ -23354,7 +22047,7 @@
           </a:p>
           <a:p>
             <a:r>
-              <a:rPr lang="mr-IN" sz="1200" dirty="0" smtClean="0">
+              <a:rPr lang="mr-IN" sz="1200" dirty="0">
                 <a:latin typeface="Arial"/>
                 <a:cs typeface="Arial"/>
               </a:rPr>
@@ -23363,7 +22056,7 @@
           </a:p>
           <a:p>
             <a:r>
-              <a:rPr lang="mr-IN" sz="1200" dirty="0" smtClean="0">
+              <a:rPr lang="mr-IN" sz="1200" dirty="0">
                 <a:latin typeface="Arial"/>
                 <a:cs typeface="Arial"/>
               </a:rPr>
@@ -23372,7 +22065,7 @@
           </a:p>
           <a:p>
             <a:r>
-              <a:rPr lang="mr-IN" sz="1200" dirty="0" smtClean="0">
+              <a:rPr lang="mr-IN" sz="1200" dirty="0">
                 <a:latin typeface="Arial"/>
                 <a:cs typeface="Arial"/>
               </a:rPr>
@@ -23381,7 +22074,7 @@
           </a:p>
           <a:p>
             <a:r>
-              <a:rPr lang="mr-IN" sz="1200" dirty="0" smtClean="0">
+              <a:rPr lang="mr-IN" sz="1200" dirty="0">
                 <a:latin typeface="Arial"/>
                 <a:cs typeface="Arial"/>
               </a:rPr>
@@ -23390,7 +22083,7 @@
           </a:p>
           <a:p>
             <a:r>
-              <a:rPr lang="mr-IN" sz="1200" dirty="0" smtClean="0">
+              <a:rPr lang="mr-IN" sz="1200" dirty="0">
                 <a:latin typeface="Arial"/>
                 <a:cs typeface="Arial"/>
               </a:rPr>
@@ -23399,7 +22092,7 @@
           </a:p>
           <a:p>
             <a:r>
-              <a:rPr lang="mr-IN" sz="1200" dirty="0" smtClean="0">
+              <a:rPr lang="mr-IN" sz="1200" dirty="0">
                 <a:latin typeface="Arial"/>
                 <a:cs typeface="Arial"/>
               </a:rPr>
@@ -23408,7 +22101,7 @@
           </a:p>
           <a:p>
             <a:r>
-              <a:rPr lang="mr-IN" sz="1200" dirty="0" smtClean="0">
+              <a:rPr lang="mr-IN" sz="1200" dirty="0">
                 <a:latin typeface="Arial"/>
                 <a:cs typeface="Arial"/>
               </a:rPr>
@@ -23417,7 +22110,7 @@
           </a:p>
           <a:p>
             <a:r>
-              <a:rPr lang="mr-IN" sz="1200" dirty="0" smtClean="0">
+              <a:rPr lang="mr-IN" sz="1200" dirty="0">
                 <a:latin typeface="Arial"/>
                 <a:cs typeface="Arial"/>
               </a:rPr>
@@ -23426,7 +22119,7 @@
           </a:p>
           <a:p>
             <a:r>
-              <a:rPr lang="mr-IN" sz="1200" dirty="0" smtClean="0">
+              <a:rPr lang="mr-IN" sz="1200" dirty="0">
                 <a:latin typeface="Arial"/>
                 <a:cs typeface="Arial"/>
               </a:rPr>
@@ -23435,7 +22128,7 @@
           </a:p>
           <a:p>
             <a:r>
-              <a:rPr lang="mr-IN" sz="1200" dirty="0" smtClean="0">
+              <a:rPr lang="mr-IN" sz="1200" dirty="0">
                 <a:latin typeface="Arial"/>
                 <a:cs typeface="Arial"/>
               </a:rPr>
@@ -23444,7 +22137,7 @@
           </a:p>
           <a:p>
             <a:r>
-              <a:rPr lang="mr-IN" sz="1200" dirty="0" smtClean="0">
+              <a:rPr lang="mr-IN" sz="1200" dirty="0">
                 <a:latin typeface="Arial"/>
                 <a:cs typeface="Arial"/>
               </a:rPr>
@@ -23453,7 +22146,7 @@
           </a:p>
           <a:p>
             <a:r>
-              <a:rPr lang="mr-IN" sz="1200" dirty="0" smtClean="0">
+              <a:rPr lang="mr-IN" sz="1200" dirty="0">
                 <a:latin typeface="Arial"/>
                 <a:cs typeface="Arial"/>
               </a:rPr>
@@ -23462,7 +22155,7 @@
           </a:p>
           <a:p>
             <a:r>
-              <a:rPr lang="mr-IN" sz="1200" dirty="0" smtClean="0">
+              <a:rPr lang="mr-IN" sz="1200" dirty="0">
                 <a:latin typeface="Arial"/>
                 <a:cs typeface="Arial"/>
               </a:rPr>
@@ -23471,13 +22164,13 @@
           </a:p>
           <a:p>
             <a:r>
-              <a:rPr lang="mr-IN" sz="1200" dirty="0" smtClean="0">
+              <a:rPr lang="mr-IN" sz="1200" dirty="0">
                 <a:latin typeface="Arial"/>
                 <a:cs typeface="Arial"/>
               </a:rPr>
               <a:t>#=GC seq_cons AEssss...AptAhDSLpspAT-hIu.sWshVsslVsAsluIKLFKKFsSK</a:t>
             </a:r>
-            <a:endParaRPr lang="fr-FR" sz="1200" dirty="0" smtClean="0">
+            <a:endParaRPr lang="fr-FR" sz="1200" dirty="0">
               <a:latin typeface="Arial"/>
               <a:cs typeface="Arial"/>
             </a:endParaRPr>
@@ -23531,11 +22224,7 @@
           <a:p>
             <a:r>
               <a:rPr lang="en-US" dirty="0"/>
-              <a:t>Single </a:t>
-            </a:r>
-            <a:r>
-              <a:rPr lang="en-US" dirty="0" smtClean="0"/>
-              <a:t>Alignments (2)</a:t>
+              <a:t>Single Alignments (2)</a:t>
             </a:r>
             <a:endParaRPr lang="fr-FR" dirty="0"/>
           </a:p>
@@ -23558,7 +22247,7 @@
           <a:p>
             <a:fld id="{751463B9-2A29-154C-A5AC-383AEA094CA9}" type="datetime1">
               <a:rPr lang="fr-FR" smtClean="0"/>
-              <a:t>13/11/16</a:t>
+              <a:t>08/11/2018</a:t>
             </a:fld>
             <a:endParaRPr lang="fr-FR" dirty="0"/>
           </a:p>
@@ -23580,7 +22269,7 @@
           <a:lstStyle/>
           <a:p>
             <a:r>
-              <a:rPr lang="fr-FR" smtClean="0"/>
+              <a:rPr lang="fr-FR"/>
               <a:t>Python pour la biologie</a:t>
             </a:r>
             <a:endParaRPr lang="fr-FR" dirty="0"/>
@@ -24058,11 +22747,7 @@
           <a:p>
             <a:r>
               <a:rPr lang="en-US" dirty="0"/>
-              <a:t>Single Alignments </a:t>
-            </a:r>
-            <a:r>
-              <a:rPr lang="en-US" dirty="0" smtClean="0"/>
-              <a:t>(3)</a:t>
+              <a:t>Single Alignments (3)</a:t>
             </a:r>
             <a:endParaRPr lang="fr-FR" dirty="0"/>
           </a:p>
@@ -24089,28 +22774,8 @@
           <a:lstStyle/>
           <a:p>
             <a:r>
-              <a:rPr lang="en-US" dirty="0" smtClean="0"/>
-              <a:t>Include </a:t>
-            </a:r>
-            <a:r>
               <a:rPr lang="en-US" dirty="0"/>
-              <a:t>database cross-references to </a:t>
-            </a:r>
-            <a:r>
-              <a:rPr lang="en-US" dirty="0" smtClean="0"/>
-              <a:t>the PDB </a:t>
-            </a:r>
-            <a:r>
-              <a:rPr lang="en-US" dirty="0"/>
-              <a:t>and the </a:t>
-            </a:r>
-            <a:r>
-              <a:rPr lang="en-US" dirty="0" smtClean="0"/>
-              <a:t>associate known </a:t>
-            </a:r>
-            <a:r>
-              <a:rPr lang="en-US" dirty="0"/>
-              <a:t>secondary structure</a:t>
+              <a:t>Include database cross-references to the PDB and the associate known secondary structure</a:t>
             </a:r>
           </a:p>
           <a:p>
@@ -24135,7 +22800,7 @@
           <a:p>
             <a:fld id="{751463B9-2A29-154C-A5AC-383AEA094CA9}" type="datetime1">
               <a:rPr lang="fr-FR" smtClean="0"/>
-              <a:t>13/11/16</a:t>
+              <a:t>08/11/2018</a:t>
             </a:fld>
             <a:endParaRPr lang="fr-FR" dirty="0"/>
           </a:p>
@@ -24157,7 +22822,7 @@
           <a:lstStyle/>
           <a:p>
             <a:r>
-              <a:rPr lang="fr-FR" smtClean="0"/>
+              <a:rPr lang="fr-FR"/>
               <a:t>Python pour la biologie</a:t>
             </a:r>
             <a:endParaRPr lang="fr-FR" dirty="0"/>
@@ -24576,11 +23241,7 @@
           <a:p>
             <a:r>
               <a:rPr lang="en-US" dirty="0"/>
-              <a:t>Single Alignments </a:t>
-            </a:r>
-            <a:r>
-              <a:rPr lang="en-US" dirty="0" smtClean="0"/>
-              <a:t>(4)</a:t>
+              <a:t>Single Alignments (4)</a:t>
             </a:r>
             <a:endParaRPr lang="fr-FR" dirty="0"/>
           </a:p>
@@ -24608,18 +23269,14 @@
           <a:p>
             <a:r>
               <a:rPr lang="en-US" dirty="0"/>
-              <a:t>download and save this as </a:t>
-            </a:r>
-            <a:r>
-              <a:rPr lang="en-US" dirty="0" smtClean="0"/>
-              <a:t>file “PF05371 </a:t>
-            </a:r>
-            <a:r>
-              <a:rPr lang="en-US" dirty="0" err="1" smtClean="0"/>
+              <a:t>download and save this as file “PF05371 </a:t>
+            </a:r>
+            <a:r>
+              <a:rPr lang="en-US" dirty="0" err="1"/>
               <a:t>seed.fa</a:t>
             </a:r>
             <a:r>
-              <a:rPr lang="en-US" dirty="0" smtClean="0"/>
+              <a:rPr lang="en-US" dirty="0"/>
               <a:t>”</a:t>
             </a:r>
           </a:p>
@@ -24645,7 +23302,7 @@
           <a:p>
             <a:fld id="{751463B9-2A29-154C-A5AC-383AEA094CA9}" type="datetime1">
               <a:rPr lang="fr-FR" smtClean="0"/>
-              <a:t>13/11/16</a:t>
+              <a:t>08/11/2018</a:t>
             </a:fld>
             <a:endParaRPr lang="fr-FR" dirty="0"/>
           </a:p>
@@ -24667,7 +23324,7 @@
           <a:lstStyle/>
           <a:p>
             <a:r>
-              <a:rPr lang="fr-FR" smtClean="0"/>
+              <a:rPr lang="fr-FR"/>
               <a:t>Python pour la biologie</a:t>
             </a:r>
             <a:endParaRPr lang="fr-FR" dirty="0"/>
@@ -24920,15 +23577,7 @@
           <a:p>
             <a:r>
               <a:rPr lang="en-US" dirty="0"/>
-              <a:t>no annotation nor database cross-references because these are not included in the </a:t>
-            </a:r>
-            <a:r>
-              <a:rPr lang="en-US" dirty="0" smtClean="0"/>
-              <a:t>FASTA file </a:t>
-            </a:r>
-            <a:r>
-              <a:rPr lang="en-US" dirty="0"/>
-              <a:t>format</a:t>
+              <a:t>no annotation nor database cross-references because these are not included in the FASTA file format</a:t>
             </a:r>
           </a:p>
         </p:txBody>
@@ -24979,18 +23628,17 @@
           <a:lstStyle/>
           <a:p>
             <a:r>
-              <a:rPr lang="fr-FR" dirty="0" smtClean="0"/>
+              <a:rPr lang="fr-FR" dirty="0"/>
               <a:t>Multiple </a:t>
             </a:r>
             <a:r>
-              <a:rPr lang="fr-FR" dirty="0" err="1" smtClean="0"/>
+              <a:rPr lang="fr-FR" dirty="0" err="1"/>
               <a:t>alignments</a:t>
             </a:r>
             <a:r>
-              <a:rPr lang="fr-FR" dirty="0" smtClean="0"/>
+              <a:rPr lang="fr-FR" dirty="0"/>
               <a:t> (1)</a:t>
             </a:r>
-            <a:endParaRPr lang="fr-FR" dirty="0"/>
           </a:p>
         </p:txBody>
       </p:sp>
@@ -25039,7 +23687,7 @@
           <a:p>
             <a:fld id="{751463B9-2A29-154C-A5AC-383AEA094CA9}" type="datetime1">
               <a:rPr lang="fr-FR" smtClean="0"/>
-              <a:t>13/11/16</a:t>
+              <a:t>08/11/2018</a:t>
             </a:fld>
             <a:endParaRPr lang="fr-FR" dirty="0"/>
           </a:p>
@@ -25061,7 +23709,7 @@
           <a:lstStyle/>
           <a:p>
             <a:r>
-              <a:rPr lang="fr-FR" smtClean="0"/>
+              <a:rPr lang="fr-FR"/>
               <a:t>Python pour la biologie</a:t>
             </a:r>
             <a:endParaRPr lang="fr-FR" dirty="0"/>
@@ -25459,63 +24107,26 @@
           <a:p>
             <a:r>
               <a:rPr lang="en-US" dirty="0"/>
-              <a:t>T</a:t>
-            </a:r>
-            <a:r>
-              <a:rPr lang="en-US" dirty="0" smtClean="0"/>
-              <a:t>o </a:t>
-            </a:r>
+              <a:t>To bootstrap a phylogenetic tree using the PHYLIP tools:</a:t>
+            </a:r>
+          </a:p>
+          <a:p>
+            <a:pPr lvl="1"/>
+            <a:r>
+              <a:rPr lang="en-US" sz="1600" dirty="0"/>
+              <a:t>create a set of many resampled alignments using the tool </a:t>
+            </a:r>
+            <a:r>
+              <a:rPr lang="en-US" sz="1600" dirty="0" err="1"/>
+              <a:t>bootseq</a:t>
+            </a:r>
+            <a:endParaRPr lang="en-US" sz="1600" dirty="0"/>
+          </a:p>
+          <a:p>
             <a:r>
               <a:rPr lang="en-US" dirty="0"/>
-              <a:t>bootstrap a phylogenetic tree using the PHYLIP </a:t>
-            </a:r>
-            <a:r>
-              <a:rPr lang="en-US" dirty="0" smtClean="0"/>
-              <a:t>tools:</a:t>
-            </a:r>
-          </a:p>
-          <a:p>
-            <a:pPr lvl="1"/>
-            <a:r>
-              <a:rPr lang="en-US" sz="1600" dirty="0" smtClean="0"/>
-              <a:t>create </a:t>
-            </a:r>
-            <a:r>
-              <a:rPr lang="en-US" sz="1600" dirty="0"/>
-              <a:t>a set of many resampled alignments using the </a:t>
-            </a:r>
-            <a:r>
-              <a:rPr lang="en-US" sz="1600" dirty="0" smtClean="0"/>
-              <a:t>tool </a:t>
-            </a:r>
-            <a:r>
-              <a:rPr lang="en-US" sz="1600" dirty="0" err="1" smtClean="0"/>
-              <a:t>bootseq</a:t>
-            </a:r>
-            <a:endParaRPr lang="en-US" sz="1600" dirty="0"/>
-          </a:p>
-          <a:p>
-            <a:r>
-              <a:rPr lang="en-US" dirty="0" smtClean="0"/>
-              <a:t>This </a:t>
-            </a:r>
-            <a:r>
-              <a:rPr lang="en-US" dirty="0"/>
-              <a:t>would give </a:t>
-            </a:r>
-            <a:r>
-              <a:rPr lang="en-US" dirty="0" smtClean="0"/>
-              <a:t>output (abbreviated </a:t>
-            </a:r>
-            <a:r>
-              <a:rPr lang="en-US" dirty="0"/>
-              <a:t>for </a:t>
-            </a:r>
-            <a:r>
-              <a:rPr lang="en-US" dirty="0" smtClean="0"/>
-              <a:t>conciseness):</a:t>
-            </a:r>
-            <a:endParaRPr lang="en-US" dirty="0"/>
+              <a:t>This would give output (abbreviated for conciseness):</a:t>
+            </a:r>
           </a:p>
         </p:txBody>
       </p:sp>
